--- a/PHY2026/Experiment_4/Final_Report/Wo01_Presentation.pptx
+++ b/PHY2026/Experiment_4/Final_Report/Wo01_Presentation.pptx
@@ -119,7 +119,7 @@
   </p:defaultTextStyle>
   <p:extLst>
     <p:ext uri="{EFAFB233-063F-42B5-8137-9DF3F51BA10A}">
-      <p15:sldGuideLst xmlns:p15="http://schemas.microsoft.com/office/powerpoint/2012/main"/>
+      <p15:sldGuideLst xmlns:p15="http://schemas.microsoft.com/office/powerpoint/2012/main" xmlns=""/>
     </p:ext>
   </p:extLst>
 </p:presentation>
@@ -207,7 +207,7 @@
           <a:p>
             <a:fld id="{8CDFF4CB-356B-4B38-95B6-292FF56F68A2}" type="datetimeFigureOut">
               <a:rPr lang="en-GB" smtClean="0"/>
-              <a:t>09/03/2019</a:t>
+              <a:t>14/03/19</a:t>
             </a:fld>
             <a:endParaRPr lang="en-GB"/>
           </a:p>
@@ -690,7 +690,7 @@
           <a:p>
             <a:fld id="{82E3491A-DA20-485D-A3DD-B3B630B308C3}" type="datetimeFigureOut">
               <a:rPr lang="en-GB" smtClean="0"/>
-              <a:t>09/03/2019</a:t>
+              <a:t>14/03/19</a:t>
             </a:fld>
             <a:endParaRPr lang="en-GB"/>
           </a:p>
@@ -860,7 +860,7 @@
           <a:p>
             <a:fld id="{82E3491A-DA20-485D-A3DD-B3B630B308C3}" type="datetimeFigureOut">
               <a:rPr lang="en-GB" smtClean="0"/>
-              <a:t>09/03/2019</a:t>
+              <a:t>14/03/19</a:t>
             </a:fld>
             <a:endParaRPr lang="en-GB"/>
           </a:p>
@@ -1040,7 +1040,7 @@
           <a:p>
             <a:fld id="{82E3491A-DA20-485D-A3DD-B3B630B308C3}" type="datetimeFigureOut">
               <a:rPr lang="en-GB" smtClean="0"/>
-              <a:t>09/03/2019</a:t>
+              <a:t>14/03/19</a:t>
             </a:fld>
             <a:endParaRPr lang="en-GB"/>
           </a:p>
@@ -1210,7 +1210,7 @@
           <a:p>
             <a:fld id="{82E3491A-DA20-485D-A3DD-B3B630B308C3}" type="datetimeFigureOut">
               <a:rPr lang="en-GB" smtClean="0"/>
-              <a:t>09/03/2019</a:t>
+              <a:t>14/03/19</a:t>
             </a:fld>
             <a:endParaRPr lang="en-GB"/>
           </a:p>
@@ -1456,7 +1456,7 @@
           <a:p>
             <a:fld id="{82E3491A-DA20-485D-A3DD-B3B630B308C3}" type="datetimeFigureOut">
               <a:rPr lang="en-GB" smtClean="0"/>
-              <a:t>09/03/2019</a:t>
+              <a:t>14/03/19</a:t>
             </a:fld>
             <a:endParaRPr lang="en-GB"/>
           </a:p>
@@ -1688,7 +1688,7 @@
           <a:p>
             <a:fld id="{82E3491A-DA20-485D-A3DD-B3B630B308C3}" type="datetimeFigureOut">
               <a:rPr lang="en-GB" smtClean="0"/>
-              <a:t>09/03/2019</a:t>
+              <a:t>14/03/19</a:t>
             </a:fld>
             <a:endParaRPr lang="en-GB"/>
           </a:p>
@@ -2055,7 +2055,7 @@
           <a:p>
             <a:fld id="{82E3491A-DA20-485D-A3DD-B3B630B308C3}" type="datetimeFigureOut">
               <a:rPr lang="en-GB" smtClean="0"/>
-              <a:t>09/03/2019</a:t>
+              <a:t>14/03/19</a:t>
             </a:fld>
             <a:endParaRPr lang="en-GB"/>
           </a:p>
@@ -2173,7 +2173,7 @@
           <a:p>
             <a:fld id="{82E3491A-DA20-485D-A3DD-B3B630B308C3}" type="datetimeFigureOut">
               <a:rPr lang="en-GB" smtClean="0"/>
-              <a:t>09/03/2019</a:t>
+              <a:t>14/03/19</a:t>
             </a:fld>
             <a:endParaRPr lang="en-GB"/>
           </a:p>
@@ -2268,7 +2268,7 @@
           <a:p>
             <a:fld id="{82E3491A-DA20-485D-A3DD-B3B630B308C3}" type="datetimeFigureOut">
               <a:rPr lang="en-GB" smtClean="0"/>
-              <a:t>09/03/2019</a:t>
+              <a:t>14/03/19</a:t>
             </a:fld>
             <a:endParaRPr lang="en-GB"/>
           </a:p>
@@ -2545,7 +2545,7 @@
           <a:p>
             <a:fld id="{82E3491A-DA20-485D-A3DD-B3B630B308C3}" type="datetimeFigureOut">
               <a:rPr lang="en-GB" smtClean="0"/>
-              <a:t>09/03/2019</a:t>
+              <a:t>14/03/19</a:t>
             </a:fld>
             <a:endParaRPr lang="en-GB"/>
           </a:p>
@@ -2798,7 +2798,7 @@
           <a:p>
             <a:fld id="{82E3491A-DA20-485D-A3DD-B3B630B308C3}" type="datetimeFigureOut">
               <a:rPr lang="en-GB" smtClean="0"/>
-              <a:t>09/03/2019</a:t>
+              <a:t>14/03/19</a:t>
             </a:fld>
             <a:endParaRPr lang="en-GB"/>
           </a:p>
@@ -3035,7 +3035,7 @@
           <a:p>
             <a:fld id="{82E3491A-DA20-485D-A3DD-B3B630B308C3}" type="datetimeFigureOut">
               <a:rPr lang="en-GB" smtClean="0"/>
-              <a:t>09/03/2019</a:t>
+              <a:t>14/03/19</a:t>
             </a:fld>
             <a:endParaRPr lang="en-GB"/>
           </a:p>
@@ -3547,7 +3547,7 @@
   <p:timing>
     <p:tnLst>
       <p:par>
-        <p:cTn id="1" dur="indefinite" restart="never" nodeType="tmRoot"/>
+        <p:cTn xmlns:p14="http://schemas.microsoft.com/office/powerpoint/2010/main" id="1" dur="indefinite" restart="never" nodeType="tmRoot"/>
       </p:par>
     </p:tnLst>
   </p:timing>
@@ -3677,10 +3677,6 @@
               </a:rPr>
               <a:t>Using diffraction and interference of EM waves has been shown to determine the wavelength of a light source.</a:t>
             </a:r>
-            <a:endParaRPr lang="en-GB" dirty="0" smtClean="0">
-              <a:latin typeface="Times New Roman" panose="02020603050405020304" pitchFamily="18" charset="0"/>
-              <a:cs typeface="Times New Roman" panose="02020603050405020304" pitchFamily="18" charset="0"/>
-            </a:endParaRPr>
           </a:p>
           <a:p>
             <a:pPr marL="0" indent="0" algn="ctr">
@@ -3720,7 +3716,7 @@
   <p:timing>
     <p:tnLst>
       <p:par>
-        <p:cTn id="1" dur="indefinite" restart="never" nodeType="tmRoot">
+        <p:cTn xmlns:p14="http://schemas.microsoft.com/office/powerpoint/2010/main" id="1" dur="indefinite" restart="never" nodeType="tmRoot">
           <p:childTnLst>
             <p:seq concurrent="1" nextAc="seek">
               <p:cTn id="2" dur="indefinite" nodeType="mainSeq">
@@ -4214,7 +4210,7 @@
   <p:timing>
     <p:tnLst>
       <p:par>
-        <p:cTn id="1" dur="indefinite" restart="never" nodeType="tmRoot"/>
+        <p:cTn xmlns:p14="http://schemas.microsoft.com/office/powerpoint/2010/main" id="1" dur="indefinite" restart="never" nodeType="tmRoot"/>
       </p:par>
     </p:tnLst>
   </p:timing>
@@ -4364,7 +4360,7 @@
   <p:timing>
     <p:tnLst>
       <p:par>
-        <p:cTn id="1" dur="indefinite" restart="never" nodeType="tmRoot">
+        <p:cTn xmlns:p14="http://schemas.microsoft.com/office/powerpoint/2010/main" id="1" dur="indefinite" restart="never" nodeType="tmRoot">
           <p:childTnLst>
             <p:seq concurrent="1" nextAc="seek">
               <p:cTn id="2" dur="indefinite" nodeType="mainSeq">
@@ -4721,7 +4717,7 @@
   <p:timing>
     <p:tnLst>
       <p:par>
-        <p:cTn id="1" dur="indefinite" restart="never" nodeType="tmRoot">
+        <p:cTn xmlns:p14="http://schemas.microsoft.com/office/powerpoint/2010/main" id="1" dur="indefinite" restart="never" nodeType="tmRoot">
           <p:childTnLst>
             <p:seq concurrent="1" nextAc="seek">
               <p:cTn id="2" dur="indefinite" nodeType="mainSeq">
@@ -5068,7 +5064,7 @@
                   <a:t> </a:t>
                 </a:r>
                 <a14:m>
-                  <m:oMath xmlns:m="http://schemas.openxmlformats.org/officeDocument/2006/math">
+                  <m:oMath xmlns:m="http://schemas.openxmlformats.org/officeDocument/2006/math" xmlns="">
                     <m:r>
                       <a:rPr lang="en-GB" sz="2000" i="1">
                         <a:latin typeface="Cambria Math" panose="02040503050406030204" pitchFamily="18" charset="0"/>
@@ -5225,7 +5221,7 @@
                   <a:t> </a:t>
                 </a:r>
                 <a14:m>
-                  <m:oMath xmlns:m="http://schemas.openxmlformats.org/officeDocument/2006/math">
+                  <m:oMath xmlns:m="http://schemas.openxmlformats.org/officeDocument/2006/math" xmlns="">
                     <m:r>
                       <a:rPr lang="en-GB" sz="2000" i="1">
                         <a:latin typeface="Cambria Math" panose="02040503050406030204" pitchFamily="18" charset="0"/>
@@ -5327,7 +5323,7 @@
                   <a:t>mall angle approximation: </a:t>
                 </a:r>
                 <a14:m>
-                  <m:oMath xmlns:m="http://schemas.openxmlformats.org/officeDocument/2006/math">
+                  <m:oMath xmlns:m="http://schemas.openxmlformats.org/officeDocument/2006/math" xmlns="">
                     <m:r>
                       <a:rPr lang="en-GB" sz="2000" i="1">
                         <a:latin typeface="Cambria Math" panose="02040503050406030204" pitchFamily="18" charset="0"/>
@@ -5643,7 +5639,7 @@
                   <a:t>ith </a:t>
                 </a:r>
                 <a14:m>
-                  <m:oMath xmlns:m="http://schemas.openxmlformats.org/officeDocument/2006/math">
+                  <m:oMath xmlns:m="http://schemas.openxmlformats.org/officeDocument/2006/math" xmlns="">
                     <m:r>
                       <a:rPr lang="en-GB" sz="2000" i="1">
                         <a:latin typeface="Cambria Math" panose="02040503050406030204" pitchFamily="18" charset="0"/>
@@ -5776,7 +5772,7 @@
               <a:p>
                 <a:pPr algn="ctr"/>
                 <a14:m>
-                  <m:oMath xmlns:m="http://schemas.openxmlformats.org/officeDocument/2006/math">
+                  <m:oMath xmlns:m="http://schemas.openxmlformats.org/officeDocument/2006/math" xmlns="">
                     <m:r>
                       <a:rPr lang="en-GB" sz="2000" i="1">
                         <a:latin typeface="Cambria Math" panose="02040503050406030204" pitchFamily="18" charset="0"/>
@@ -5985,7 +5981,7 @@
                   <a:t> </a:t>
                 </a:r>
                 <a14:m>
-                  <m:oMath xmlns:m="http://schemas.openxmlformats.org/officeDocument/2006/math">
+                  <m:oMath xmlns:m="http://schemas.openxmlformats.org/officeDocument/2006/math" xmlns="">
                     <m:r>
                       <a:rPr lang="el-GR" sz="2000" i="1">
                         <a:latin typeface="Cambria Math" panose="02040503050406030204" pitchFamily="18" charset="0"/>
@@ -6082,7 +6078,7 @@
                   <a:t>Small angle approximation: </a:t>
                 </a:r>
                 <a14:m>
-                  <m:oMath xmlns:m="http://schemas.openxmlformats.org/officeDocument/2006/math">
+                  <m:oMath xmlns:m="http://schemas.openxmlformats.org/officeDocument/2006/math" xmlns="">
                     <m:r>
                       <a:rPr lang="en-GB" sz="2000" i="1">
                         <a:latin typeface="Cambria Math" panose="02040503050406030204" pitchFamily="18" charset="0"/>
@@ -6501,7 +6497,7 @@
                   <a:t>with </a:t>
                 </a:r>
                 <a14:m>
-                  <m:oMath xmlns:m="http://schemas.openxmlformats.org/officeDocument/2006/math">
+                  <m:oMath xmlns:m="http://schemas.openxmlformats.org/officeDocument/2006/math" xmlns="">
                     <m:r>
                       <a:rPr lang="en-GB" sz="2000" i="1">
                         <a:latin typeface="Cambria Math" panose="02040503050406030204" pitchFamily="18" charset="0"/>
@@ -6665,7 +6661,7 @@
   <p:timing>
     <p:tnLst>
       <p:par>
-        <p:cTn id="1" dur="indefinite" restart="never" nodeType="tmRoot">
+        <p:cTn xmlns:p14="http://schemas.microsoft.com/office/powerpoint/2010/main" id="1" dur="indefinite" restart="never" nodeType="tmRoot">
           <p:childTnLst>
             <p:seq concurrent="1" nextAc="seek">
               <p:cTn id="2" dur="indefinite" nodeType="mainSeq">
@@ -7108,7 +7104,7 @@
                   <a:t>Experimental value: </a:t>
                 </a:r>
                 <a14:m>
-                  <m:oMath xmlns:m="http://schemas.openxmlformats.org/officeDocument/2006/math">
+                  <m:oMath xmlns:m="http://schemas.openxmlformats.org/officeDocument/2006/math" xmlns="">
                     <m:r>
                       <a:rPr lang="en-GB" sz="2000" b="0" i="1" smtClean="0">
                         <a:latin typeface="Cambria Math" panose="02040503050406030204" pitchFamily="18" charset="0"/>
@@ -7174,7 +7170,7 @@
                   <a:t>Theoretical value (</a:t>
                 </a:r>
                 <a14:m>
-                  <m:oMath xmlns:m="http://schemas.openxmlformats.org/officeDocument/2006/math">
+                  <m:oMath xmlns:m="http://schemas.openxmlformats.org/officeDocument/2006/math" xmlns="">
                     <m:r>
                       <a:rPr lang="en-GB" sz="2000" i="1">
                         <a:latin typeface="Cambria Math" panose="02040503050406030204" pitchFamily="18" charset="0"/>
@@ -7238,7 +7234,7 @@
                   <a:t>:  </a:t>
                 </a:r>
                 <a14:m>
-                  <m:oMath xmlns:m="http://schemas.openxmlformats.org/officeDocument/2006/math">
+                  <m:oMath xmlns:m="http://schemas.openxmlformats.org/officeDocument/2006/math" xmlns="">
                     <m:r>
                       <a:rPr lang="en-GB" sz="2000" i="1">
                         <a:latin typeface="Cambria Math" panose="02040503050406030204" pitchFamily="18" charset="0"/>
@@ -7457,7 +7453,7 @@
                   <a:t>A</a:t>
                 </a:r>
                 <a14:m>
-                  <m:oMath xmlns:m="http://schemas.openxmlformats.org/officeDocument/2006/math">
+                  <m:oMath xmlns:m="http://schemas.openxmlformats.org/officeDocument/2006/math" xmlns="">
                     <m:r>
                       <m:rPr>
                         <m:sty m:val="p"/>
@@ -7579,7 +7575,7 @@
                   <a:t>A</a:t>
                 </a:r>
                 <a14:m>
-                  <m:oMath xmlns:m="http://schemas.openxmlformats.org/officeDocument/2006/math">
+                  <m:oMath xmlns:m="http://schemas.openxmlformats.org/officeDocument/2006/math" xmlns="">
                     <m:r>
                       <m:rPr>
                         <m:sty m:val="p"/>
@@ -7816,8 +7812,8 @@
           </a:prstGeom>
         </p:spPr>
       </p:pic>
-      <mc:AlternateContent xmlns:mc="http://schemas.openxmlformats.org/markup-compatibility/2006">
-        <mc:Choice xmlns:a14="http://schemas.microsoft.com/office/drawing/2010/main" Requires="a14">
+      <mc:AlternateContent xmlns:mc="http://schemas.openxmlformats.org/markup-compatibility/2006" xmlns:a14="http://schemas.microsoft.com/office/drawing/2010/main">
+        <mc:Choice Requires="a14">
           <p:sp>
             <p:nvSpPr>
               <p:cNvPr id="4" name="TextBox 3"/>
@@ -7849,7 +7845,7 @@
               <a:lstStyle/>
               <a:p>
                 <a14:m>
-                  <m:oMathPara xmlns:m="http://schemas.openxmlformats.org/officeDocument/2006/math">
+                  <m:oMathPara xmlns:m="http://schemas.openxmlformats.org/officeDocument/2006/math" xmlns="">
                     <m:oMathParaPr>
                       <m:jc m:val="centerGroup"/>
                     </m:oMathParaPr>
@@ -7897,7 +7893,7 @@
             </p:txBody>
           </p:sp>
         </mc:Choice>
-        <mc:Fallback>
+        <mc:Fallback xmlns="">
           <p:sp>
             <p:nvSpPr>
               <p:cNvPr id="4" name="TextBox 3"/>
@@ -7965,7 +7961,7 @@
   <p:timing>
     <p:tnLst>
       <p:par>
-        <p:cTn id="1" dur="indefinite" restart="never" nodeType="tmRoot">
+        <p:cTn xmlns:p14="http://schemas.microsoft.com/office/powerpoint/2010/main" id="1" dur="indefinite" restart="never" nodeType="tmRoot">
           <p:childTnLst>
             <p:seq concurrent="1" nextAc="seek">
               <p:cTn id="2" dur="indefinite" nodeType="mainSeq">
@@ -8366,21 +8362,7 @@
                 <a:latin typeface="Times New Roman" panose="02020603050405020304" pitchFamily="18" charset="0"/>
                 <a:cs typeface="Times New Roman" panose="02020603050405020304" pitchFamily="18" charset="0"/>
               </a:rPr>
-              <a:t>Speed of Water Waves at </a:t>
-            </a:r>
-            <a:r>
-              <a:rPr lang="en-GB" sz="4800" dirty="0" smtClean="0">
-                <a:latin typeface="Times New Roman" panose="02020603050405020304" pitchFamily="18" charset="0"/>
-                <a:cs typeface="Times New Roman" panose="02020603050405020304" pitchFamily="18" charset="0"/>
-              </a:rPr>
-              <a:t>Varying </a:t>
-            </a:r>
-            <a:r>
-              <a:rPr lang="en-GB" sz="4800" dirty="0" smtClean="0">
-                <a:latin typeface="Times New Roman" panose="02020603050405020304" pitchFamily="18" charset="0"/>
-                <a:cs typeface="Times New Roman" panose="02020603050405020304" pitchFamily="18" charset="0"/>
-              </a:rPr>
-              <a:t>Depths</a:t>
+              <a:t>Speed of Water Waves at Varying Depths</a:t>
             </a:r>
             <a:endParaRPr lang="en-GB" sz="4800" dirty="0">
               <a:latin typeface="Times New Roman" panose="02020603050405020304" pitchFamily="18" charset="0"/>
@@ -8616,7 +8598,7 @@
             <p:spPr>
               <a:xfrm>
                 <a:off x="4810897" y="5785053"/>
-                <a:ext cx="6785055" cy="1080617"/>
+                <a:ext cx="6785055" cy="1015663"/>
               </a:xfrm>
               <a:prstGeom prst="rect">
                 <a:avLst/>
@@ -8637,47 +8619,7 @@
                   </a:rPr>
                   <a:t>Using </a:t>
                 </a:r>
-                <a14:m>
-                  <m:oMath xmlns:m="http://schemas.openxmlformats.org/officeDocument/2006/math">
-                    <m:r>
-                      <a:rPr lang="en-GB" sz="2000" i="1">
-                        <a:latin typeface="Cambria Math" panose="02040503050406030204" pitchFamily="18" charset="0"/>
-                        <a:cs typeface="Times New Roman" panose="02020603050405020304" pitchFamily="18" charset="0"/>
-                      </a:rPr>
-                      <m:t>𝑣</m:t>
-                    </m:r>
-                    <m:r>
-                      <a:rPr lang="en-GB" sz="2000" i="1">
-                        <a:latin typeface="Cambria Math" panose="02040503050406030204" pitchFamily="18" charset="0"/>
-                        <a:cs typeface="Times New Roman" panose="02020603050405020304" pitchFamily="18" charset="0"/>
-                      </a:rPr>
-                      <m:t> ≈ </m:t>
-                    </m:r>
-                    <m:rad>
-                      <m:radPr>
-                        <m:degHide m:val="on"/>
-                        <m:ctrlPr>
-                          <a:rPr lang="en-GB" sz="2000" i="1">
-                            <a:latin typeface="Cambria Math" panose="02040503050406030204" pitchFamily="18" charset="0"/>
-                            <a:ea typeface="Cambria Math" panose="02040503050406030204" pitchFamily="18" charset="0"/>
-                            <a:cs typeface="Times New Roman" panose="02020603050405020304" pitchFamily="18" charset="0"/>
-                          </a:rPr>
-                        </m:ctrlPr>
-                      </m:radPr>
-                      <m:deg/>
-                      <m:e>
-                        <m:r>
-                          <a:rPr lang="en-GB" sz="2000" i="1">
-                            <a:latin typeface="Cambria Math" panose="02040503050406030204" pitchFamily="18" charset="0"/>
-                            <a:ea typeface="Cambria Math" panose="02040503050406030204" pitchFamily="18" charset="0"/>
-                            <a:cs typeface="Times New Roman" panose="02020603050405020304" pitchFamily="18" charset="0"/>
-                          </a:rPr>
-                          <m:t>𝑔h</m:t>
-                        </m:r>
-                      </m:e>
-                    </m:rad>
-                  </m:oMath>
-                </a14:m>
+                <a14:m/>
                 <a:r>
                   <a:rPr lang="en-GB" sz="2000" dirty="0">
                     <a:ea typeface="Cambria Math" panose="02040503050406030204" pitchFamily="18" charset="0"/>
@@ -8685,86 +8627,7 @@
                   </a:rPr>
                   <a:t> </a:t>
                 </a:r>
-                <a14:m>
-                  <m:oMath xmlns:m="http://schemas.openxmlformats.org/officeDocument/2006/math">
-                    <m:r>
-                      <m:rPr>
-                        <m:sty m:val="p"/>
-                      </m:rPr>
-                      <a:rPr lang="en-GB" sz="2000">
-                        <a:latin typeface="Cambria Math" panose="02040503050406030204" pitchFamily="18" charset="0"/>
-                        <a:ea typeface="Cambria Math" panose="02040503050406030204" pitchFamily="18" charset="0"/>
-                        <a:cs typeface="Times New Roman" panose="02020603050405020304" pitchFamily="18" charset="0"/>
-                      </a:rPr>
-                      <m:t>for</m:t>
-                    </m:r>
-                    <m:r>
-                      <a:rPr lang="en-GB" sz="2000">
-                        <a:latin typeface="Cambria Math" panose="02040503050406030204" pitchFamily="18" charset="0"/>
-                        <a:ea typeface="Cambria Math" panose="02040503050406030204" pitchFamily="18" charset="0"/>
-                        <a:cs typeface="Times New Roman" panose="02020603050405020304" pitchFamily="18" charset="0"/>
-                      </a:rPr>
-                      <m:t> </m:t>
-                    </m:r>
-                    <m:r>
-                      <m:rPr>
-                        <m:sty m:val="p"/>
-                      </m:rPr>
-                      <a:rPr lang="en-GB" sz="2000">
-                        <a:latin typeface="Cambria Math" panose="02040503050406030204" pitchFamily="18" charset="0"/>
-                        <a:ea typeface="Cambria Math" panose="02040503050406030204" pitchFamily="18" charset="0"/>
-                        <a:cs typeface="Times New Roman" panose="02020603050405020304" pitchFamily="18" charset="0"/>
-                      </a:rPr>
-                      <m:t>shallow</m:t>
-                    </m:r>
-                    <m:r>
-                      <a:rPr lang="en-GB" sz="2000">
-                        <a:latin typeface="Cambria Math" panose="02040503050406030204" pitchFamily="18" charset="0"/>
-                        <a:ea typeface="Cambria Math" panose="02040503050406030204" pitchFamily="18" charset="0"/>
-                        <a:cs typeface="Times New Roman" panose="02020603050405020304" pitchFamily="18" charset="0"/>
-                      </a:rPr>
-                      <m:t> </m:t>
-                    </m:r>
-                    <m:r>
-                      <m:rPr>
-                        <m:sty m:val="p"/>
-                      </m:rPr>
-                      <a:rPr lang="en-GB" sz="2000" b="0" i="0" smtClean="0">
-                        <a:latin typeface="Cambria Math" panose="02040503050406030204" pitchFamily="18" charset="0"/>
-                        <a:ea typeface="Cambria Math" panose="02040503050406030204" pitchFamily="18" charset="0"/>
-                        <a:cs typeface="Times New Roman" panose="02020603050405020304" pitchFamily="18" charset="0"/>
-                      </a:rPr>
-                      <m:t>water</m:t>
-                    </m:r>
-                    <m:r>
-                      <a:rPr lang="en-GB" sz="2000" b="0" i="0" smtClean="0">
-                        <a:latin typeface="Cambria Math" panose="02040503050406030204" pitchFamily="18" charset="0"/>
-                        <a:ea typeface="Cambria Math" panose="02040503050406030204" pitchFamily="18" charset="0"/>
-                        <a:cs typeface="Times New Roman" panose="02020603050405020304" pitchFamily="18" charset="0"/>
-                      </a:rPr>
-                      <m:t> </m:t>
-                    </m:r>
-                    <m:r>
-                      <m:rPr>
-                        <m:sty m:val="p"/>
-                      </m:rPr>
-                      <a:rPr lang="en-GB" sz="2000">
-                        <a:latin typeface="Cambria Math" panose="02040503050406030204" pitchFamily="18" charset="0"/>
-                        <a:ea typeface="Cambria Math" panose="02040503050406030204" pitchFamily="18" charset="0"/>
-                        <a:cs typeface="Times New Roman" panose="02020603050405020304" pitchFamily="18" charset="0"/>
-                      </a:rPr>
-                      <m:t>depths</m:t>
-                    </m:r>
-                    <m:r>
-                      <a:rPr lang="en-GB" sz="2000" b="0" i="0" baseline="30000" smtClean="0">
-                        <a:latin typeface="Cambria Math" panose="02040503050406030204" pitchFamily="18" charset="0"/>
-                        <a:ea typeface="Cambria Math" panose="02040503050406030204" pitchFamily="18" charset="0"/>
-                        <a:cs typeface="Times New Roman" panose="02020603050405020304" pitchFamily="18" charset="0"/>
-                      </a:rPr>
-                      <m:t>1</m:t>
-                    </m:r>
-                  </m:oMath>
-                </a14:m>
+                <a14:m/>
                 <a:r>
                   <a:rPr lang="en-GB" sz="2000" dirty="0" smtClean="0">
                     <a:latin typeface="Times New Roman" panose="02020603050405020304" pitchFamily="18" charset="0"/>
@@ -8782,94 +8645,7 @@
                   </a:rPr>
                   <a:t>Experimental value: </a:t>
                 </a:r>
-                <a14:m>
-                  <m:oMath xmlns:m="http://schemas.openxmlformats.org/officeDocument/2006/math">
-                    <m:r>
-                      <a:rPr lang="en-GB" sz="2000" b="0" i="1" smtClean="0">
-                        <a:latin typeface="Cambria Math" panose="02040503050406030204" pitchFamily="18" charset="0"/>
-                        <a:cs typeface="Times New Roman" panose="02020603050405020304" pitchFamily="18" charset="0"/>
-                      </a:rPr>
-                      <m:t>𝑔</m:t>
-                    </m:r>
-                    <m:r>
-                      <a:rPr lang="en-GB" sz="2000" i="1">
-                        <a:latin typeface="Cambria Math" panose="02040503050406030204" pitchFamily="18" charset="0"/>
-                        <a:cs typeface="Times New Roman" panose="02020603050405020304" pitchFamily="18" charset="0"/>
-                      </a:rPr>
-                      <m:t>=</m:t>
-                    </m:r>
-                    <m:r>
-                      <a:rPr lang="en-GB" sz="2000" b="0" i="1" smtClean="0">
-                        <a:latin typeface="Cambria Math" panose="02040503050406030204" pitchFamily="18" charset="0"/>
-                        <a:cs typeface="Times New Roman" panose="02020603050405020304" pitchFamily="18" charset="0"/>
-                      </a:rPr>
-                      <m:t>4.43</m:t>
-                    </m:r>
-                    <m:r>
-                      <a:rPr lang="en-GB" sz="2000" i="1">
-                        <a:latin typeface="Cambria Math" panose="02040503050406030204" pitchFamily="18" charset="0"/>
-                        <a:cs typeface="Times New Roman" panose="02020603050405020304" pitchFamily="18" charset="0"/>
-                      </a:rPr>
-                      <m:t> ±0.</m:t>
-                    </m:r>
-                    <m:r>
-                      <a:rPr lang="en-GB" sz="2000" b="0" i="1" smtClean="0">
-                        <a:latin typeface="Cambria Math" panose="02040503050406030204" pitchFamily="18" charset="0"/>
-                        <a:cs typeface="Times New Roman" panose="02020603050405020304" pitchFamily="18" charset="0"/>
-                      </a:rPr>
-                      <m:t>02</m:t>
-                    </m:r>
-                    <m:r>
-                      <a:rPr lang="en-GB" sz="2000" i="1">
-                        <a:latin typeface="Cambria Math" panose="02040503050406030204" pitchFamily="18" charset="0"/>
-                        <a:cs typeface="Times New Roman" panose="02020603050405020304" pitchFamily="18" charset="0"/>
-                      </a:rPr>
-                      <m:t> </m:t>
-                    </m:r>
-                    <m:sSup>
-                      <m:sSupPr>
-                        <m:ctrlPr>
-                          <a:rPr lang="en-GB" sz="2000" i="1">
-                            <a:latin typeface="Cambria Math" panose="02040503050406030204" pitchFamily="18" charset="0"/>
-                            <a:ea typeface="Cambria Math" panose="02040503050406030204" pitchFamily="18" charset="0"/>
-                            <a:cs typeface="Times New Roman" panose="02020603050405020304" pitchFamily="18" charset="0"/>
-                          </a:rPr>
-                        </m:ctrlPr>
-                      </m:sSupPr>
-                      <m:e>
-                        <m:r>
-                          <m:rPr>
-                            <m:sty m:val="p"/>
-                          </m:rPr>
-                          <a:rPr lang="en-GB" sz="2000">
-                            <a:latin typeface="Cambria Math" panose="02040503050406030204" pitchFamily="18" charset="0"/>
-                            <a:ea typeface="Cambria Math" panose="02040503050406030204" pitchFamily="18" charset="0"/>
-                            <a:cs typeface="Times New Roman" panose="02020603050405020304" pitchFamily="18" charset="0"/>
-                          </a:rPr>
-                          <m:t>ms</m:t>
-                        </m:r>
-                      </m:e>
-                      <m:sup>
-                        <m:r>
-                          <a:rPr lang="en-GB" sz="2000">
-                            <a:latin typeface="Cambria Math" panose="02040503050406030204" pitchFamily="18" charset="0"/>
-                            <a:ea typeface="Cambria Math" panose="02040503050406030204" pitchFamily="18" charset="0"/>
-                            <a:cs typeface="Times New Roman" panose="02020603050405020304" pitchFamily="18" charset="0"/>
-                          </a:rPr>
-                          <m:t>−</m:t>
-                        </m:r>
-                        <m:r>
-                          <a:rPr lang="en-GB" sz="2000" b="0" i="1" smtClean="0">
-                            <a:latin typeface="Cambria Math" panose="02040503050406030204" pitchFamily="18" charset="0"/>
-                            <a:ea typeface="Cambria Math" panose="02040503050406030204" pitchFamily="18" charset="0"/>
-                            <a:cs typeface="Times New Roman" panose="02020603050405020304" pitchFamily="18" charset="0"/>
-                          </a:rPr>
-                          <m:t>2</m:t>
-                        </m:r>
-                      </m:sup>
-                    </m:sSup>
-                  </m:oMath>
-                </a14:m>
+                <a14:m/>
                 <a:endParaRPr lang="en-GB" sz="2000" dirty="0" smtClean="0">
                   <a:latin typeface="Times New Roman" panose="02020603050405020304" pitchFamily="18" charset="0"/>
                   <a:cs typeface="Times New Roman" panose="02020603050405020304" pitchFamily="18" charset="0"/>
@@ -8882,7 +8658,14 @@
                     <a:latin typeface="Times New Roman" panose="02020603050405020304" pitchFamily="18" charset="0"/>
                     <a:cs typeface="Times New Roman" panose="02020603050405020304" pitchFamily="18" charset="0"/>
                   </a:rPr>
-                  <a:t>Known </a:t>
+                  <a:t>Accepted</a:t>
+                </a:r>
+                <a:r>
+                  <a:rPr lang="en-GB" sz="2000" dirty="0" smtClean="0">
+                    <a:latin typeface="Times New Roman" panose="02020603050405020304" pitchFamily="18" charset="0"/>
+                    <a:cs typeface="Times New Roman" panose="02020603050405020304" pitchFamily="18" charset="0"/>
+                  </a:rPr>
+                  <a:t> </a:t>
                 </a:r>
                 <a:r>
                   <a:rPr lang="en-GB" sz="2000" dirty="0">
@@ -8891,73 +8674,7 @@
                   </a:rPr>
                   <a:t>value: </a:t>
                 </a:r>
-                <a14:m>
-                  <m:oMath xmlns:m="http://schemas.openxmlformats.org/officeDocument/2006/math">
-                    <m:r>
-                      <a:rPr lang="en-GB" sz="2000" i="1">
-                        <a:latin typeface="Cambria Math" panose="02040503050406030204" pitchFamily="18" charset="0"/>
-                        <a:cs typeface="Times New Roman" panose="02020603050405020304" pitchFamily="18" charset="0"/>
-                      </a:rPr>
-                      <m:t>𝑔</m:t>
-                    </m:r>
-                    <m:r>
-                      <a:rPr lang="en-GB" sz="2000" i="1">
-                        <a:latin typeface="Cambria Math" panose="02040503050406030204" pitchFamily="18" charset="0"/>
-                        <a:cs typeface="Times New Roman" panose="02020603050405020304" pitchFamily="18" charset="0"/>
-                      </a:rPr>
-                      <m:t>=9.81</m:t>
-                    </m:r>
-                    <m:r>
-                      <a:rPr lang="en-GB" sz="2000" b="0" i="1" smtClean="0">
-                        <a:latin typeface="Cambria Math" panose="02040503050406030204" pitchFamily="18" charset="0"/>
-                        <a:cs typeface="Times New Roman" panose="02020603050405020304" pitchFamily="18" charset="0"/>
-                      </a:rPr>
-                      <m:t> </m:t>
-                    </m:r>
-                    <m:sSup>
-                      <m:sSupPr>
-                        <m:ctrlPr>
-                          <a:rPr lang="en-GB" sz="2000" i="1">
-                            <a:latin typeface="Cambria Math" panose="02040503050406030204" pitchFamily="18" charset="0"/>
-                            <a:ea typeface="Cambria Math" panose="02040503050406030204" pitchFamily="18" charset="0"/>
-                            <a:cs typeface="Times New Roman" panose="02020603050405020304" pitchFamily="18" charset="0"/>
-                          </a:rPr>
-                        </m:ctrlPr>
-                      </m:sSupPr>
-                      <m:e>
-                        <m:r>
-                          <m:rPr>
-                            <m:sty m:val="p"/>
-                          </m:rPr>
-                          <a:rPr lang="en-GB" sz="2000">
-                            <a:latin typeface="Cambria Math" panose="02040503050406030204" pitchFamily="18" charset="0"/>
-                            <a:ea typeface="Cambria Math" panose="02040503050406030204" pitchFamily="18" charset="0"/>
-                            <a:cs typeface="Times New Roman" panose="02020603050405020304" pitchFamily="18" charset="0"/>
-                          </a:rPr>
-                          <m:t>ms</m:t>
-                        </m:r>
-                      </m:e>
-                      <m:sup>
-                        <m:r>
-                          <a:rPr lang="en-GB" sz="2000">
-                            <a:latin typeface="Cambria Math" panose="02040503050406030204" pitchFamily="18" charset="0"/>
-                            <a:ea typeface="Cambria Math" panose="02040503050406030204" pitchFamily="18" charset="0"/>
-                            <a:cs typeface="Times New Roman" panose="02020603050405020304" pitchFamily="18" charset="0"/>
-                          </a:rPr>
-                          <m:t>−</m:t>
-                        </m:r>
-                        <m:r>
-                          <a:rPr lang="en-GB" sz="2000" i="1">
-                            <a:latin typeface="Cambria Math" panose="02040503050406030204" pitchFamily="18" charset="0"/>
-                            <a:ea typeface="Cambria Math" panose="02040503050406030204" pitchFamily="18" charset="0"/>
-                            <a:cs typeface="Times New Roman" panose="02020603050405020304" pitchFamily="18" charset="0"/>
-                          </a:rPr>
-                          <m:t>2</m:t>
-                        </m:r>
-                      </m:sup>
-                    </m:sSup>
-                  </m:oMath>
-                </a14:m>
+                <a14:m/>
                 <a:endParaRPr lang="en-GB" sz="2000" dirty="0">
                   <a:latin typeface="Times New Roman" panose="02020603050405020304" pitchFamily="18" charset="0"/>
                   <a:cs typeface="Times New Roman" panose="02020603050405020304" pitchFamily="18" charset="0"/>
@@ -8978,15 +8695,15 @@
             <p:spPr>
               <a:xfrm>
                 <a:off x="4810897" y="5785053"/>
-                <a:ext cx="6785055" cy="1080617"/>
+                <a:ext cx="6785055" cy="1015663"/>
               </a:xfrm>
               <a:prstGeom prst="rect">
                 <a:avLst/>
               </a:prstGeom>
-              <a:blipFill rotWithShape="0">
+              <a:blipFill rotWithShape="1">
                 <a:blip r:embed="rId5"/>
                 <a:stretch>
-                  <a:fillRect b="-9605"/>
+                  <a:fillRect/>
                 </a:stretch>
               </a:blipFill>
             </p:spPr>
@@ -8995,7 +8712,7 @@
               <a:lstStyle/>
               <a:p>
                 <a:r>
-                  <a:rPr lang="en-GB">
+                  <a:rPr lang="en-US">
                     <a:noFill/>
                   </a:rPr>
                   <a:t> </a:t>
@@ -9005,8 +8722,8 @@
           </p:sp>
         </mc:Fallback>
       </mc:AlternateContent>
-      <mc:AlternateContent xmlns:mc="http://schemas.openxmlformats.org/markup-compatibility/2006">
-        <mc:Choice xmlns:a14="http://schemas.microsoft.com/office/drawing/2010/main" Requires="a14">
+      <mc:AlternateContent xmlns:mc="http://schemas.openxmlformats.org/markup-compatibility/2006" xmlns:a14="http://schemas.microsoft.com/office/drawing/2010/main">
+        <mc:Choice Requires="a14">
           <p:sp>
             <p:nvSpPr>
               <p:cNvPr id="11" name="TextBox 10"/>
@@ -9038,7 +8755,7 @@
               <a:lstStyle/>
               <a:p>
                 <a14:m>
-                  <m:oMathPara xmlns:m="http://schemas.openxmlformats.org/officeDocument/2006/math">
+                  <m:oMathPara xmlns:m="http://schemas.openxmlformats.org/officeDocument/2006/math" xmlns="">
                     <m:oMathParaPr>
                       <m:jc m:val="centerGroup"/>
                     </m:oMathParaPr>
@@ -9088,7 +8805,7 @@
             </p:txBody>
           </p:sp>
         </mc:Choice>
-        <mc:Fallback>
+        <mc:Fallback xmlns="">
           <p:sp>
             <p:nvSpPr>
               <p:cNvPr id="11" name="TextBox 10"/>
@@ -9148,7 +8865,7 @@
   <p:timing>
     <p:tnLst>
       <p:par>
-        <p:cTn id="1" dur="indefinite" restart="never" nodeType="tmRoot">
+        <p:cTn xmlns:p14="http://schemas.microsoft.com/office/powerpoint/2010/main" id="1" dur="indefinite" restart="never" nodeType="tmRoot">
           <p:childTnLst>
             <p:seq concurrent="1" nextAc="seek">
               <p:cTn id="2" dur="indefinite" nodeType="mainSeq">
@@ -9637,8 +9354,8 @@
           </a:p>
         </p:txBody>
       </p:sp>
-      <mc:AlternateContent xmlns:mc="http://schemas.openxmlformats.org/markup-compatibility/2006">
-        <mc:Choice xmlns:a14="http://schemas.microsoft.com/office/drawing/2010/main" Requires="a14">
+      <mc:AlternateContent xmlns:mc="http://schemas.openxmlformats.org/markup-compatibility/2006" xmlns:a14="http://schemas.microsoft.com/office/drawing/2010/main">
+        <mc:Choice Requires="a14">
           <p:sp>
             <p:nvSpPr>
               <p:cNvPr id="7" name="TextBox 6"/>
@@ -9663,9 +9380,8 @@
               </a:bodyPr>
               <a:lstStyle/>
               <a:p>
-                <a:pPr/>
                 <a14:m>
-                  <m:oMathPara xmlns:m="http://schemas.openxmlformats.org/officeDocument/2006/math">
+                  <m:oMathPara xmlns:m="http://schemas.openxmlformats.org/officeDocument/2006/math" xmlns="">
                     <m:oMathParaPr>
                       <m:jc m:val="centerGroup"/>
                     </m:oMathParaPr>
@@ -10063,7 +9779,7 @@
             </p:txBody>
           </p:sp>
         </mc:Choice>
-        <mc:Fallback>
+        <mc:Fallback xmlns="">
           <p:sp>
             <p:nvSpPr>
               <p:cNvPr id="7" name="TextBox 6"/>
@@ -10182,8 +9898,8 @@
           </a:p>
         </p:txBody>
       </p:sp>
-      <mc:AlternateContent xmlns:mc="http://schemas.openxmlformats.org/markup-compatibility/2006">
-        <mc:Choice xmlns:a14="http://schemas.microsoft.com/office/drawing/2010/main" Requires="a14">
+      <mc:AlternateContent xmlns:mc="http://schemas.openxmlformats.org/markup-compatibility/2006" xmlns:a14="http://schemas.microsoft.com/office/drawing/2010/main">
+        <mc:Choice Requires="a14">
           <p:sp>
             <p:nvSpPr>
               <p:cNvPr id="3" name="TextBox 2"/>
@@ -10215,7 +9931,7 @@
                   <a:t>Experimental Value:</a:t>
                 </a:r>
                 <a14:m>
-                  <m:oMath xmlns:m="http://schemas.openxmlformats.org/officeDocument/2006/math">
+                  <m:oMath xmlns:m="http://schemas.openxmlformats.org/officeDocument/2006/math" xmlns="">
                     <m:r>
                       <a:rPr lang="en-GB" b="0" i="0" smtClean="0">
                         <a:latin typeface="Cambria Math" panose="02040503050406030204" pitchFamily="18" charset="0"/>
@@ -10277,7 +9993,7 @@
             </p:txBody>
           </p:sp>
         </mc:Choice>
-        <mc:Fallback>
+        <mc:Fallback xmlns="">
           <p:sp>
             <p:nvSpPr>
               <p:cNvPr id="3" name="TextBox 2"/>
@@ -10316,8 +10032,8 @@
           </p:sp>
         </mc:Fallback>
       </mc:AlternateContent>
-      <mc:AlternateContent xmlns:mc="http://schemas.openxmlformats.org/markup-compatibility/2006">
-        <mc:Choice xmlns:a14="http://schemas.microsoft.com/office/drawing/2010/main" Requires="a14">
+      <mc:AlternateContent xmlns:mc="http://schemas.openxmlformats.org/markup-compatibility/2006" xmlns:a14="http://schemas.microsoft.com/office/drawing/2010/main">
+        <mc:Choice Requires="a14">
           <p:sp>
             <p:nvSpPr>
               <p:cNvPr id="10" name="TextBox 9"/>
@@ -10349,7 +10065,7 @@
                   <a:t>Experimental Value:</a:t>
                 </a:r>
                 <a14:m>
-                  <m:oMath xmlns:m="http://schemas.openxmlformats.org/officeDocument/2006/math">
+                  <m:oMath xmlns:m="http://schemas.openxmlformats.org/officeDocument/2006/math" xmlns="">
                     <m:r>
                       <a:rPr lang="en-GB" b="0" i="0" smtClean="0">
                         <a:latin typeface="Cambria Math" panose="02040503050406030204" pitchFamily="18" charset="0"/>
@@ -10411,7 +10127,7 @@
             </p:txBody>
           </p:sp>
         </mc:Choice>
-        <mc:Fallback>
+        <mc:Fallback xmlns="">
           <p:sp>
             <p:nvSpPr>
               <p:cNvPr id="10" name="TextBox 9"/>
@@ -10450,8 +10166,8 @@
           </p:sp>
         </mc:Fallback>
       </mc:AlternateContent>
-      <mc:AlternateContent xmlns:mc="http://schemas.openxmlformats.org/markup-compatibility/2006">
-        <mc:Choice xmlns:a14="http://schemas.microsoft.com/office/drawing/2010/main" Requires="a14">
+      <mc:AlternateContent xmlns:mc="http://schemas.openxmlformats.org/markup-compatibility/2006" xmlns:a14="http://schemas.microsoft.com/office/drawing/2010/main">
+        <mc:Choice Requires="a14">
           <p:sp>
             <p:nvSpPr>
               <p:cNvPr id="11" name="TextBox 10"/>
@@ -10497,7 +10213,7 @@
                   <a:t>:</a:t>
                 </a:r>
                 <a14:m>
-                  <m:oMath xmlns:m="http://schemas.openxmlformats.org/officeDocument/2006/math">
+                  <m:oMath xmlns:m="http://schemas.openxmlformats.org/officeDocument/2006/math" xmlns="">
                     <m:r>
                       <a:rPr lang="en-GB" b="0" i="0" smtClean="0">
                         <a:latin typeface="Cambria Math" panose="02040503050406030204" pitchFamily="18" charset="0"/>
@@ -10545,7 +10261,7 @@
             </p:txBody>
           </p:sp>
         </mc:Choice>
-        <mc:Fallback>
+        <mc:Fallback xmlns="">
           <p:sp>
             <p:nvSpPr>
               <p:cNvPr id="11" name="TextBox 10"/>
@@ -10597,7 +10313,7 @@
   <p:timing>
     <p:tnLst>
       <p:par>
-        <p:cTn id="1" dur="indefinite" restart="never" nodeType="tmRoot">
+        <p:cTn xmlns:p14="http://schemas.microsoft.com/office/powerpoint/2010/main" id="1" dur="indefinite" restart="never" nodeType="tmRoot">
           <p:childTnLst>
             <p:seq concurrent="1" nextAc="seek">
               <p:cTn id="2" dur="indefinite" nodeType="mainSeq">
@@ -11161,28 +10877,14 @@
                 <a:latin typeface="Times New Roman" panose="02020603050405020304" pitchFamily="18" charset="0"/>
                 <a:cs typeface="Times New Roman" panose="02020603050405020304" pitchFamily="18" charset="0"/>
               </a:rPr>
-              <a:t> = 0.04mm </a:t>
-            </a:r>
-            <a:r>
-              <a:rPr lang="en-GB" sz="2000" dirty="0" smtClean="0">
-                <a:latin typeface="Times New Roman" panose="02020603050405020304" pitchFamily="18" charset="0"/>
-                <a:cs typeface="Times New Roman" panose="02020603050405020304" pitchFamily="18" charset="0"/>
-              </a:rPr>
-              <a:t>and</a:t>
+              <a:t> = 0.04mm and</a:t>
             </a:r>
             <a:r>
               <a:rPr lang="en-GB" sz="2000" i="1" dirty="0" smtClean="0">
                 <a:latin typeface="Times New Roman" panose="02020603050405020304" pitchFamily="18" charset="0"/>
                 <a:cs typeface="Times New Roman" panose="02020603050405020304" pitchFamily="18" charset="0"/>
               </a:rPr>
-              <a:t> </a:t>
-            </a:r>
-            <a:r>
-              <a:rPr lang="en-GB" sz="2000" i="1" dirty="0" smtClean="0">
-                <a:latin typeface="Times New Roman" panose="02020603050405020304" pitchFamily="18" charset="0"/>
-                <a:cs typeface="Times New Roman" panose="02020603050405020304" pitchFamily="18" charset="0"/>
-              </a:rPr>
-              <a:t>d </a:t>
+              <a:t> d </a:t>
             </a:r>
             <a:r>
               <a:rPr lang="en-GB" sz="2000" dirty="0" smtClean="0">
@@ -11240,14 +10942,7 @@
                 <a:latin typeface="Times New Roman" panose="02020603050405020304" pitchFamily="18" charset="0"/>
                 <a:cs typeface="Times New Roman" panose="02020603050405020304" pitchFamily="18" charset="0"/>
               </a:rPr>
-              <a:t>= 0.04mm </a:t>
-            </a:r>
-            <a:r>
-              <a:rPr lang="en-GB" sz="2000" dirty="0" smtClean="0">
-                <a:latin typeface="Times New Roman" panose="02020603050405020304" pitchFamily="18" charset="0"/>
-                <a:cs typeface="Times New Roman" panose="02020603050405020304" pitchFamily="18" charset="0"/>
-              </a:rPr>
-              <a:t>and </a:t>
+              <a:t>= 0.04mm and </a:t>
             </a:r>
             <a:r>
               <a:rPr lang="en-GB" sz="2000" i="1" dirty="0" smtClean="0">
@@ -11270,8 +10965,8 @@
           </a:p>
         </p:txBody>
       </p:sp>
-      <mc:AlternateContent xmlns:mc="http://schemas.openxmlformats.org/markup-compatibility/2006">
-        <mc:Choice xmlns:a14="http://schemas.microsoft.com/office/drawing/2010/main" Requires="a14">
+      <mc:AlternateContent xmlns:mc="http://schemas.openxmlformats.org/markup-compatibility/2006" xmlns:a14="http://schemas.microsoft.com/office/drawing/2010/main">
+        <mc:Choice Requires="a14">
           <p:sp>
             <p:nvSpPr>
               <p:cNvPr id="11" name="TextBox 10"/>
@@ -11296,9 +10991,8 @@
               </a:bodyPr>
               <a:lstStyle/>
               <a:p>
-                <a:pPr/>
                 <a14:m>
-                  <m:oMathPara xmlns:m="http://schemas.openxmlformats.org/officeDocument/2006/math">
+                  <m:oMathPara xmlns:m="http://schemas.openxmlformats.org/officeDocument/2006/math" xmlns="">
                     <m:oMathParaPr>
                       <m:jc m:val="centerGroup"/>
                     </m:oMathParaPr>
@@ -11841,7 +11535,7 @@
             </p:txBody>
           </p:sp>
         </mc:Choice>
-        <mc:Fallback>
+        <mc:Fallback xmlns="">
           <p:sp>
             <p:nvSpPr>
               <p:cNvPr id="11" name="TextBox 10"/>
@@ -11880,8 +11574,8 @@
           </p:sp>
         </mc:Fallback>
       </mc:AlternateContent>
-      <mc:AlternateContent xmlns:mc="http://schemas.openxmlformats.org/markup-compatibility/2006">
-        <mc:Choice xmlns:a14="http://schemas.microsoft.com/office/drawing/2010/main" Requires="a14">
+      <mc:AlternateContent xmlns:mc="http://schemas.openxmlformats.org/markup-compatibility/2006" xmlns:a14="http://schemas.microsoft.com/office/drawing/2010/main">
+        <mc:Choice Requires="a14">
           <p:sp>
             <p:nvSpPr>
               <p:cNvPr id="12" name="TextBox 11"/>
@@ -11913,7 +11607,7 @@
                   <a:t>Experimental Value:</a:t>
                 </a:r>
                 <a14:m>
-                  <m:oMath xmlns:m="http://schemas.openxmlformats.org/officeDocument/2006/math">
+                  <m:oMath xmlns:m="http://schemas.openxmlformats.org/officeDocument/2006/math" xmlns="">
                     <m:r>
                       <a:rPr lang="en-GB" b="0" i="0" smtClean="0">
                         <a:latin typeface="Cambria Math" panose="02040503050406030204" pitchFamily="18" charset="0"/>
@@ -11975,7 +11669,7 @@
             </p:txBody>
           </p:sp>
         </mc:Choice>
-        <mc:Fallback>
+        <mc:Fallback xmlns="">
           <p:sp>
             <p:nvSpPr>
               <p:cNvPr id="12" name="TextBox 11"/>
@@ -12014,8 +11708,8 @@
           </p:sp>
         </mc:Fallback>
       </mc:AlternateContent>
-      <mc:AlternateContent xmlns:mc="http://schemas.openxmlformats.org/markup-compatibility/2006">
-        <mc:Choice xmlns:a14="http://schemas.microsoft.com/office/drawing/2010/main" Requires="a14">
+      <mc:AlternateContent xmlns:mc="http://schemas.openxmlformats.org/markup-compatibility/2006" xmlns:a14="http://schemas.microsoft.com/office/drawing/2010/main">
+        <mc:Choice Requires="a14">
           <p:sp>
             <p:nvSpPr>
               <p:cNvPr id="13" name="TextBox 12"/>
@@ -12047,7 +11741,7 @@
                   <a:t>Experimental Value:</a:t>
                 </a:r>
                 <a14:m>
-                  <m:oMath xmlns:m="http://schemas.openxmlformats.org/officeDocument/2006/math">
+                  <m:oMath xmlns:m="http://schemas.openxmlformats.org/officeDocument/2006/math" xmlns="">
                     <m:r>
                       <a:rPr lang="en-GB" b="0" i="0" smtClean="0">
                         <a:latin typeface="Cambria Math" panose="02040503050406030204" pitchFamily="18" charset="0"/>
@@ -12109,7 +11803,7 @@
             </p:txBody>
           </p:sp>
         </mc:Choice>
-        <mc:Fallback>
+        <mc:Fallback xmlns="">
           <p:sp>
             <p:nvSpPr>
               <p:cNvPr id="13" name="TextBox 12"/>
@@ -12148,8 +11842,8 @@
           </p:sp>
         </mc:Fallback>
       </mc:AlternateContent>
-      <mc:AlternateContent xmlns:mc="http://schemas.openxmlformats.org/markup-compatibility/2006">
-        <mc:Choice xmlns:a14="http://schemas.microsoft.com/office/drawing/2010/main" Requires="a14">
+      <mc:AlternateContent xmlns:mc="http://schemas.openxmlformats.org/markup-compatibility/2006" xmlns:a14="http://schemas.microsoft.com/office/drawing/2010/main">
+        <mc:Choice Requires="a14">
           <p:sp>
             <p:nvSpPr>
               <p:cNvPr id="14" name="TextBox 13"/>
@@ -12195,7 +11889,7 @@
                   <a:t>:</a:t>
                 </a:r>
                 <a14:m>
-                  <m:oMath xmlns:m="http://schemas.openxmlformats.org/officeDocument/2006/math">
+                  <m:oMath xmlns:m="http://schemas.openxmlformats.org/officeDocument/2006/math" xmlns="">
                     <m:r>
                       <a:rPr lang="en-GB" b="0" i="0" smtClean="0">
                         <a:latin typeface="Cambria Math" panose="02040503050406030204" pitchFamily="18" charset="0"/>
@@ -12243,7 +11937,7 @@
             </p:txBody>
           </p:sp>
         </mc:Choice>
-        <mc:Fallback>
+        <mc:Fallback xmlns="">
           <p:sp>
             <p:nvSpPr>
               <p:cNvPr id="14" name="TextBox 13"/>
@@ -12295,7 +11989,7 @@
   <p:timing>
     <p:tnLst>
       <p:par>
-        <p:cTn id="1" dur="indefinite" restart="never" nodeType="tmRoot">
+        <p:cTn xmlns:p14="http://schemas.microsoft.com/office/powerpoint/2010/main" id="1" dur="indefinite" restart="never" nodeType="tmRoot">
           <p:childTnLst>
             <p:seq concurrent="1" nextAc="seek">
               <p:cTn id="2" dur="indefinite" nodeType="mainSeq">
@@ -12702,6 +12396,35 @@
           <a:chExt cx="0" cy="0"/>
         </a:xfrm>
       </p:grpSpPr>
+      <p:pic>
+        <p:nvPicPr>
+          <p:cNvPr id="3" name="Picture 2" descr="double_a=0.04_d=0.5.jpg"/>
+          <p:cNvPicPr>
+            <a:picLocks noChangeAspect="1"/>
+          </p:cNvPicPr>
+          <p:nvPr/>
+        </p:nvPicPr>
+        <p:blipFill rotWithShape="1">
+          <a:blip r:embed="rId3" cstate="print">
+            <a:extLst>
+              <a:ext uri="{28A0092B-C50C-407E-A947-70E740481C1C}">
+                <a14:useLocalDpi xmlns:a14="http://schemas.microsoft.com/office/drawing/2010/main" val="0"/>
+              </a:ext>
+            </a:extLst>
+          </a:blip>
+          <a:srcRect l="25679" t="26866" r="27352" b="8276"/>
+          <a:stretch/>
+        </p:blipFill>
+        <p:spPr>
+          <a:xfrm>
+            <a:off x="7326712" y="3792748"/>
+            <a:ext cx="2959676" cy="3065252"/>
+          </a:xfrm>
+          <a:prstGeom prst="rect">
+            <a:avLst/>
+          </a:prstGeom>
+        </p:spPr>
+      </p:pic>
       <p:sp>
         <p:nvSpPr>
           <p:cNvPr id="4" name="Title 1"/>
@@ -12761,64 +12484,6 @@
       </p:sp>
       <p:pic>
         <p:nvPicPr>
-          <p:cNvPr id="8" name="Picture 7"/>
-          <p:cNvPicPr>
-            <a:picLocks noChangeAspect="1"/>
-          </p:cNvPicPr>
-          <p:nvPr/>
-        </p:nvPicPr>
-        <p:blipFill rotWithShape="1">
-          <a:blip r:embed="rId3" cstate="print">
-            <a:extLst>
-              <a:ext uri="{28A0092B-C50C-407E-A947-70E740481C1C}">
-                <a14:useLocalDpi xmlns:a14="http://schemas.microsoft.com/office/drawing/2010/main" val="0"/>
-              </a:ext>
-            </a:extLst>
-          </a:blip>
-          <a:srcRect r="-172"/>
-          <a:stretch/>
-        </p:blipFill>
-        <p:spPr>
-          <a:xfrm>
-            <a:off x="774650" y="3922649"/>
-            <a:ext cx="3970343" cy="2887342"/>
-          </a:xfrm>
-          <a:prstGeom prst="rect">
-            <a:avLst/>
-          </a:prstGeom>
-        </p:spPr>
-      </p:pic>
-      <p:pic>
-        <p:nvPicPr>
-          <p:cNvPr id="10" name="Picture 9"/>
-          <p:cNvPicPr>
-            <a:picLocks noChangeAspect="1"/>
-          </p:cNvPicPr>
-          <p:nvPr/>
-        </p:nvPicPr>
-        <p:blipFill rotWithShape="1">
-          <a:blip r:embed="rId4" cstate="print">
-            <a:extLst>
-              <a:ext uri="{28A0092B-C50C-407E-A947-70E740481C1C}">
-                <a14:useLocalDpi xmlns:a14="http://schemas.microsoft.com/office/drawing/2010/main" val="0"/>
-              </a:ext>
-            </a:extLst>
-          </a:blip>
-          <a:srcRect t="1189" b="247"/>
-          <a:stretch/>
-        </p:blipFill>
-        <p:spPr>
-          <a:xfrm>
-            <a:off x="6847538" y="3914411"/>
-            <a:ext cx="3917418" cy="2942178"/>
-          </a:xfrm>
-          <a:prstGeom prst="rect">
-            <a:avLst/>
-          </a:prstGeom>
-        </p:spPr>
-      </p:pic>
-      <p:pic>
-        <p:nvPicPr>
           <p:cNvPr id="11" name="Picture 10"/>
           <p:cNvPicPr>
             <a:picLocks noChangeAspect="1"/>
@@ -12826,20 +12491,20 @@
           <p:nvPr/>
         </p:nvPicPr>
         <p:blipFill rotWithShape="1">
-          <a:blip r:embed="rId5">
+          <a:blip r:embed="rId4">
             <a:extLst>
               <a:ext uri="{28A0092B-C50C-407E-A947-70E740481C1C}">
                 <a14:useLocalDpi xmlns:a14="http://schemas.microsoft.com/office/drawing/2010/main" val="0"/>
               </a:ext>
             </a:extLst>
           </a:blip>
-          <a:srcRect t="322" b="9459"/>
+          <a:srcRect t="321" b="12668"/>
           <a:stretch/>
         </p:blipFill>
         <p:spPr>
           <a:xfrm>
-            <a:off x="1323203" y="1261825"/>
-            <a:ext cx="3073816" cy="2627872"/>
+            <a:off x="1323203" y="1219954"/>
+            <a:ext cx="3073816" cy="2534412"/>
           </a:xfrm>
           <a:prstGeom prst="rect">
             <a:avLst/>
@@ -12855,20 +12520,20 @@
           <p:nvPr/>
         </p:nvPicPr>
         <p:blipFill rotWithShape="1">
-          <a:blip r:embed="rId6">
+          <a:blip r:embed="rId5">
             <a:extLst>
               <a:ext uri="{28A0092B-C50C-407E-A947-70E740481C1C}">
                 <a14:useLocalDpi xmlns:a14="http://schemas.microsoft.com/office/drawing/2010/main" val="0"/>
               </a:ext>
             </a:extLst>
           </a:blip>
-          <a:srcRect t="1378" b="10458"/>
+          <a:srcRect t="1378" b="13574"/>
           <a:stretch/>
         </p:blipFill>
         <p:spPr>
           <a:xfrm>
-            <a:off x="7323436" y="1245351"/>
-            <a:ext cx="2965622" cy="2644346"/>
+            <a:off x="7323436" y="1203480"/>
+            <a:ext cx="2965622" cy="2550886"/>
           </a:xfrm>
           <a:prstGeom prst="rect">
             <a:avLst/>
@@ -12951,122 +12616,6 @@
       </p:sp>
       <p:sp>
         <p:nvSpPr>
-          <p:cNvPr id="15" name="TextBox 14"/>
-          <p:cNvSpPr txBox="1"/>
-          <p:nvPr/>
-        </p:nvSpPr>
-        <p:spPr>
-          <a:xfrm>
-            <a:off x="3344563" y="4026411"/>
-            <a:ext cx="1112108" cy="307777"/>
-          </a:xfrm>
-          <a:prstGeom prst="rect">
-            <a:avLst/>
-          </a:prstGeom>
-          <a:noFill/>
-        </p:spPr>
-        <p:txBody>
-          <a:bodyPr wrap="square" rtlCol="0">
-            <a:spAutoFit/>
-          </a:bodyPr>
-          <a:lstStyle/>
-          <a:p>
-            <a:pPr algn="ctr"/>
-            <a:r>
-              <a:rPr lang="en-GB" sz="1400" i="1" dirty="0">
-                <a:latin typeface="Times New Roman" panose="02020603050405020304" pitchFamily="18" charset="0"/>
-                <a:cs typeface="Times New Roman" panose="02020603050405020304" pitchFamily="18" charset="0"/>
-              </a:rPr>
-              <a:t>a</a:t>
-            </a:r>
-            <a:r>
-              <a:rPr lang="en-GB" sz="1400" i="1" dirty="0" smtClean="0">
-                <a:latin typeface="Times New Roman" panose="02020603050405020304" pitchFamily="18" charset="0"/>
-                <a:cs typeface="Times New Roman" panose="02020603050405020304" pitchFamily="18" charset="0"/>
-              </a:rPr>
-              <a:t> </a:t>
-            </a:r>
-            <a:r>
-              <a:rPr lang="en-GB" sz="1400" dirty="0" smtClean="0">
-                <a:latin typeface="Times New Roman" panose="02020603050405020304" pitchFamily="18" charset="0"/>
-                <a:cs typeface="Times New Roman" panose="02020603050405020304" pitchFamily="18" charset="0"/>
-              </a:rPr>
-              <a:t>= 0.04mm</a:t>
-            </a:r>
-            <a:endParaRPr lang="en-GB" sz="1400" dirty="0">
-              <a:latin typeface="Times New Roman" panose="02020603050405020304" pitchFamily="18" charset="0"/>
-              <a:cs typeface="Times New Roman" panose="02020603050405020304" pitchFamily="18" charset="0"/>
-            </a:endParaRPr>
-          </a:p>
-        </p:txBody>
-      </p:sp>
-      <p:sp>
-        <p:nvSpPr>
-          <p:cNvPr id="16" name="TextBox 15"/>
-          <p:cNvSpPr txBox="1"/>
-          <p:nvPr/>
-        </p:nvSpPr>
-        <p:spPr>
-          <a:xfrm>
-            <a:off x="9494108" y="3985221"/>
-            <a:ext cx="1112108" cy="523220"/>
-          </a:xfrm>
-          <a:prstGeom prst="rect">
-            <a:avLst/>
-          </a:prstGeom>
-          <a:noFill/>
-        </p:spPr>
-        <p:txBody>
-          <a:bodyPr wrap="square" rtlCol="0">
-            <a:spAutoFit/>
-          </a:bodyPr>
-          <a:lstStyle/>
-          <a:p>
-            <a:pPr algn="ctr"/>
-            <a:r>
-              <a:rPr lang="en-GB" sz="1400" i="1" dirty="0">
-                <a:latin typeface="Times New Roman" panose="02020603050405020304" pitchFamily="18" charset="0"/>
-                <a:cs typeface="Times New Roman" panose="02020603050405020304" pitchFamily="18" charset="0"/>
-              </a:rPr>
-              <a:t>a</a:t>
-            </a:r>
-            <a:r>
-              <a:rPr lang="en-GB" sz="1400" i="1" dirty="0" smtClean="0">
-                <a:latin typeface="Times New Roman" panose="02020603050405020304" pitchFamily="18" charset="0"/>
-                <a:cs typeface="Times New Roman" panose="02020603050405020304" pitchFamily="18" charset="0"/>
-              </a:rPr>
-              <a:t> </a:t>
-            </a:r>
-            <a:r>
-              <a:rPr lang="en-GB" sz="1400" dirty="0" smtClean="0">
-                <a:latin typeface="Times New Roman" panose="02020603050405020304" pitchFamily="18" charset="0"/>
-                <a:cs typeface="Times New Roman" panose="02020603050405020304" pitchFamily="18" charset="0"/>
-              </a:rPr>
-              <a:t>= 0.04mm </a:t>
-            </a:r>
-            <a:r>
-              <a:rPr lang="en-GB" sz="1400" i="1" dirty="0" smtClean="0">
-                <a:latin typeface="Times New Roman" panose="02020603050405020304" pitchFamily="18" charset="0"/>
-                <a:cs typeface="Times New Roman" panose="02020603050405020304" pitchFamily="18" charset="0"/>
-              </a:rPr>
-              <a:t>d </a:t>
-            </a:r>
-            <a:r>
-              <a:rPr lang="en-GB" sz="1400" dirty="0" smtClean="0">
-                <a:latin typeface="Times New Roman" panose="02020603050405020304" pitchFamily="18" charset="0"/>
-                <a:cs typeface="Times New Roman" panose="02020603050405020304" pitchFamily="18" charset="0"/>
-              </a:rPr>
-              <a:t>= 0.5mm</a:t>
-            </a:r>
-            <a:endParaRPr lang="en-GB" sz="1400" dirty="0">
-              <a:latin typeface="Times New Roman" panose="02020603050405020304" pitchFamily="18" charset="0"/>
-              <a:cs typeface="Times New Roman" panose="02020603050405020304" pitchFamily="18" charset="0"/>
-            </a:endParaRPr>
-          </a:p>
-        </p:txBody>
-      </p:sp>
-      <p:sp>
-        <p:nvSpPr>
           <p:cNvPr id="17" name="TextBox 16"/>
           <p:cNvSpPr txBox="1"/>
           <p:nvPr/>
@@ -13153,6 +12702,155 @@
           </a:p>
         </p:txBody>
       </p:sp>
+      <p:pic>
+        <p:nvPicPr>
+          <p:cNvPr id="2" name="Picture 1" descr="single_a=0.04.jpg"/>
+          <p:cNvPicPr>
+            <a:picLocks noChangeAspect="1"/>
+          </p:cNvPicPr>
+          <p:nvPr/>
+        </p:nvPicPr>
+        <p:blipFill rotWithShape="1">
+          <a:blip r:embed="rId6" cstate="print">
+            <a:extLst>
+              <a:ext uri="{28A0092B-C50C-407E-A947-70E740481C1C}">
+                <a14:useLocalDpi xmlns:a14="http://schemas.microsoft.com/office/drawing/2010/main" val="0"/>
+              </a:ext>
+            </a:extLst>
+          </a:blip>
+          <a:srcRect l="27667" t="28024" r="28383" b="13212"/>
+          <a:stretch/>
+        </p:blipFill>
+        <p:spPr>
+          <a:xfrm>
+            <a:off x="1339741" y="3782280"/>
+            <a:ext cx="3067131" cy="3075720"/>
+          </a:xfrm>
+          <a:prstGeom prst="rect">
+            <a:avLst/>
+          </a:prstGeom>
+        </p:spPr>
+      </p:pic>
+      <p:sp>
+        <p:nvSpPr>
+          <p:cNvPr id="15" name="TextBox 14"/>
+          <p:cNvSpPr txBox="1"/>
+          <p:nvPr/>
+        </p:nvSpPr>
+        <p:spPr>
+          <a:xfrm>
+            <a:off x="3260830" y="3817060"/>
+            <a:ext cx="1112108" cy="307777"/>
+          </a:xfrm>
+          <a:prstGeom prst="rect">
+            <a:avLst/>
+          </a:prstGeom>
+          <a:solidFill>
+            <a:schemeClr val="bg1"/>
+          </a:solidFill>
+        </p:spPr>
+        <p:txBody>
+          <a:bodyPr wrap="square" rtlCol="0">
+            <a:spAutoFit/>
+          </a:bodyPr>
+          <a:lstStyle/>
+          <a:p>
+            <a:pPr algn="ctr"/>
+            <a:r>
+              <a:rPr lang="en-GB" sz="1400" i="1" dirty="0">
+                <a:latin typeface="Times New Roman" panose="02020603050405020304" pitchFamily="18" charset="0"/>
+                <a:cs typeface="Times New Roman" panose="02020603050405020304" pitchFamily="18" charset="0"/>
+              </a:rPr>
+              <a:t>a</a:t>
+            </a:r>
+            <a:r>
+              <a:rPr lang="en-GB" sz="1400" i="1" dirty="0" smtClean="0">
+                <a:latin typeface="Times New Roman" panose="02020603050405020304" pitchFamily="18" charset="0"/>
+                <a:cs typeface="Times New Roman" panose="02020603050405020304" pitchFamily="18" charset="0"/>
+              </a:rPr>
+              <a:t> </a:t>
+            </a:r>
+            <a:r>
+              <a:rPr lang="en-GB" sz="1400" dirty="0" smtClean="0">
+                <a:latin typeface="Times New Roman" panose="02020603050405020304" pitchFamily="18" charset="0"/>
+                <a:cs typeface="Times New Roman" panose="02020603050405020304" pitchFamily="18" charset="0"/>
+              </a:rPr>
+              <a:t>= 0.04mm</a:t>
+            </a:r>
+            <a:endParaRPr lang="en-GB" sz="1400" dirty="0">
+              <a:latin typeface="Times New Roman" panose="02020603050405020304" pitchFamily="18" charset="0"/>
+              <a:cs typeface="Times New Roman" panose="02020603050405020304" pitchFamily="18" charset="0"/>
+            </a:endParaRPr>
+          </a:p>
+        </p:txBody>
+      </p:sp>
+      <p:sp>
+        <p:nvSpPr>
+          <p:cNvPr id="16" name="TextBox 15"/>
+          <p:cNvSpPr txBox="1"/>
+          <p:nvPr/>
+        </p:nvSpPr>
+        <p:spPr>
+          <a:xfrm>
+            <a:off x="9145216" y="3803784"/>
+            <a:ext cx="1112108" cy="523220"/>
+          </a:xfrm>
+          <a:prstGeom prst="rect">
+            <a:avLst/>
+          </a:prstGeom>
+          <a:solidFill>
+            <a:srgbClr val="FFFFFF"/>
+          </a:solidFill>
+        </p:spPr>
+        <p:txBody>
+          <a:bodyPr wrap="square" rtlCol="0">
+            <a:spAutoFit/>
+          </a:bodyPr>
+          <a:lstStyle/>
+          <a:p>
+            <a:pPr algn="ctr"/>
+            <a:r>
+              <a:rPr lang="en-GB" sz="1400" i="1" dirty="0">
+                <a:latin typeface="Times New Roman" panose="02020603050405020304" pitchFamily="18" charset="0"/>
+                <a:cs typeface="Times New Roman" panose="02020603050405020304" pitchFamily="18" charset="0"/>
+              </a:rPr>
+              <a:t>a</a:t>
+            </a:r>
+            <a:r>
+              <a:rPr lang="en-GB" sz="1400" i="1" dirty="0" smtClean="0">
+                <a:latin typeface="Times New Roman" panose="02020603050405020304" pitchFamily="18" charset="0"/>
+                <a:cs typeface="Times New Roman" panose="02020603050405020304" pitchFamily="18" charset="0"/>
+              </a:rPr>
+              <a:t> </a:t>
+            </a:r>
+            <a:r>
+              <a:rPr lang="en-GB" sz="1400" dirty="0" smtClean="0">
+                <a:latin typeface="Times New Roman" panose="02020603050405020304" pitchFamily="18" charset="0"/>
+                <a:cs typeface="Times New Roman" panose="02020603050405020304" pitchFamily="18" charset="0"/>
+              </a:rPr>
+              <a:t>= 0.04mm </a:t>
+            </a:r>
+            <a:r>
+              <a:rPr lang="en-GB" sz="1400" i="1" dirty="0" smtClean="0">
+                <a:latin typeface="Times New Roman" panose="02020603050405020304" pitchFamily="18" charset="0"/>
+                <a:cs typeface="Times New Roman" panose="02020603050405020304" pitchFamily="18" charset="0"/>
+              </a:rPr>
+              <a:t>d </a:t>
+            </a:r>
+            <a:r>
+              <a:rPr lang="en-GB" sz="1400" dirty="0" smtClean="0">
+                <a:latin typeface="Times New Roman" panose="02020603050405020304" pitchFamily="18" charset="0"/>
+                <a:cs typeface="Times New Roman" panose="02020603050405020304" pitchFamily="18" charset="0"/>
+              </a:rPr>
+              <a:t>= 0.5mm</a:t>
+            </a:r>
+            <a:endParaRPr lang="en-GB" sz="1400" dirty="0">
+              <a:latin typeface="Times New Roman" panose="02020603050405020304" pitchFamily="18" charset="0"/>
+              <a:cs typeface="Times New Roman" panose="02020603050405020304" pitchFamily="18" charset="0"/>
+            </a:endParaRPr>
+          </a:p>
+        </p:txBody>
+      </p:sp>
     </p:spTree>
     <p:extLst>
       <p:ext uri="{BB962C8B-B14F-4D97-AF65-F5344CB8AC3E}">
@@ -13166,7 +12864,7 @@
   <p:timing>
     <p:tnLst>
       <p:par>
-        <p:cTn id="1" dur="indefinite" restart="never" nodeType="tmRoot">
+        <p:cTn xmlns:p14="http://schemas.microsoft.com/office/powerpoint/2010/main" id="1" dur="indefinite" restart="never" nodeType="tmRoot">
           <p:childTnLst>
             <p:seq concurrent="1" nextAc="seek">
               <p:cTn id="2" dur="indefinite" nodeType="mainSeq">
@@ -13218,121 +12916,15 @@
                                   </p:childTnLst>
                                 </p:cTn>
                               </p:par>
-                            </p:childTnLst>
-                          </p:cTn>
-                        </p:par>
-                      </p:childTnLst>
-                    </p:cTn>
-                  </p:par>
-                  <p:par>
-                    <p:cTn id="8" fill="hold">
-                      <p:stCondLst>
-                        <p:cond delay="indefinite"/>
-                      </p:stCondLst>
-                      <p:childTnLst>
-                        <p:par>
-                          <p:cTn id="9" fill="hold">
-                            <p:stCondLst>
-                              <p:cond delay="0"/>
-                            </p:stCondLst>
-                            <p:childTnLst>
                               <p:par>
-                                <p:cTn id="10" presetID="10" presetClass="entr" presetSubtype="0" fill="hold" nodeType="clickEffect">
+                                <p:cTn id="8" presetID="10" presetClass="entr" presetSubtype="0" fill="hold" grpId="0" nodeType="withEffect">
                                   <p:stCondLst>
                                     <p:cond delay="0"/>
                                   </p:stCondLst>
                                   <p:childTnLst>
                                     <p:set>
                                       <p:cBhvr>
-                                        <p:cTn id="11" dur="1" fill="hold">
-                                          <p:stCondLst>
-                                            <p:cond delay="0"/>
-                                          </p:stCondLst>
-                                        </p:cTn>
-                                        <p:tgtEl>
-                                          <p:spTgt spid="8"/>
-                                        </p:tgtEl>
-                                        <p:attrNameLst>
-                                          <p:attrName>style.visibility</p:attrName>
-                                        </p:attrNameLst>
-                                      </p:cBhvr>
-                                      <p:to>
-                                        <p:strVal val="visible"/>
-                                      </p:to>
-                                    </p:set>
-                                    <p:animEffect transition="in" filter="fade">
-                                      <p:cBhvr>
-                                        <p:cTn id="12" dur="500"/>
-                                        <p:tgtEl>
-                                          <p:spTgt spid="8"/>
-                                        </p:tgtEl>
-                                      </p:cBhvr>
-                                    </p:animEffect>
-                                  </p:childTnLst>
-                                </p:cTn>
-                              </p:par>
-                            </p:childTnLst>
-                          </p:cTn>
-                        </p:par>
-                      </p:childTnLst>
-                    </p:cTn>
-                  </p:par>
-                  <p:par>
-                    <p:cTn id="13" fill="hold">
-                      <p:stCondLst>
-                        <p:cond delay="indefinite"/>
-                      </p:stCondLst>
-                      <p:childTnLst>
-                        <p:par>
-                          <p:cTn id="14" fill="hold">
-                            <p:stCondLst>
-                              <p:cond delay="0"/>
-                            </p:stCondLst>
-                            <p:childTnLst>
-                              <p:par>
-                                <p:cTn id="15" presetID="10" presetClass="entr" presetSubtype="0" fill="hold" nodeType="clickEffect">
-                                  <p:stCondLst>
-                                    <p:cond delay="0"/>
-                                  </p:stCondLst>
-                                  <p:childTnLst>
-                                    <p:set>
-                                      <p:cBhvr>
-                                        <p:cTn id="16" dur="1" fill="hold">
-                                          <p:stCondLst>
-                                            <p:cond delay="0"/>
-                                          </p:stCondLst>
-                                        </p:cTn>
-                                        <p:tgtEl>
-                                          <p:spTgt spid="10"/>
-                                        </p:tgtEl>
-                                        <p:attrNameLst>
-                                          <p:attrName>style.visibility</p:attrName>
-                                        </p:attrNameLst>
-                                      </p:cBhvr>
-                                      <p:to>
-                                        <p:strVal val="visible"/>
-                                      </p:to>
-                                    </p:set>
-                                    <p:animEffect transition="in" filter="fade">
-                                      <p:cBhvr>
-                                        <p:cTn id="17" dur="500"/>
-                                        <p:tgtEl>
-                                          <p:spTgt spid="10"/>
-                                        </p:tgtEl>
-                                      </p:cBhvr>
-                                    </p:animEffect>
-                                  </p:childTnLst>
-                                </p:cTn>
-                              </p:par>
-                              <p:par>
-                                <p:cTn id="18" presetID="10" presetClass="entr" presetSubtype="0" fill="hold" grpId="0" nodeType="withEffect">
-                                  <p:stCondLst>
-                                    <p:cond delay="0"/>
-                                  </p:stCondLst>
-                                  <p:childTnLst>
-                                    <p:set>
-                                      <p:cBhvr>
-                                        <p:cTn id="19" dur="1" fill="hold">
+                                        <p:cTn id="9" dur="1" fill="hold">
                                           <p:stCondLst>
                                             <p:cond delay="0"/>
                                           </p:stCondLst>
@@ -13350,7 +12942,7 @@
                                     </p:set>
                                     <p:animEffect transition="in" filter="fade">
                                       <p:cBhvr>
-                                        <p:cTn id="20" dur="500"/>
+                                        <p:cTn id="10" dur="500"/>
                                         <p:tgtEl>
                                           <p:spTgt spid="13"/>
                                         </p:tgtEl>
@@ -13360,14 +12952,14 @@
                                 </p:cTn>
                               </p:par>
                               <p:par>
-                                <p:cTn id="21" presetID="10" presetClass="entr" presetSubtype="0" fill="hold" nodeType="withEffect">
+                                <p:cTn id="11" presetID="10" presetClass="entr" presetSubtype="0" fill="hold" nodeType="withEffect">
                                   <p:stCondLst>
                                     <p:cond delay="0"/>
                                   </p:stCondLst>
                                   <p:childTnLst>
                                     <p:set>
                                       <p:cBhvr>
-                                        <p:cTn id="22" dur="1" fill="hold">
+                                        <p:cTn id="12" dur="1" fill="hold">
                                           <p:stCondLst>
                                             <p:cond delay="0"/>
                                           </p:stCondLst>
@@ -13385,7 +12977,7 @@
                                     </p:set>
                                     <p:animEffect transition="in" filter="fade">
                                       <p:cBhvr>
-                                        <p:cTn id="23" dur="500"/>
+                                        <p:cTn id="13" dur="500"/>
                                         <p:tgtEl>
                                           <p:spTgt spid="11"/>
                                         </p:tgtEl>
@@ -13395,14 +12987,14 @@
                                 </p:cTn>
                               </p:par>
                               <p:par>
-                                <p:cTn id="24" presetID="10" presetClass="entr" presetSubtype="0" fill="hold" grpId="0" nodeType="withEffect">
+                                <p:cTn id="14" presetID="10" presetClass="entr" presetSubtype="0" fill="hold" grpId="0" nodeType="withEffect">
                                   <p:stCondLst>
                                     <p:cond delay="0"/>
                                   </p:stCondLst>
                                   <p:childTnLst>
                                     <p:set>
                                       <p:cBhvr>
-                                        <p:cTn id="25" dur="1" fill="hold">
+                                        <p:cTn id="15" dur="1" fill="hold">
                                           <p:stCondLst>
                                             <p:cond delay="0"/>
                                           </p:stCondLst>
@@ -13420,7 +13012,7 @@
                                     </p:set>
                                     <p:animEffect transition="in" filter="fade">
                                       <p:cBhvr>
-                                        <p:cTn id="26" dur="500"/>
+                                        <p:cTn id="16" dur="500"/>
                                         <p:tgtEl>
                                           <p:spTgt spid="14"/>
                                         </p:tgtEl>
@@ -13430,14 +13022,14 @@
                                 </p:cTn>
                               </p:par>
                               <p:par>
-                                <p:cTn id="27" presetID="10" presetClass="entr" presetSubtype="0" fill="hold" nodeType="withEffect">
+                                <p:cTn id="17" presetID="10" presetClass="entr" presetSubtype="0" fill="hold" nodeType="withEffect">
                                   <p:stCondLst>
                                     <p:cond delay="0"/>
                                   </p:stCondLst>
                                   <p:childTnLst>
                                     <p:set>
                                       <p:cBhvr>
-                                        <p:cTn id="28" dur="1" fill="hold">
+                                        <p:cTn id="18" dur="1" fill="hold">
                                           <p:stCondLst>
                                             <p:cond delay="0"/>
                                           </p:stCondLst>
@@ -13455,7 +13047,7 @@
                                     </p:set>
                                     <p:animEffect transition="in" filter="fade">
                                       <p:cBhvr>
-                                        <p:cTn id="29" dur="500"/>
+                                        <p:cTn id="19" dur="500"/>
                                         <p:tgtEl>
                                           <p:spTgt spid="12"/>
                                         </p:tgtEl>
@@ -13543,7 +13135,7 @@
     </a:clrScheme>
     <a:fontScheme name="Office">
       <a:majorFont>
-        <a:latin typeface="Calibri Light" panose="020F0302020204030204"/>
+        <a:latin typeface="Calibri Light"/>
         <a:ea typeface=""/>
         <a:cs typeface=""/>
         <a:font script="Jpan" typeface="ＭＳ Ｐゴシック"/>
@@ -13578,7 +13170,7 @@
         <a:font script="Geor" typeface="Sylfaen"/>
       </a:majorFont>
       <a:minorFont>
-        <a:latin typeface="Calibri" panose="020F0502020204030204"/>
+        <a:latin typeface="Calibri"/>
         <a:ea typeface=""/>
         <a:cs typeface=""/>
         <a:font script="Jpan" typeface="ＭＳ Ｐゴシック"/>
@@ -13755,7 +13347,7 @@
   <a:extraClrSchemeLst/>
   <a:extLst>
     <a:ext uri="{05A4C25C-085E-4340-85A3-A5531E510DB2}">
-      <thm15:themeFamily xmlns:thm15="http://schemas.microsoft.com/office/thememl/2012/main" name="Office Theme" id="{62F939B6-93AF-4DB8-9C6B-D6C7DFDC589F}" vid="{4A3C46E8-61CC-4603-A589-7422A47A8E4A}"/>
+      <thm15:themeFamily xmlns:thm15="http://schemas.microsoft.com/office/thememl/2012/main" xmlns="" name="Office Theme" id="{62F939B6-93AF-4DB8-9C6B-D6C7DFDC589F}" vid="{4A3C46E8-61CC-4603-A589-7422A47A8E4A}"/>
     </a:ext>
   </a:extLst>
 </a:theme>
@@ -13804,7 +13396,7 @@
     </a:clrScheme>
     <a:fontScheme name="Office">
       <a:majorFont>
-        <a:latin typeface="Calibri Light" panose="020F0302020204030204"/>
+        <a:latin typeface="Calibri Light"/>
         <a:ea typeface=""/>
         <a:cs typeface=""/>
         <a:font script="Jpan" typeface="ＭＳ Ｐゴシック"/>
@@ -13839,7 +13431,7 @@
         <a:font script="Geor" typeface="Sylfaen"/>
       </a:majorFont>
       <a:minorFont>
-        <a:latin typeface="Calibri" panose="020F0502020204030204"/>
+        <a:latin typeface="Calibri"/>
         <a:ea typeface=""/>
         <a:cs typeface=""/>
         <a:font script="Jpan" typeface="ＭＳ Ｐゴシック"/>
@@ -14016,7 +13608,7 @@
   <a:extraClrSchemeLst/>
   <a:extLst>
     <a:ext uri="{05A4C25C-085E-4340-85A3-A5531E510DB2}">
-      <thm15:themeFamily xmlns:thm15="http://schemas.microsoft.com/office/thememl/2012/main" name="Office Theme" id="{62F939B6-93AF-4DB8-9C6B-D6C7DFDC589F}" vid="{4A3C46E8-61CC-4603-A589-7422A47A8E4A}"/>
+      <thm15:themeFamily xmlns:thm15="http://schemas.microsoft.com/office/thememl/2012/main" xmlns="" name="Office Theme" id="{62F939B6-93AF-4DB8-9C6B-D6C7DFDC589F}" vid="{4A3C46E8-61CC-4603-A589-7422A47A8E4A}"/>
     </a:ext>
   </a:extLst>
 </a:theme>

--- a/PHY2026/Experiment_4/Final_Report/Wo01_Presentation.pptx
+++ b/PHY2026/Experiment_4/Final_Report/Wo01_Presentation.pptx
@@ -119,7 +119,18 @@
   </p:defaultTextStyle>
   <p:extLst>
     <p:ext uri="{EFAFB233-063F-42B5-8137-9DF3F51BA10A}">
-      <p15:sldGuideLst xmlns:p15="http://schemas.microsoft.com/office/powerpoint/2012/main" xmlns=""/>
+      <p15:sldGuideLst xmlns:p15="http://schemas.microsoft.com/office/powerpoint/2012/main">
+        <p15:guide id="1" orient="horz" pos="2160">
+          <p15:clr>
+            <a:srgbClr val="A4A3A4"/>
+          </p15:clr>
+        </p15:guide>
+        <p15:guide id="2" pos="3840">
+          <p15:clr>
+            <a:srgbClr val="A4A3A4"/>
+          </p15:clr>
+        </p15:guide>
+      </p15:sldGuideLst>
     </p:ext>
   </p:extLst>
 </p:presentation>
@@ -207,7 +218,7 @@
           <a:p>
             <a:fld id="{8CDFF4CB-356B-4B38-95B6-292FF56F68A2}" type="datetimeFigureOut">
               <a:rPr lang="en-GB" smtClean="0"/>
-              <a:t>14/03/19</a:t>
+              <a:t>16/03/2019</a:t>
             </a:fld>
             <a:endParaRPr lang="en-GB"/>
           </a:p>
@@ -690,7 +701,7 @@
           <a:p>
             <a:fld id="{82E3491A-DA20-485D-A3DD-B3B630B308C3}" type="datetimeFigureOut">
               <a:rPr lang="en-GB" smtClean="0"/>
-              <a:t>14/03/19</a:t>
+              <a:t>16/03/2019</a:t>
             </a:fld>
             <a:endParaRPr lang="en-GB"/>
           </a:p>
@@ -860,7 +871,7 @@
           <a:p>
             <a:fld id="{82E3491A-DA20-485D-A3DD-B3B630B308C3}" type="datetimeFigureOut">
               <a:rPr lang="en-GB" smtClean="0"/>
-              <a:t>14/03/19</a:t>
+              <a:t>16/03/2019</a:t>
             </a:fld>
             <a:endParaRPr lang="en-GB"/>
           </a:p>
@@ -1040,7 +1051,7 @@
           <a:p>
             <a:fld id="{82E3491A-DA20-485D-A3DD-B3B630B308C3}" type="datetimeFigureOut">
               <a:rPr lang="en-GB" smtClean="0"/>
-              <a:t>14/03/19</a:t>
+              <a:t>16/03/2019</a:t>
             </a:fld>
             <a:endParaRPr lang="en-GB"/>
           </a:p>
@@ -1210,7 +1221,7 @@
           <a:p>
             <a:fld id="{82E3491A-DA20-485D-A3DD-B3B630B308C3}" type="datetimeFigureOut">
               <a:rPr lang="en-GB" smtClean="0"/>
-              <a:t>14/03/19</a:t>
+              <a:t>16/03/2019</a:t>
             </a:fld>
             <a:endParaRPr lang="en-GB"/>
           </a:p>
@@ -1456,7 +1467,7 @@
           <a:p>
             <a:fld id="{82E3491A-DA20-485D-A3DD-B3B630B308C3}" type="datetimeFigureOut">
               <a:rPr lang="en-GB" smtClean="0"/>
-              <a:t>14/03/19</a:t>
+              <a:t>16/03/2019</a:t>
             </a:fld>
             <a:endParaRPr lang="en-GB"/>
           </a:p>
@@ -1688,7 +1699,7 @@
           <a:p>
             <a:fld id="{82E3491A-DA20-485D-A3DD-B3B630B308C3}" type="datetimeFigureOut">
               <a:rPr lang="en-GB" smtClean="0"/>
-              <a:t>14/03/19</a:t>
+              <a:t>16/03/2019</a:t>
             </a:fld>
             <a:endParaRPr lang="en-GB"/>
           </a:p>
@@ -2055,7 +2066,7 @@
           <a:p>
             <a:fld id="{82E3491A-DA20-485D-A3DD-B3B630B308C3}" type="datetimeFigureOut">
               <a:rPr lang="en-GB" smtClean="0"/>
-              <a:t>14/03/19</a:t>
+              <a:t>16/03/2019</a:t>
             </a:fld>
             <a:endParaRPr lang="en-GB"/>
           </a:p>
@@ -2173,7 +2184,7 @@
           <a:p>
             <a:fld id="{82E3491A-DA20-485D-A3DD-B3B630B308C3}" type="datetimeFigureOut">
               <a:rPr lang="en-GB" smtClean="0"/>
-              <a:t>14/03/19</a:t>
+              <a:t>16/03/2019</a:t>
             </a:fld>
             <a:endParaRPr lang="en-GB"/>
           </a:p>
@@ -2268,7 +2279,7 @@
           <a:p>
             <a:fld id="{82E3491A-DA20-485D-A3DD-B3B630B308C3}" type="datetimeFigureOut">
               <a:rPr lang="en-GB" smtClean="0"/>
-              <a:t>14/03/19</a:t>
+              <a:t>16/03/2019</a:t>
             </a:fld>
             <a:endParaRPr lang="en-GB"/>
           </a:p>
@@ -2545,7 +2556,7 @@
           <a:p>
             <a:fld id="{82E3491A-DA20-485D-A3DD-B3B630B308C3}" type="datetimeFigureOut">
               <a:rPr lang="en-GB" smtClean="0"/>
-              <a:t>14/03/19</a:t>
+              <a:t>16/03/2019</a:t>
             </a:fld>
             <a:endParaRPr lang="en-GB"/>
           </a:p>
@@ -2798,7 +2809,7 @@
           <a:p>
             <a:fld id="{82E3491A-DA20-485D-A3DD-B3B630B308C3}" type="datetimeFigureOut">
               <a:rPr lang="en-GB" smtClean="0"/>
-              <a:t>14/03/19</a:t>
+              <a:t>16/03/2019</a:t>
             </a:fld>
             <a:endParaRPr lang="en-GB"/>
           </a:p>
@@ -3035,7 +3046,7 @@
           <a:p>
             <a:fld id="{82E3491A-DA20-485D-A3DD-B3B630B308C3}" type="datetimeFigureOut">
               <a:rPr lang="en-GB" smtClean="0"/>
-              <a:t>14/03/19</a:t>
+              <a:t>16/03/2019</a:t>
             </a:fld>
             <a:endParaRPr lang="en-GB"/>
           </a:p>
@@ -3547,7 +3558,7 @@
   <p:timing>
     <p:tnLst>
       <p:par>
-        <p:cTn xmlns:p14="http://schemas.microsoft.com/office/powerpoint/2010/main" id="1" dur="indefinite" restart="never" nodeType="tmRoot"/>
+        <p:cTn id="1" dur="indefinite" restart="never" nodeType="tmRoot"/>
       </p:par>
     </p:tnLst>
   </p:timing>
@@ -3716,7 +3727,7 @@
   <p:timing>
     <p:tnLst>
       <p:par>
-        <p:cTn xmlns:p14="http://schemas.microsoft.com/office/powerpoint/2010/main" id="1" dur="indefinite" restart="never" nodeType="tmRoot">
+        <p:cTn id="1" dur="indefinite" restart="never" nodeType="tmRoot">
           <p:childTnLst>
             <p:seq concurrent="1" nextAc="seek">
               <p:cTn id="2" dur="indefinite" nodeType="mainSeq">
@@ -4071,7 +4082,7 @@
           </a:p>
           <a:p>
             <a:r>
-              <a:rPr lang="en-GB" baseline="30000" dirty="0" smtClean="0">
+              <a:rPr lang="en-GB" baseline="30000" dirty="0">
                 <a:latin typeface="Times New Roman" panose="02020603050405020304" pitchFamily="18" charset="0"/>
                 <a:cs typeface="Times New Roman" panose="02020603050405020304" pitchFamily="18" charset="0"/>
               </a:rPr>
@@ -4089,77 +4100,51 @@
                 <a:latin typeface="Times New Roman" panose="02020603050405020304" pitchFamily="18" charset="0"/>
                 <a:cs typeface="Times New Roman" panose="02020603050405020304" pitchFamily="18" charset="0"/>
               </a:rPr>
-              <a:t>of Engineering, Mathematics and Physical Sciences, University of Exeter, </a:t>
-            </a:r>
-            <a:r>
-              <a:rPr lang="en-GB" u="sng" dirty="0">
+              <a:t>of Engineering, Mathematics and Physical Sciences, University of Exeter, PHY2026, </a:t>
+            </a:r>
+            <a:r>
+              <a:rPr lang="en-GB" i="1" dirty="0">
                 <a:latin typeface="Times New Roman" panose="02020603050405020304" pitchFamily="18" charset="0"/>
                 <a:cs typeface="Times New Roman" panose="02020603050405020304" pitchFamily="18" charset="0"/>
               </a:rPr>
-              <a:t>PHY2026</a:t>
+              <a:t>Diffraction and Interference Worksheet</a:t>
             </a:r>
             <a:r>
               <a:rPr lang="en-GB" dirty="0">
                 <a:latin typeface="Times New Roman" panose="02020603050405020304" pitchFamily="18" charset="0"/>
                 <a:cs typeface="Times New Roman" panose="02020603050405020304" pitchFamily="18" charset="0"/>
               </a:rPr>
-              <a:t>, </a:t>
-            </a:r>
-            <a:r>
-              <a:rPr lang="en-GB" i="1" dirty="0" smtClean="0">
+              <a:t> (Accessed 8</a:t>
+            </a:r>
+            <a:r>
+              <a:rPr lang="en-GB" baseline="30000" dirty="0">
                 <a:latin typeface="Times New Roman" panose="02020603050405020304" pitchFamily="18" charset="0"/>
                 <a:cs typeface="Times New Roman" panose="02020603050405020304" pitchFamily="18" charset="0"/>
               </a:rPr>
-              <a:t>Diffraction </a:t>
-            </a:r>
-            <a:r>
-              <a:rPr lang="en-GB" i="1" dirty="0">
+              <a:t>th </a:t>
+            </a:r>
+            <a:r>
+              <a:rPr lang="en-GB" dirty="0">
                 <a:latin typeface="Times New Roman" panose="02020603050405020304" pitchFamily="18" charset="0"/>
                 <a:cs typeface="Times New Roman" panose="02020603050405020304" pitchFamily="18" charset="0"/>
               </a:rPr>
-              <a:t>and Interference </a:t>
-            </a:r>
-            <a:r>
-              <a:rPr lang="en-GB" i="1" dirty="0" smtClean="0">
-                <a:latin typeface="Times New Roman" panose="02020603050405020304" pitchFamily="18" charset="0"/>
-                <a:cs typeface="Times New Roman" panose="02020603050405020304" pitchFamily="18" charset="0"/>
-              </a:rPr>
-              <a:t>Worksheet</a:t>
+              <a:t>February 2019</a:t>
             </a:r>
             <a:r>
               <a:rPr lang="en-GB" dirty="0" smtClean="0">
                 <a:latin typeface="Times New Roman" panose="02020603050405020304" pitchFamily="18" charset="0"/>
                 <a:cs typeface="Times New Roman" panose="02020603050405020304" pitchFamily="18" charset="0"/>
               </a:rPr>
-              <a:t>,</a:t>
-            </a:r>
-            <a:r>
-              <a:rPr lang="en-GB" i="1" dirty="0" smtClean="0">
+              <a:t>).</a:t>
+            </a:r>
+          </a:p>
+          <a:p>
+            <a:r>
+              <a:rPr lang="en-GB" baseline="30000" dirty="0">
                 <a:latin typeface="Times New Roman" panose="02020603050405020304" pitchFamily="18" charset="0"/>
                 <a:cs typeface="Times New Roman" panose="02020603050405020304" pitchFamily="18" charset="0"/>
               </a:rPr>
-              <a:t> </a:t>
-            </a:r>
-            <a:r>
-              <a:rPr lang="en-GB" dirty="0">
-                <a:latin typeface="Times New Roman" panose="02020603050405020304" pitchFamily="18" charset="0"/>
-                <a:cs typeface="Times New Roman" panose="02020603050405020304" pitchFamily="18" charset="0"/>
-              </a:rPr>
-              <a:t>(Accessed </a:t>
-            </a:r>
-            <a:r>
-              <a:rPr lang="en-GB" dirty="0" smtClean="0">
-                <a:latin typeface="Times New Roman" panose="02020603050405020304" pitchFamily="18" charset="0"/>
-                <a:cs typeface="Times New Roman" panose="02020603050405020304" pitchFamily="18" charset="0"/>
-              </a:rPr>
-              <a:t>8</a:t>
-            </a:r>
-            <a:r>
-              <a:rPr lang="en-GB" baseline="30000" dirty="0" smtClean="0">
-                <a:latin typeface="Times New Roman" panose="02020603050405020304" pitchFamily="18" charset="0"/>
-                <a:cs typeface="Times New Roman" panose="02020603050405020304" pitchFamily="18" charset="0"/>
-              </a:rPr>
-              <a:t>th</a:t>
+              <a:t>3</a:t>
             </a:r>
             <a:r>
               <a:rPr lang="en-GB" dirty="0" smtClean="0">
@@ -4169,23 +4154,56 @@
               <a:t> </a:t>
             </a:r>
             <a:r>
+              <a:rPr lang="en-GB" i="1" dirty="0" smtClean="0">
+                <a:latin typeface="Times New Roman" panose="02020603050405020304" pitchFamily="18" charset="0"/>
+                <a:cs typeface="Times New Roman" panose="02020603050405020304" pitchFamily="18" charset="0"/>
+              </a:rPr>
+              <a:t>Red Diode Laser – </a:t>
+            </a:r>
+            <a:r>
+              <a:rPr lang="en-GB" i="1" dirty="0">
+                <a:latin typeface="Times New Roman" panose="02020603050405020304" pitchFamily="18" charset="0"/>
+                <a:cs typeface="Times New Roman" panose="02020603050405020304" pitchFamily="18" charset="0"/>
+              </a:rPr>
+              <a:t>Basic Optics  - OS-8525A </a:t>
+            </a:r>
+            <a:r>
               <a:rPr lang="en-GB" dirty="0">
                 <a:latin typeface="Times New Roman" panose="02020603050405020304" pitchFamily="18" charset="0"/>
                 <a:cs typeface="Times New Roman" panose="02020603050405020304" pitchFamily="18" charset="0"/>
+                <a:hlinkClick r:id="rId2"/>
               </a:rPr>
-              <a:t>February 2019).</a:t>
+              <a:t>https://</a:t>
+            </a:r>
+            <a:r>
+              <a:rPr lang="en-GB" dirty="0" smtClean="0">
+                <a:latin typeface="Times New Roman" panose="02020603050405020304" pitchFamily="18" charset="0"/>
+                <a:cs typeface="Times New Roman" panose="02020603050405020304" pitchFamily="18" charset="0"/>
+                <a:hlinkClick r:id="rId2"/>
+              </a:rPr>
+              <a:t>www.pasco.com/prodCatalog/OS/OS-8525_red-diode-laser-basic-optics/index.cfm?fbclid=IwAR3gzuNSAoumEZpwYZQO6tX3j1nLhTtLYklX5U6V6HHw5xyHKdszO1ID00I</a:t>
             </a:r>
             <a:r>
               <a:rPr lang="en-GB" dirty="0" smtClean="0">
                 <a:latin typeface="Times New Roman" panose="02020603050405020304" pitchFamily="18" charset="0"/>
                 <a:cs typeface="Times New Roman" panose="02020603050405020304" pitchFamily="18" charset="0"/>
               </a:rPr>
-              <a:t> </a:t>
-            </a:r>
-            <a:endParaRPr lang="en-GB" baseline="30000" dirty="0">
-              <a:latin typeface="Times New Roman" panose="02020603050405020304" pitchFamily="18" charset="0"/>
-              <a:cs typeface="Times New Roman" panose="02020603050405020304" pitchFamily="18" charset="0"/>
-            </a:endParaRPr>
+              <a:t> (Accessed 15</a:t>
+            </a:r>
+            <a:r>
+              <a:rPr lang="en-GB" baseline="30000" dirty="0" smtClean="0">
+                <a:latin typeface="Times New Roman" panose="02020603050405020304" pitchFamily="18" charset="0"/>
+                <a:cs typeface="Times New Roman" panose="02020603050405020304" pitchFamily="18" charset="0"/>
+              </a:rPr>
+              <a:t>th </a:t>
+            </a:r>
+            <a:r>
+              <a:rPr lang="en-GB" dirty="0" smtClean="0">
+                <a:latin typeface="Times New Roman" panose="02020603050405020304" pitchFamily="18" charset="0"/>
+                <a:cs typeface="Times New Roman" panose="02020603050405020304" pitchFamily="18" charset="0"/>
+              </a:rPr>
+              <a:t>March 2019).</a:t>
+            </a:r>
           </a:p>
         </p:txBody>
       </p:sp>
@@ -4210,9 +4228,236 @@
   <p:timing>
     <p:tnLst>
       <p:par>
-        <p:cTn xmlns:p14="http://schemas.microsoft.com/office/powerpoint/2010/main" id="1" dur="indefinite" restart="never" nodeType="tmRoot"/>
+        <p:cTn id="1" dur="indefinite" restart="never" nodeType="tmRoot">
+          <p:childTnLst>
+            <p:seq concurrent="1" nextAc="seek">
+              <p:cTn id="2" dur="indefinite" nodeType="mainSeq">
+                <p:childTnLst>
+                  <p:par>
+                    <p:cTn id="3" fill="hold">
+                      <p:stCondLst>
+                        <p:cond delay="indefinite"/>
+                      </p:stCondLst>
+                      <p:childTnLst>
+                        <p:par>
+                          <p:cTn id="4" fill="hold">
+                            <p:stCondLst>
+                              <p:cond delay="0"/>
+                            </p:stCondLst>
+                            <p:childTnLst>
+                              <p:par>
+                                <p:cTn id="5" presetID="10" presetClass="entr" presetSubtype="0" fill="hold" grpId="0" nodeType="clickEffect">
+                                  <p:stCondLst>
+                                    <p:cond delay="0"/>
+                                  </p:stCondLst>
+                                  <p:childTnLst>
+                                    <p:set>
+                                      <p:cBhvr>
+                                        <p:cTn id="6" dur="1" fill="hold">
+                                          <p:stCondLst>
+                                            <p:cond delay="0"/>
+                                          </p:stCondLst>
+                                        </p:cTn>
+                                        <p:tgtEl>
+                                          <p:spTgt spid="2"/>
+                                        </p:tgtEl>
+                                        <p:attrNameLst>
+                                          <p:attrName>style.visibility</p:attrName>
+                                        </p:attrNameLst>
+                                      </p:cBhvr>
+                                      <p:to>
+                                        <p:strVal val="visible"/>
+                                      </p:to>
+                                    </p:set>
+                                    <p:animEffect transition="in" filter="fade">
+                                      <p:cBhvr>
+                                        <p:cTn id="7" dur="500"/>
+                                        <p:tgtEl>
+                                          <p:spTgt spid="2"/>
+                                        </p:tgtEl>
+                                      </p:cBhvr>
+                                    </p:animEffect>
+                                  </p:childTnLst>
+                                </p:cTn>
+                              </p:par>
+                            </p:childTnLst>
+                          </p:cTn>
+                        </p:par>
+                      </p:childTnLst>
+                    </p:cTn>
+                  </p:par>
+                  <p:par>
+                    <p:cTn id="8" fill="hold">
+                      <p:stCondLst>
+                        <p:cond delay="indefinite"/>
+                      </p:stCondLst>
+                      <p:childTnLst>
+                        <p:par>
+                          <p:cTn id="9" fill="hold">
+                            <p:stCondLst>
+                              <p:cond delay="0"/>
+                            </p:stCondLst>
+                            <p:childTnLst>
+                              <p:par>
+                                <p:cTn id="10" presetID="10" presetClass="entr" presetSubtype="0" fill="hold" grpId="0" nodeType="clickEffect">
+                                  <p:stCondLst>
+                                    <p:cond delay="0"/>
+                                  </p:stCondLst>
+                                  <p:childTnLst>
+                                    <p:set>
+                                      <p:cBhvr>
+                                        <p:cTn id="11" dur="1" fill="hold">
+                                          <p:stCondLst>
+                                            <p:cond delay="0"/>
+                                          </p:stCondLst>
+                                        </p:cTn>
+                                        <p:tgtEl>
+                                          <p:spTgt spid="3">
+                                            <p:txEl>
+                                              <p:pRg st="0" end="0"/>
+                                            </p:txEl>
+                                          </p:spTgt>
+                                        </p:tgtEl>
+                                        <p:attrNameLst>
+                                          <p:attrName>style.visibility</p:attrName>
+                                        </p:attrNameLst>
+                                      </p:cBhvr>
+                                      <p:to>
+                                        <p:strVal val="visible"/>
+                                      </p:to>
+                                    </p:set>
+                                    <p:animEffect transition="in" filter="fade">
+                                      <p:cBhvr>
+                                        <p:cTn id="12" dur="500"/>
+                                        <p:tgtEl>
+                                          <p:spTgt spid="3">
+                                            <p:txEl>
+                                              <p:pRg st="0" end="0"/>
+                                            </p:txEl>
+                                          </p:spTgt>
+                                        </p:tgtEl>
+                                      </p:cBhvr>
+                                    </p:animEffect>
+                                  </p:childTnLst>
+                                </p:cTn>
+                              </p:par>
+                              <p:par>
+                                <p:cTn id="13" presetID="10" presetClass="entr" presetSubtype="0" fill="hold" grpId="0" nodeType="withEffect">
+                                  <p:stCondLst>
+                                    <p:cond delay="0"/>
+                                  </p:stCondLst>
+                                  <p:childTnLst>
+                                    <p:set>
+                                      <p:cBhvr>
+                                        <p:cTn id="14" dur="1" fill="hold">
+                                          <p:stCondLst>
+                                            <p:cond delay="0"/>
+                                          </p:stCondLst>
+                                        </p:cTn>
+                                        <p:tgtEl>
+                                          <p:spTgt spid="3">
+                                            <p:txEl>
+                                              <p:pRg st="1" end="1"/>
+                                            </p:txEl>
+                                          </p:spTgt>
+                                        </p:tgtEl>
+                                        <p:attrNameLst>
+                                          <p:attrName>style.visibility</p:attrName>
+                                        </p:attrNameLst>
+                                      </p:cBhvr>
+                                      <p:to>
+                                        <p:strVal val="visible"/>
+                                      </p:to>
+                                    </p:set>
+                                    <p:animEffect transition="in" filter="fade">
+                                      <p:cBhvr>
+                                        <p:cTn id="15" dur="500"/>
+                                        <p:tgtEl>
+                                          <p:spTgt spid="3">
+                                            <p:txEl>
+                                              <p:pRg st="1" end="1"/>
+                                            </p:txEl>
+                                          </p:spTgt>
+                                        </p:tgtEl>
+                                      </p:cBhvr>
+                                    </p:animEffect>
+                                  </p:childTnLst>
+                                </p:cTn>
+                              </p:par>
+                              <p:par>
+                                <p:cTn id="16" presetID="10" presetClass="entr" presetSubtype="0" fill="hold" grpId="0" nodeType="withEffect">
+                                  <p:stCondLst>
+                                    <p:cond delay="0"/>
+                                  </p:stCondLst>
+                                  <p:childTnLst>
+                                    <p:set>
+                                      <p:cBhvr>
+                                        <p:cTn id="17" dur="1" fill="hold">
+                                          <p:stCondLst>
+                                            <p:cond delay="0"/>
+                                          </p:stCondLst>
+                                        </p:cTn>
+                                        <p:tgtEl>
+                                          <p:spTgt spid="3">
+                                            <p:txEl>
+                                              <p:pRg st="2" end="2"/>
+                                            </p:txEl>
+                                          </p:spTgt>
+                                        </p:tgtEl>
+                                        <p:attrNameLst>
+                                          <p:attrName>style.visibility</p:attrName>
+                                        </p:attrNameLst>
+                                      </p:cBhvr>
+                                      <p:to>
+                                        <p:strVal val="visible"/>
+                                      </p:to>
+                                    </p:set>
+                                    <p:animEffect transition="in" filter="fade">
+                                      <p:cBhvr>
+                                        <p:cTn id="18" dur="500"/>
+                                        <p:tgtEl>
+                                          <p:spTgt spid="3">
+                                            <p:txEl>
+                                              <p:pRg st="2" end="2"/>
+                                            </p:txEl>
+                                          </p:spTgt>
+                                        </p:tgtEl>
+                                      </p:cBhvr>
+                                    </p:animEffect>
+                                  </p:childTnLst>
+                                </p:cTn>
+                              </p:par>
+                            </p:childTnLst>
+                          </p:cTn>
+                        </p:par>
+                      </p:childTnLst>
+                    </p:cTn>
+                  </p:par>
+                </p:childTnLst>
+              </p:cTn>
+              <p:prevCondLst>
+                <p:cond evt="onPrev" delay="0">
+                  <p:tgtEl>
+                    <p:sldTgt/>
+                  </p:tgtEl>
+                </p:cond>
+              </p:prevCondLst>
+              <p:nextCondLst>
+                <p:cond evt="onNext" delay="0">
+                  <p:tgtEl>
+                    <p:sldTgt/>
+                  </p:tgtEl>
+                </p:cond>
+              </p:nextCondLst>
+            </p:seq>
+          </p:childTnLst>
+        </p:cTn>
       </p:par>
     </p:tnLst>
+    <p:bldLst>
+      <p:bldP spid="2" grpId="0"/>
+      <p:bldP spid="3" grpId="0" build="allAtOnce"/>
+    </p:bldLst>
   </p:timing>
 </p:sld>
 </file>
@@ -4360,7 +4605,7 @@
   <p:timing>
     <p:tnLst>
       <p:par>
-        <p:cTn xmlns:p14="http://schemas.microsoft.com/office/powerpoint/2010/main" id="1" dur="indefinite" restart="never" nodeType="tmRoot">
+        <p:cTn id="1" dur="indefinite" restart="never" nodeType="tmRoot">
           <p:childTnLst>
             <p:seq concurrent="1" nextAc="seek">
               <p:cTn id="2" dur="indefinite" nodeType="mainSeq">
@@ -4717,7 +4962,7 @@
   <p:timing>
     <p:tnLst>
       <p:par>
-        <p:cTn xmlns:p14="http://schemas.microsoft.com/office/powerpoint/2010/main" id="1" dur="indefinite" restart="never" nodeType="tmRoot">
+        <p:cTn id="1" dur="indefinite" restart="never" nodeType="tmRoot">
           <p:childTnLst>
             <p:seq concurrent="1" nextAc="seek">
               <p:cTn id="2" dur="indefinite" nodeType="mainSeq">
@@ -5064,7 +5309,7 @@
                   <a:t> </a:t>
                 </a:r>
                 <a14:m>
-                  <m:oMath xmlns:m="http://schemas.openxmlformats.org/officeDocument/2006/math" xmlns="">
+                  <m:oMath xmlns:m="http://schemas.openxmlformats.org/officeDocument/2006/math">
                     <m:r>
                       <a:rPr lang="en-GB" sz="2000" i="1">
                         <a:latin typeface="Cambria Math" panose="02040503050406030204" pitchFamily="18" charset="0"/>
@@ -5221,7 +5466,7 @@
                   <a:t> </a:t>
                 </a:r>
                 <a14:m>
-                  <m:oMath xmlns:m="http://schemas.openxmlformats.org/officeDocument/2006/math" xmlns="">
+                  <m:oMath xmlns:m="http://schemas.openxmlformats.org/officeDocument/2006/math">
                     <m:r>
                       <a:rPr lang="en-GB" sz="2000" i="1">
                         <a:latin typeface="Cambria Math" panose="02040503050406030204" pitchFamily="18" charset="0"/>
@@ -5323,7 +5568,7 @@
                   <a:t>mall angle approximation: </a:t>
                 </a:r>
                 <a14:m>
-                  <m:oMath xmlns:m="http://schemas.openxmlformats.org/officeDocument/2006/math" xmlns="">
+                  <m:oMath xmlns:m="http://schemas.openxmlformats.org/officeDocument/2006/math">
                     <m:r>
                       <a:rPr lang="en-GB" sz="2000" i="1">
                         <a:latin typeface="Cambria Math" panose="02040503050406030204" pitchFamily="18" charset="0"/>
@@ -5639,7 +5884,7 @@
                   <a:t>ith </a:t>
                 </a:r>
                 <a14:m>
-                  <m:oMath xmlns:m="http://schemas.openxmlformats.org/officeDocument/2006/math" xmlns="">
+                  <m:oMath xmlns:m="http://schemas.openxmlformats.org/officeDocument/2006/math">
                     <m:r>
                       <a:rPr lang="en-GB" sz="2000" i="1">
                         <a:latin typeface="Cambria Math" panose="02040503050406030204" pitchFamily="18" charset="0"/>
@@ -5772,7 +6017,7 @@
               <a:p>
                 <a:pPr algn="ctr"/>
                 <a14:m>
-                  <m:oMath xmlns:m="http://schemas.openxmlformats.org/officeDocument/2006/math" xmlns="">
+                  <m:oMath xmlns:m="http://schemas.openxmlformats.org/officeDocument/2006/math">
                     <m:r>
                       <a:rPr lang="en-GB" sz="2000" i="1">
                         <a:latin typeface="Cambria Math" panose="02040503050406030204" pitchFamily="18" charset="0"/>
@@ -5981,7 +6226,7 @@
                   <a:t> </a:t>
                 </a:r>
                 <a14:m>
-                  <m:oMath xmlns:m="http://schemas.openxmlformats.org/officeDocument/2006/math" xmlns="">
+                  <m:oMath xmlns:m="http://schemas.openxmlformats.org/officeDocument/2006/math">
                     <m:r>
                       <a:rPr lang="el-GR" sz="2000" i="1">
                         <a:latin typeface="Cambria Math" panose="02040503050406030204" pitchFamily="18" charset="0"/>
@@ -6078,7 +6323,7 @@
                   <a:t>Small angle approximation: </a:t>
                 </a:r>
                 <a14:m>
-                  <m:oMath xmlns:m="http://schemas.openxmlformats.org/officeDocument/2006/math" xmlns="">
+                  <m:oMath xmlns:m="http://schemas.openxmlformats.org/officeDocument/2006/math">
                     <m:r>
                       <a:rPr lang="en-GB" sz="2000" i="1">
                         <a:latin typeface="Cambria Math" panose="02040503050406030204" pitchFamily="18" charset="0"/>
@@ -6497,7 +6742,7 @@
                   <a:t>with </a:t>
                 </a:r>
                 <a14:m>
-                  <m:oMath xmlns:m="http://schemas.openxmlformats.org/officeDocument/2006/math" xmlns="">
+                  <m:oMath xmlns:m="http://schemas.openxmlformats.org/officeDocument/2006/math">
                     <m:r>
                       <a:rPr lang="en-GB" sz="2000" i="1">
                         <a:latin typeface="Cambria Math" panose="02040503050406030204" pitchFamily="18" charset="0"/>
@@ -6661,7 +6906,7 @@
   <p:timing>
     <p:tnLst>
       <p:par>
-        <p:cTn xmlns:p14="http://schemas.microsoft.com/office/powerpoint/2010/main" id="1" dur="indefinite" restart="never" nodeType="tmRoot">
+        <p:cTn id="1" dur="indefinite" restart="never" nodeType="tmRoot">
           <p:childTnLst>
             <p:seq concurrent="1" nextAc="seek">
               <p:cTn id="2" dur="indefinite" nodeType="mainSeq">
@@ -7104,7 +7349,7 @@
                   <a:t>Experimental value: </a:t>
                 </a:r>
                 <a14:m>
-                  <m:oMath xmlns:m="http://schemas.openxmlformats.org/officeDocument/2006/math" xmlns="">
+                  <m:oMath xmlns:m="http://schemas.openxmlformats.org/officeDocument/2006/math">
                     <m:r>
                       <a:rPr lang="en-GB" sz="2000" b="0" i="1" smtClean="0">
                         <a:latin typeface="Cambria Math" panose="02040503050406030204" pitchFamily="18" charset="0"/>
@@ -7117,7 +7362,7 @@
                         <a:latin typeface="Cambria Math" panose="02040503050406030204" pitchFamily="18" charset="0"/>
                         <a:cs typeface="Times New Roman" panose="02020603050405020304" pitchFamily="18" charset="0"/>
                       </a:rPr>
-                      <m:t>=0.18 ±0.1 </m:t>
+                      <m:t>=0.18 ±0.01 </m:t>
                     </m:r>
                     <m:sSup>
                       <m:sSupPr>
@@ -7170,7 +7415,7 @@
                   <a:t>Theoretical value (</a:t>
                 </a:r>
                 <a14:m>
-                  <m:oMath xmlns:m="http://schemas.openxmlformats.org/officeDocument/2006/math" xmlns="">
+                  <m:oMath xmlns:m="http://schemas.openxmlformats.org/officeDocument/2006/math">
                     <m:r>
                       <a:rPr lang="en-GB" sz="2000" i="1">
                         <a:latin typeface="Cambria Math" panose="02040503050406030204" pitchFamily="18" charset="0"/>
@@ -7234,7 +7479,7 @@
                   <a:t>:  </a:t>
                 </a:r>
                 <a14:m>
-                  <m:oMath xmlns:m="http://schemas.openxmlformats.org/officeDocument/2006/math" xmlns="">
+                  <m:oMath xmlns:m="http://schemas.openxmlformats.org/officeDocument/2006/math">
                     <m:r>
                       <a:rPr lang="en-GB" sz="2000" i="1">
                         <a:latin typeface="Cambria Math" panose="02040503050406030204" pitchFamily="18" charset="0"/>
@@ -7420,8 +7665,8 @@
           </a:p>
         </p:txBody>
       </p:sp>
-      <mc:AlternateContent xmlns:mc="http://schemas.openxmlformats.org/markup-compatibility/2006" xmlns:a14="http://schemas.microsoft.com/office/drawing/2010/main">
-        <mc:Choice Requires="a14">
+      <mc:AlternateContent xmlns:mc="http://schemas.openxmlformats.org/markup-compatibility/2006">
+        <mc:Choice xmlns:a14="http://schemas.microsoft.com/office/drawing/2010/main" Requires="a14">
           <p:sp>
             <p:nvSpPr>
               <p:cNvPr id="13" name="TextBox 12"/>
@@ -7453,7 +7698,7 @@
                   <a:t>A</a:t>
                 </a:r>
                 <a14:m>
-                  <m:oMath xmlns:m="http://schemas.openxmlformats.org/officeDocument/2006/math" xmlns="">
+                  <m:oMath xmlns:m="http://schemas.openxmlformats.org/officeDocument/2006/math">
                     <m:r>
                       <m:rPr>
                         <m:sty m:val="p"/>
@@ -7548,7 +7793,23 @@
                         <a:ea typeface="Cambria Math" panose="02040503050406030204" pitchFamily="18" charset="0"/>
                         <a:cs typeface="Times New Roman" panose="02020603050405020304" pitchFamily="18" charset="0"/>
                       </a:rPr>
-                      <m:t>=40.6 </m:t>
+                      <m:t>=4</m:t>
+                    </m:r>
+                    <m:r>
+                      <a:rPr lang="en-GB" sz="2000" b="0" i="0" smtClean="0">
+                        <a:latin typeface="Cambria Math" panose="02040503050406030204" pitchFamily="18" charset="0"/>
+                        <a:ea typeface="Cambria Math" panose="02040503050406030204" pitchFamily="18" charset="0"/>
+                        <a:cs typeface="Times New Roman" panose="02020603050405020304" pitchFamily="18" charset="0"/>
+                      </a:rPr>
+                      <m:t>1</m:t>
+                    </m:r>
+                    <m:r>
+                      <a:rPr lang="en-GB" sz="2000" b="0" i="0" smtClean="0">
+                        <a:latin typeface="Cambria Math" panose="02040503050406030204" pitchFamily="18" charset="0"/>
+                        <a:ea typeface="Cambria Math" panose="02040503050406030204" pitchFamily="18" charset="0"/>
+                        <a:cs typeface="Times New Roman" panose="02020603050405020304" pitchFamily="18" charset="0"/>
+                      </a:rPr>
+                      <m:t> </m:t>
                     </m:r>
                     <m:r>
                       <a:rPr lang="en-GB" sz="2000" b="0" i="1" smtClean="0">
@@ -7556,7 +7817,7 @@
                         <a:ea typeface="Cambria Math" panose="02040503050406030204" pitchFamily="18" charset="0"/>
                         <a:cs typeface="Times New Roman" panose="02020603050405020304" pitchFamily="18" charset="0"/>
                       </a:rPr>
-                      <m:t>±2.2°</m:t>
+                      <m:t>±2°</m:t>
                     </m:r>
                   </m:oMath>
                 </a14:m>
@@ -7575,7 +7836,7 @@
                   <a:t>A</a:t>
                 </a:r>
                 <a14:m>
-                  <m:oMath xmlns:m="http://schemas.openxmlformats.org/officeDocument/2006/math" xmlns="">
+                  <m:oMath xmlns:m="http://schemas.openxmlformats.org/officeDocument/2006/math">
                     <m:r>
                       <m:rPr>
                         <m:sty m:val="p"/>
@@ -7678,7 +7939,23 @@
                         <a:ea typeface="Cambria Math" panose="02040503050406030204" pitchFamily="18" charset="0"/>
                         <a:cs typeface="Times New Roman" panose="02020603050405020304" pitchFamily="18" charset="0"/>
                       </a:rPr>
-                      <m:t>=40.6 </m:t>
+                      <m:t>=4</m:t>
+                    </m:r>
+                    <m:r>
+                      <a:rPr lang="en-GB" sz="2000" b="0" i="0" smtClean="0">
+                        <a:latin typeface="Cambria Math" panose="02040503050406030204" pitchFamily="18" charset="0"/>
+                        <a:ea typeface="Cambria Math" panose="02040503050406030204" pitchFamily="18" charset="0"/>
+                        <a:cs typeface="Times New Roman" panose="02020603050405020304" pitchFamily="18" charset="0"/>
+                      </a:rPr>
+                      <m:t>1</m:t>
+                    </m:r>
+                    <m:r>
+                      <a:rPr lang="en-GB" sz="2000">
+                        <a:latin typeface="Cambria Math" panose="02040503050406030204" pitchFamily="18" charset="0"/>
+                        <a:ea typeface="Cambria Math" panose="02040503050406030204" pitchFamily="18" charset="0"/>
+                        <a:cs typeface="Times New Roman" panose="02020603050405020304" pitchFamily="18" charset="0"/>
+                      </a:rPr>
+                      <m:t> </m:t>
                     </m:r>
                     <m:r>
                       <a:rPr lang="en-GB" sz="2000" i="1">
@@ -7686,23 +7963,7 @@
                         <a:ea typeface="Cambria Math" panose="02040503050406030204" pitchFamily="18" charset="0"/>
                         <a:cs typeface="Times New Roman" panose="02020603050405020304" pitchFamily="18" charset="0"/>
                       </a:rPr>
-                      <m:t>±2.</m:t>
-                    </m:r>
-                    <m:r>
-                      <a:rPr lang="en-GB" sz="2000" b="0" i="1" smtClean="0">
-                        <a:latin typeface="Cambria Math" panose="02040503050406030204" pitchFamily="18" charset="0"/>
-                        <a:ea typeface="Cambria Math" panose="02040503050406030204" pitchFamily="18" charset="0"/>
-                        <a:cs typeface="Times New Roman" panose="02020603050405020304" pitchFamily="18" charset="0"/>
-                      </a:rPr>
-                      <m:t>6</m:t>
-                    </m:r>
-                    <m:r>
-                      <a:rPr lang="en-GB" sz="2000" i="1">
-                        <a:latin typeface="Cambria Math" panose="02040503050406030204" pitchFamily="18" charset="0"/>
-                        <a:ea typeface="Cambria Math" panose="02040503050406030204" pitchFamily="18" charset="0"/>
-                        <a:cs typeface="Times New Roman" panose="02020603050405020304" pitchFamily="18" charset="0"/>
-                      </a:rPr>
-                      <m:t>°</m:t>
+                      <m:t>±2°</m:t>
                     </m:r>
                   </m:oMath>
                 </a14:m>
@@ -7714,7 +7975,7 @@
             </p:txBody>
           </p:sp>
         </mc:Choice>
-        <mc:Fallback xmlns="">
+        <mc:Fallback>
           <p:sp>
             <p:nvSpPr>
               <p:cNvPr id="13" name="TextBox 12"/>
@@ -7732,7 +7993,7 @@
                 <a:avLst/>
               </a:prstGeom>
               <a:blipFill rotWithShape="0">
-                <a:blip r:embed="rId4"/>
+                <a:blip r:embed="rId3"/>
                 <a:stretch>
                   <a:fillRect t="-4310" b="-14655"/>
                 </a:stretch>
@@ -7762,7 +8023,7 @@
           <p:nvPr/>
         </p:nvPicPr>
         <p:blipFill rotWithShape="1">
-          <a:blip r:embed="rId5">
+          <a:blip r:embed="rId4">
             <a:extLst>
               <a:ext uri="{28A0092B-C50C-407E-A947-70E740481C1C}">
                 <a14:useLocalDpi xmlns:a14="http://schemas.microsoft.com/office/drawing/2010/main" val="0"/>
@@ -7782,38 +8043,8 @@
           </a:prstGeom>
         </p:spPr>
       </p:pic>
-      <p:pic>
-        <p:nvPicPr>
-          <p:cNvPr id="3" name="Picture 2"/>
-          <p:cNvPicPr>
-            <a:picLocks noChangeAspect="1"/>
-          </p:cNvPicPr>
-          <p:nvPr/>
-        </p:nvPicPr>
-        <p:blipFill>
-          <a:blip r:embed="rId6">
-            <a:extLst>
-              <a:ext uri="{28A0092B-C50C-407E-A947-70E740481C1C}">
-                <a14:useLocalDpi xmlns:a14="http://schemas.microsoft.com/office/drawing/2010/main" val="0"/>
-              </a:ext>
-            </a:extLst>
-          </a:blip>
-          <a:stretch>
-            <a:fillRect/>
-          </a:stretch>
-        </p:blipFill>
-        <p:spPr>
-          <a:xfrm>
-            <a:off x="124337" y="1629441"/>
-            <a:ext cx="5881046" cy="4255954"/>
-          </a:xfrm>
-          <a:prstGeom prst="rect">
-            <a:avLst/>
-          </a:prstGeom>
-        </p:spPr>
-      </p:pic>
-      <mc:AlternateContent xmlns:mc="http://schemas.openxmlformats.org/markup-compatibility/2006" xmlns:a14="http://schemas.microsoft.com/office/drawing/2010/main">
-        <mc:Choice Requires="a14">
+      <mc:AlternateContent xmlns:mc="http://schemas.openxmlformats.org/markup-compatibility/2006">
+        <mc:Choice xmlns:a14="http://schemas.microsoft.com/office/drawing/2010/main" Requires="a14">
           <p:sp>
             <p:nvSpPr>
               <p:cNvPr id="4" name="TextBox 3"/>
@@ -7822,7 +8053,7 @@
             </p:nvSpPr>
             <p:spPr>
               <a:xfrm>
-                <a:off x="766121" y="1869990"/>
+                <a:off x="-3908516" y="325715"/>
                 <a:ext cx="1210961" cy="369332"/>
               </a:xfrm>
               <a:prstGeom prst="rect">
@@ -7844,8 +8075,9 @@
               </a:bodyPr>
               <a:lstStyle/>
               <a:p>
+                <a:pPr/>
                 <a14:m>
-                  <m:oMathPara xmlns:m="http://schemas.openxmlformats.org/officeDocument/2006/math" xmlns="">
+                  <m:oMathPara xmlns:m="http://schemas.openxmlformats.org/officeDocument/2006/math">
                     <m:oMathParaPr>
                       <m:jc m:val="centerGroup"/>
                     </m:oMathParaPr>
@@ -7893,7 +8125,7 @@
             </p:txBody>
           </p:sp>
         </mc:Choice>
-        <mc:Fallback xmlns="">
+        <mc:Fallback>
           <p:sp>
             <p:nvSpPr>
               <p:cNvPr id="4" name="TextBox 3"/>
@@ -7904,8 +8136,174 @@
             </p:nvSpPr>
             <p:spPr>
               <a:xfrm>
-                <a:off x="766121" y="1869990"/>
+                <a:off x="-3908516" y="325715"/>
                 <a:ext cx="1210961" cy="369332"/>
+              </a:xfrm>
+              <a:prstGeom prst="rect">
+                <a:avLst/>
+              </a:prstGeom>
+              <a:blipFill rotWithShape="0">
+                <a:blip r:embed="rId5"/>
+                <a:stretch>
+                  <a:fillRect b="-11111"/>
+                </a:stretch>
+              </a:blipFill>
+              <a:ln>
+                <a:solidFill>
+                  <a:schemeClr val="accent1">
+                    <a:lumMod val="60000"/>
+                    <a:lumOff val="40000"/>
+                  </a:schemeClr>
+                </a:solidFill>
+              </a:ln>
+            </p:spPr>
+            <p:txBody>
+              <a:bodyPr/>
+              <a:lstStyle/>
+              <a:p>
+                <a:r>
+                  <a:rPr lang="en-GB">
+                    <a:noFill/>
+                  </a:rPr>
+                  <a:t> </a:t>
+                </a:r>
+              </a:p>
+            </p:txBody>
+          </p:sp>
+        </mc:Fallback>
+      </mc:AlternateContent>
+      <p:pic>
+        <p:nvPicPr>
+          <p:cNvPr id="5" name="Picture 4"/>
+          <p:cNvPicPr>
+            <a:picLocks noChangeAspect="1"/>
+          </p:cNvPicPr>
+          <p:nvPr/>
+        </p:nvPicPr>
+        <p:blipFill rotWithShape="1">
+          <a:blip r:embed="rId6">
+            <a:extLst>
+              <a:ext uri="{28A0092B-C50C-407E-A947-70E740481C1C}">
+                <a14:useLocalDpi xmlns:a14="http://schemas.microsoft.com/office/drawing/2010/main" val="0"/>
+              </a:ext>
+            </a:extLst>
+          </a:blip>
+          <a:srcRect t="833"/>
+          <a:stretch/>
+        </p:blipFill>
+        <p:spPr>
+          <a:xfrm>
+            <a:off x="124337" y="1629441"/>
+            <a:ext cx="5881046" cy="4254303"/>
+          </a:xfrm>
+          <a:prstGeom prst="rect">
+            <a:avLst/>
+          </a:prstGeom>
+        </p:spPr>
+      </p:pic>
+      <mc:AlternateContent xmlns:mc="http://schemas.openxmlformats.org/markup-compatibility/2006">
+        <mc:Choice xmlns:a14="http://schemas.microsoft.com/office/drawing/2010/main" Requires="a14">
+          <p:sp>
+            <p:nvSpPr>
+              <p:cNvPr id="15" name="TextBox 14"/>
+              <p:cNvSpPr txBox="1"/>
+              <p:nvPr/>
+            </p:nvSpPr>
+            <p:spPr>
+              <a:xfrm>
+                <a:off x="767632" y="1858161"/>
+                <a:ext cx="1049500" cy="338554"/>
+              </a:xfrm>
+              <a:prstGeom prst="rect">
+                <a:avLst/>
+              </a:prstGeom>
+              <a:noFill/>
+              <a:ln>
+                <a:solidFill>
+                  <a:schemeClr val="accent1">
+                    <a:lumMod val="60000"/>
+                    <a:lumOff val="40000"/>
+                  </a:schemeClr>
+                </a:solidFill>
+              </a:ln>
+            </p:spPr>
+            <p:txBody>
+              <a:bodyPr wrap="square" rtlCol="0">
+                <a:spAutoFit/>
+              </a:bodyPr>
+              <a:lstStyle/>
+              <a:p>
+                <a:pPr algn="ctr"/>
+                <a14:m>
+                  <m:oMathPara xmlns:m="http://schemas.openxmlformats.org/officeDocument/2006/math">
+                    <m:oMathParaPr>
+                      <m:jc m:val="centerGroup"/>
+                    </m:oMathParaPr>
+                    <m:oMath xmlns:m="http://schemas.openxmlformats.org/officeDocument/2006/math">
+                      <m:r>
+                        <a:rPr lang="en-GB" sz="1600" i="1" smtClean="0">
+                          <a:latin typeface="Cambria Math" panose="02040503050406030204" pitchFamily="18" charset="0"/>
+                          <a:ea typeface="Cambria Math" panose="02040503050406030204" pitchFamily="18" charset="0"/>
+                          <a:cs typeface="Times New Roman" panose="02020603050405020304" pitchFamily="18" charset="0"/>
+                        </a:rPr>
+                        <m:t>𝜆</m:t>
+                      </m:r>
+                      <m:r>
+                        <a:rPr lang="en-GB" sz="1600" b="0" i="1" smtClean="0">
+                          <a:latin typeface="Cambria Math" panose="02040503050406030204" pitchFamily="18" charset="0"/>
+                          <a:ea typeface="Cambria Math" panose="02040503050406030204" pitchFamily="18" charset="0"/>
+                          <a:cs typeface="Times New Roman" panose="02020603050405020304" pitchFamily="18" charset="0"/>
+                        </a:rPr>
+                        <m:t>=</m:t>
+                      </m:r>
+                      <m:r>
+                        <a:rPr lang="en-GB" sz="1600" b="0" i="1" smtClean="0">
+                          <a:latin typeface="Cambria Math" panose="02040503050406030204" pitchFamily="18" charset="0"/>
+                          <a:ea typeface="Cambria Math" panose="02040503050406030204" pitchFamily="18" charset="0"/>
+                          <a:cs typeface="Times New Roman" panose="02020603050405020304" pitchFamily="18" charset="0"/>
+                        </a:rPr>
+                        <m:t>𝑣</m:t>
+                      </m:r>
+                      <m:r>
+                        <a:rPr lang="en-GB" sz="1600" b="0" i="1" smtClean="0">
+                          <a:latin typeface="Cambria Math" panose="02040503050406030204" pitchFamily="18" charset="0"/>
+                          <a:ea typeface="Cambria Math" panose="02040503050406030204" pitchFamily="18" charset="0"/>
+                          <a:cs typeface="Times New Roman" panose="02020603050405020304" pitchFamily="18" charset="0"/>
+                        </a:rPr>
+                        <m:t>/</m:t>
+                      </m:r>
+                      <m:r>
+                        <a:rPr lang="en-GB" sz="1600" b="0" i="1" smtClean="0">
+                          <a:latin typeface="Cambria Math" panose="02040503050406030204" pitchFamily="18" charset="0"/>
+                          <a:ea typeface="Cambria Math" panose="02040503050406030204" pitchFamily="18" charset="0"/>
+                          <a:cs typeface="Times New Roman" panose="02020603050405020304" pitchFamily="18" charset="0"/>
+                        </a:rPr>
+                        <m:t>𝑓</m:t>
+                      </m:r>
+                    </m:oMath>
+                  </m:oMathPara>
+                </a14:m>
+                <a:endParaRPr lang="en-GB" sz="1600" i="1" dirty="0">
+                  <a:latin typeface="Times New Roman" panose="02020603050405020304" pitchFamily="18" charset="0"/>
+                  <a:cs typeface="Times New Roman" panose="02020603050405020304" pitchFamily="18" charset="0"/>
+                </a:endParaRPr>
+              </a:p>
+            </p:txBody>
+          </p:sp>
+        </mc:Choice>
+        <mc:Fallback>
+          <p:sp>
+            <p:nvSpPr>
+              <p:cNvPr id="15" name="TextBox 14"/>
+              <p:cNvSpPr txBox="1">
+                <a:spLocks noRot="1" noChangeAspect="1" noMove="1" noResize="1" noEditPoints="1" noAdjustHandles="1" noChangeArrowheads="1" noChangeShapeType="1" noTextEdit="1"/>
+              </p:cNvSpPr>
+              <p:nvPr/>
+            </p:nvSpPr>
+            <p:spPr>
+              <a:xfrm>
+                <a:off x="767632" y="1858161"/>
+                <a:ext cx="1049500" cy="338554"/>
               </a:xfrm>
               <a:prstGeom prst="rect">
                 <a:avLst/>
@@ -7913,7 +8311,7 @@
               <a:blipFill rotWithShape="0">
                 <a:blip r:embed="rId7"/>
                 <a:stretch>
-                  <a:fillRect b="-11290"/>
+                  <a:fillRect b="-10526"/>
                 </a:stretch>
               </a:blipFill>
               <a:ln>
@@ -7961,7 +8359,7 @@
   <p:timing>
     <p:tnLst>
       <p:par>
-        <p:cTn xmlns:p14="http://schemas.microsoft.com/office/powerpoint/2010/main" id="1" dur="indefinite" restart="never" nodeType="tmRoot">
+        <p:cTn id="1" dur="indefinite" restart="never" nodeType="tmRoot">
           <p:childTnLst>
             <p:seq concurrent="1" nextAc="seek">
               <p:cTn id="2" dur="indefinite" nodeType="mainSeq">
@@ -8067,7 +8465,7 @@
                                 </p:cTn>
                               </p:par>
                               <p:par>
-                                <p:cTn id="13" presetID="10" presetClass="entr" presetSubtype="0" fill="hold" nodeType="withEffect">
+                                <p:cTn id="13" presetID="10" presetClass="entr" presetSubtype="0" fill="hold" grpId="0" nodeType="withEffect">
                                   <p:stCondLst>
                                     <p:cond delay="0"/>
                                   </p:stCondLst>
@@ -8080,7 +8478,7 @@
                                           </p:stCondLst>
                                         </p:cTn>
                                         <p:tgtEl>
-                                          <p:spTgt spid="3"/>
+                                          <p:spTgt spid="15"/>
                                         </p:tgtEl>
                                         <p:attrNameLst>
                                           <p:attrName>style.visibility</p:attrName>
@@ -8094,7 +8492,7 @@
                                       <p:cBhvr>
                                         <p:cTn id="15" dur="500"/>
                                         <p:tgtEl>
-                                          <p:spTgt spid="3"/>
+                                          <p:spTgt spid="15"/>
                                         </p:tgtEl>
                                       </p:cBhvr>
                                     </p:animEffect>
@@ -8102,7 +8500,7 @@
                                 </p:cTn>
                               </p:par>
                               <p:par>
-                                <p:cTn id="16" presetID="10" presetClass="entr" presetSubtype="0" fill="hold" grpId="0" nodeType="withEffect">
+                                <p:cTn id="16" presetID="10" presetClass="entr" presetSubtype="0" fill="hold" nodeType="withEffect">
                                   <p:stCondLst>
                                     <p:cond delay="0"/>
                                   </p:stCondLst>
@@ -8110,6 +8508,41 @@
                                     <p:set>
                                       <p:cBhvr>
                                         <p:cTn id="17" dur="1" fill="hold">
+                                          <p:stCondLst>
+                                            <p:cond delay="0"/>
+                                          </p:stCondLst>
+                                        </p:cTn>
+                                        <p:tgtEl>
+                                          <p:spTgt spid="5"/>
+                                        </p:tgtEl>
+                                        <p:attrNameLst>
+                                          <p:attrName>style.visibility</p:attrName>
+                                        </p:attrNameLst>
+                                      </p:cBhvr>
+                                      <p:to>
+                                        <p:strVal val="visible"/>
+                                      </p:to>
+                                    </p:set>
+                                    <p:animEffect transition="in" filter="fade">
+                                      <p:cBhvr>
+                                        <p:cTn id="18" dur="500"/>
+                                        <p:tgtEl>
+                                          <p:spTgt spid="5"/>
+                                        </p:tgtEl>
+                                      </p:cBhvr>
+                                    </p:animEffect>
+                                  </p:childTnLst>
+                                </p:cTn>
+                              </p:par>
+                              <p:par>
+                                <p:cTn id="19" presetID="10" presetClass="entr" presetSubtype="0" fill="hold" grpId="0" nodeType="withEffect">
+                                  <p:stCondLst>
+                                    <p:cond delay="0"/>
+                                  </p:stCondLst>
+                                  <p:childTnLst>
+                                    <p:set>
+                                      <p:cBhvr>
+                                        <p:cTn id="20" dur="1" fill="hold">
                                           <p:stCondLst>
                                             <p:cond delay="0"/>
                                           </p:stCondLst>
@@ -8127,7 +8560,7 @@
                                     </p:set>
                                     <p:animEffect transition="in" filter="fade">
                                       <p:cBhvr>
-                                        <p:cTn id="18" dur="500"/>
+                                        <p:cTn id="21" dur="500"/>
                                         <p:tgtEl>
                                           <p:spTgt spid="10"/>
                                         </p:tgtEl>
@@ -8143,26 +8576,26 @@
                     </p:cTn>
                   </p:par>
                   <p:par>
-                    <p:cTn id="19" fill="hold">
+                    <p:cTn id="22" fill="hold">
                       <p:stCondLst>
                         <p:cond delay="indefinite"/>
                       </p:stCondLst>
                       <p:childTnLst>
                         <p:par>
-                          <p:cTn id="20" fill="hold">
+                          <p:cTn id="23" fill="hold">
                             <p:stCondLst>
                               <p:cond delay="0"/>
                             </p:stCondLst>
                             <p:childTnLst>
                               <p:par>
-                                <p:cTn id="21" presetID="10" presetClass="entr" presetSubtype="0" fill="hold" grpId="0" nodeType="clickEffect">
+                                <p:cTn id="24" presetID="10" presetClass="entr" presetSubtype="0" fill="hold" grpId="0" nodeType="clickEffect">
                                   <p:stCondLst>
                                     <p:cond delay="0"/>
                                   </p:stCondLst>
                                   <p:childTnLst>
                                     <p:set>
                                       <p:cBhvr>
-                                        <p:cTn id="22" dur="1" fill="hold">
+                                        <p:cTn id="25" dur="1" fill="hold">
                                           <p:stCondLst>
                                             <p:cond delay="0"/>
                                           </p:stCondLst>
@@ -8180,7 +8613,7 @@
                                     </p:set>
                                     <p:animEffect transition="in" filter="fade">
                                       <p:cBhvr>
-                                        <p:cTn id="23" dur="500"/>
+                                        <p:cTn id="26" dur="500"/>
                                         <p:tgtEl>
                                           <p:spTgt spid="12"/>
                                         </p:tgtEl>
@@ -8190,14 +8623,14 @@
                                 </p:cTn>
                               </p:par>
                               <p:par>
-                                <p:cTn id="24" presetID="10" presetClass="entr" presetSubtype="0" fill="hold" nodeType="withEffect">
+                                <p:cTn id="27" presetID="10" presetClass="entr" presetSubtype="0" fill="hold" nodeType="withEffect">
                                   <p:stCondLst>
                                     <p:cond delay="0"/>
                                   </p:stCondLst>
                                   <p:childTnLst>
                                     <p:set>
                                       <p:cBhvr>
-                                        <p:cTn id="25" dur="1" fill="hold">
+                                        <p:cTn id="28" dur="1" fill="hold">
                                           <p:stCondLst>
                                             <p:cond delay="0"/>
                                           </p:stCondLst>
@@ -8215,7 +8648,7 @@
                                     </p:set>
                                     <p:animEffect transition="in" filter="fade">
                                       <p:cBhvr>
-                                        <p:cTn id="26" dur="500"/>
+                                        <p:cTn id="29" dur="500"/>
                                         <p:tgtEl>
                                           <p:spTgt spid="14"/>
                                         </p:tgtEl>
@@ -8225,14 +8658,14 @@
                                 </p:cTn>
                               </p:par>
                               <p:par>
-                                <p:cTn id="27" presetID="10" presetClass="entr" presetSubtype="0" fill="hold" grpId="0" nodeType="withEffect">
+                                <p:cTn id="30" presetID="10" presetClass="entr" presetSubtype="0" fill="hold" grpId="0" nodeType="withEffect">
                                   <p:stCondLst>
                                     <p:cond delay="0"/>
                                   </p:stCondLst>
                                   <p:childTnLst>
                                     <p:set>
                                       <p:cBhvr>
-                                        <p:cTn id="28" dur="1" fill="hold">
+                                        <p:cTn id="31" dur="1" fill="hold">
                                           <p:stCondLst>
                                             <p:cond delay="0"/>
                                           </p:stCondLst>
@@ -8250,7 +8683,7 @@
                                     </p:set>
                                     <p:animEffect transition="in" filter="fade">
                                       <p:cBhvr>
-                                        <p:cTn id="29" dur="500"/>
+                                        <p:cTn id="32" dur="500"/>
                                         <p:tgtEl>
                                           <p:spTgt spid="13"/>
                                         </p:tgtEl>
@@ -8292,6 +8725,7 @@
       <p:bldP spid="11" grpId="0"/>
       <p:bldP spid="12" grpId="0"/>
       <p:bldP spid="13" grpId="0"/>
+      <p:bldP spid="15" grpId="0" animBg="1"/>
     </p:bldLst>
   </p:timing>
 </p:sld>
@@ -8431,36 +8865,6 @@
           </a:prstGeom>
         </p:spPr>
       </p:pic>
-      <p:pic>
-        <p:nvPicPr>
-          <p:cNvPr id="7" name="Picture 6"/>
-          <p:cNvPicPr>
-            <a:picLocks noChangeAspect="1"/>
-          </p:cNvPicPr>
-          <p:nvPr/>
-        </p:nvPicPr>
-        <p:blipFill>
-          <a:blip r:embed="rId4">
-            <a:extLst>
-              <a:ext uri="{28A0092B-C50C-407E-A947-70E740481C1C}">
-                <a14:useLocalDpi xmlns:a14="http://schemas.microsoft.com/office/drawing/2010/main" val="0"/>
-              </a:ext>
-            </a:extLst>
-          </a:blip>
-          <a:stretch>
-            <a:fillRect/>
-          </a:stretch>
-        </p:blipFill>
-        <p:spPr>
-          <a:xfrm>
-            <a:off x="4810897" y="906451"/>
-            <a:ext cx="6785056" cy="4858008"/>
-          </a:xfrm>
-          <a:prstGeom prst="rect">
-            <a:avLst/>
-          </a:prstGeom>
-        </p:spPr>
-      </p:pic>
       <p:sp>
         <p:nvSpPr>
           <p:cNvPr id="8" name="TextBox 7"/>
@@ -8598,7 +9002,7 @@
             <p:spPr>
               <a:xfrm>
                 <a:off x="4810897" y="5785053"/>
-                <a:ext cx="6785055" cy="1015663"/>
+                <a:ext cx="6785055" cy="1388393"/>
               </a:xfrm>
               <a:prstGeom prst="rect">
                 <a:avLst/>
@@ -8617,35 +9021,77 @@
                     <a:latin typeface="Times New Roman" panose="02020603050405020304" pitchFamily="18" charset="0"/>
                     <a:cs typeface="Times New Roman" panose="02020603050405020304" pitchFamily="18" charset="0"/>
                   </a:rPr>
-                  <a:t>Using </a:t>
+                  <a:t>Using</a:t>
                 </a:r>
-                <a14:m/>
                 <a:r>
-                  <a:rPr lang="en-GB" sz="2000" dirty="0">
+                  <a:rPr lang="en-GB" sz="2000" baseline="30000" dirty="0">
+                    <a:latin typeface="Times New Roman" panose="02020603050405020304" pitchFamily="18" charset="0"/>
+                    <a:cs typeface="Times New Roman" panose="02020603050405020304" pitchFamily="18" charset="0"/>
+                  </a:rPr>
+                  <a:t>1</a:t>
+                </a:r>
+                <a:r>
+                  <a:rPr lang="en-GB" sz="2000" dirty="0" smtClean="0">
+                    <a:latin typeface="Times New Roman" panose="02020603050405020304" pitchFamily="18" charset="0"/>
+                    <a:cs typeface="Times New Roman" panose="02020603050405020304" pitchFamily="18" charset="0"/>
+                  </a:rPr>
+                  <a:t> </a:t>
+                </a:r>
+                <a:r>
+                  <a:rPr lang="en-GB" sz="2000" dirty="0" smtClean="0">
                     <a:ea typeface="Cambria Math" panose="02040503050406030204" pitchFamily="18" charset="0"/>
                     <a:cs typeface="Times New Roman" panose="02020603050405020304" pitchFamily="18" charset="0"/>
                   </a:rPr>
                   <a:t> </a:t>
                 </a:r>
-                <a14:m/>
                 <a:r>
                   <a:rPr lang="en-GB" sz="2000" dirty="0" smtClean="0">
                     <a:latin typeface="Times New Roman" panose="02020603050405020304" pitchFamily="18" charset="0"/>
                     <a:cs typeface="Times New Roman" panose="02020603050405020304" pitchFamily="18" charset="0"/>
                   </a:rPr>
-                  <a:t>:</a:t>
+                  <a:t>: </a:t>
                 </a:r>
-              </a:p>
-              <a:p>
-                <a:pPr algn="ctr"/>
-                <a:r>
-                  <a:rPr lang="en-GB" sz="2000" dirty="0" smtClean="0">
-                    <a:latin typeface="Times New Roman" panose="02020603050405020304" pitchFamily="18" charset="0"/>
-                    <a:cs typeface="Times New Roman" panose="02020603050405020304" pitchFamily="18" charset="0"/>
-                  </a:rPr>
-                  <a:t>Experimental value: </a:t>
-                </a:r>
-                <a14:m/>
+                <a14:m>
+                  <m:oMath xmlns:m="http://schemas.openxmlformats.org/officeDocument/2006/math">
+                    <m:r>
+                      <a:rPr lang="en-GB" sz="2000" i="1">
+                        <a:latin typeface="Cambria Math" panose="02040503050406030204" pitchFamily="18" charset="0"/>
+                        <a:cs typeface="Times New Roman" panose="02020603050405020304" pitchFamily="18" charset="0"/>
+                      </a:rPr>
+                      <m:t>𝑣</m:t>
+                    </m:r>
+                    <m:r>
+                      <a:rPr lang="en-GB" sz="2000" i="1">
+                        <a:latin typeface="Cambria Math" panose="02040503050406030204" pitchFamily="18" charset="0"/>
+                        <a:cs typeface="Times New Roman" panose="02020603050405020304" pitchFamily="18" charset="0"/>
+                      </a:rPr>
+                      <m:t> ≈ </m:t>
+                    </m:r>
+                    <m:rad>
+                      <m:radPr>
+                        <m:degHide m:val="on"/>
+                        <m:ctrlPr>
+                          <a:rPr lang="en-GB" sz="2000" i="1">
+                            <a:latin typeface="Cambria Math" panose="02040503050406030204" pitchFamily="18" charset="0"/>
+                            <a:ea typeface="Cambria Math" panose="02040503050406030204" pitchFamily="18" charset="0"/>
+                            <a:cs typeface="Times New Roman" panose="02020603050405020304" pitchFamily="18" charset="0"/>
+                          </a:rPr>
+                        </m:ctrlPr>
+                      </m:radPr>
+                      <m:deg/>
+                      <m:e>
+                        <m:r>
+                          <a:rPr lang="en-GB" sz="2000" i="1">
+                            <a:latin typeface="Cambria Math" panose="02040503050406030204" pitchFamily="18" charset="0"/>
+                            <a:ea typeface="Cambria Math" panose="02040503050406030204" pitchFamily="18" charset="0"/>
+                            <a:cs typeface="Times New Roman" panose="02020603050405020304" pitchFamily="18" charset="0"/>
+                          </a:rPr>
+                          <m:t>𝑔h</m:t>
+                        </m:r>
+                      </m:e>
+                    </m:rad>
+                  </m:oMath>
+                </a14:m>
                 <a:endParaRPr lang="en-GB" sz="2000" dirty="0" smtClean="0">
                   <a:latin typeface="Times New Roman" panose="02020603050405020304" pitchFamily="18" charset="0"/>
                   <a:cs typeface="Times New Roman" panose="02020603050405020304" pitchFamily="18" charset="0"/>
@@ -8658,14 +9104,90 @@
                     <a:latin typeface="Times New Roman" panose="02020603050405020304" pitchFamily="18" charset="0"/>
                     <a:cs typeface="Times New Roman" panose="02020603050405020304" pitchFamily="18" charset="0"/>
                   </a:rPr>
-                  <a:t>Accepted</a:t>
+                  <a:t>Experimental value : </a:t>
                 </a:r>
+                <a14:m>
+                  <m:oMath xmlns:m="http://schemas.openxmlformats.org/officeDocument/2006/math">
+                    <m:r>
+                      <a:rPr lang="en-GB" sz="2000" b="0" i="1" smtClean="0">
+                        <a:latin typeface="Cambria Math" panose="02040503050406030204" pitchFamily="18" charset="0"/>
+                        <a:cs typeface="Times New Roman" panose="02020603050405020304" pitchFamily="18" charset="0"/>
+                      </a:rPr>
+                      <m:t>𝑔</m:t>
+                    </m:r>
+                    <m:r>
+                      <a:rPr lang="en-GB" sz="2000" b="0" i="1" smtClean="0">
+                        <a:latin typeface="Cambria Math" panose="02040503050406030204" pitchFamily="18" charset="0"/>
+                        <a:cs typeface="Times New Roman" panose="02020603050405020304" pitchFamily="18" charset="0"/>
+                      </a:rPr>
+                      <m:t>=4.4 ±0.</m:t>
+                    </m:r>
+                    <m:r>
+                      <m:rPr>
+                        <m:nor/>
+                      </m:rPr>
+                      <a:rPr lang="en-GB" sz="2000" b="0" i="0" smtClean="0">
+                        <a:latin typeface="Cambria Math" panose="02040503050406030204" pitchFamily="18" charset="0"/>
+                        <a:cs typeface="Times New Roman" panose="02020603050405020304" pitchFamily="18" charset="0"/>
+                      </a:rPr>
+                      <m:t>3</m:t>
+                    </m:r>
+                    <m:r>
+                      <m:rPr>
+                        <m:nor/>
+                      </m:rPr>
+                      <a:rPr lang="en-GB" sz="2000" b="0" i="0" smtClean="0">
+                        <a:latin typeface="Cambria Math" panose="02040503050406030204" pitchFamily="18" charset="0"/>
+                        <a:ea typeface="Cambria Math" panose="02040503050406030204" pitchFamily="18" charset="0"/>
+                        <a:cs typeface="Times New Roman" panose="02020603050405020304" pitchFamily="18" charset="0"/>
+                      </a:rPr>
+                      <m:t> </m:t>
+                    </m:r>
+                    <m:r>
+                      <m:rPr>
+                        <m:nor/>
+                      </m:rPr>
+                      <a:rPr lang="en-GB" sz="2000" dirty="0">
+                        <a:latin typeface="Times New Roman" panose="02020603050405020304" pitchFamily="18" charset="0"/>
+                        <a:cs typeface="Times New Roman" panose="02020603050405020304" pitchFamily="18" charset="0"/>
+                      </a:rPr>
+                      <m:t>ms</m:t>
+                    </m:r>
+                    <m:r>
+                      <m:rPr>
+                        <m:nor/>
+                      </m:rPr>
+                      <a:rPr lang="en-GB" sz="2000" baseline="30000" dirty="0">
+                        <a:latin typeface="Times New Roman" panose="02020603050405020304" pitchFamily="18" charset="0"/>
+                        <a:cs typeface="Times New Roman" panose="02020603050405020304" pitchFamily="18" charset="0"/>
+                      </a:rPr>
+                      <m:t>−</m:t>
+                    </m:r>
+                    <m:r>
+                      <m:rPr>
+                        <m:nor/>
+                      </m:rPr>
+                      <a:rPr lang="en-GB" sz="2000" b="0" i="0" baseline="30000" dirty="0" smtClean="0">
+                        <a:latin typeface="Times New Roman" panose="02020603050405020304" pitchFamily="18" charset="0"/>
+                        <a:cs typeface="Times New Roman" panose="02020603050405020304" pitchFamily="18" charset="0"/>
+                      </a:rPr>
+                      <m:t>2</m:t>
+                    </m:r>
+                  </m:oMath>
+                </a14:m>
+                <a:endParaRPr lang="en-GB" sz="2000" dirty="0" smtClean="0">
+                  <a:latin typeface="Times New Roman" panose="02020603050405020304" pitchFamily="18" charset="0"/>
+                  <a:cs typeface="Times New Roman" panose="02020603050405020304" pitchFamily="18" charset="0"/>
+                </a:endParaRPr>
+              </a:p>
+              <a:p>
+                <a:pPr algn="ctr"/>
                 <a:r>
                   <a:rPr lang="en-GB" sz="2000" dirty="0" smtClean="0">
                     <a:latin typeface="Times New Roman" panose="02020603050405020304" pitchFamily="18" charset="0"/>
                     <a:cs typeface="Times New Roman" panose="02020603050405020304" pitchFamily="18" charset="0"/>
                   </a:rPr>
-                  <a:t> </a:t>
+                  <a:t>Accepted </a:t>
                 </a:r>
                 <a:r>
                   <a:rPr lang="en-GB" sz="2000" dirty="0">
@@ -8674,7 +9196,51 @@
                   </a:rPr>
                   <a:t>value: </a:t>
                 </a:r>
-                <a14:m/>
+                <a14:m>
+                  <m:oMath xmlns:m="http://schemas.openxmlformats.org/officeDocument/2006/math">
+                    <m:r>
+                      <a:rPr lang="en-GB" sz="2000" i="1">
+                        <a:latin typeface="Cambria Math" panose="02040503050406030204" pitchFamily="18" charset="0"/>
+                        <a:cs typeface="Times New Roman" panose="02020603050405020304" pitchFamily="18" charset="0"/>
+                      </a:rPr>
+                      <m:t>𝑔</m:t>
+                    </m:r>
+                    <m:r>
+                      <a:rPr lang="en-GB" sz="2000" i="1">
+                        <a:latin typeface="Cambria Math" panose="02040503050406030204" pitchFamily="18" charset="0"/>
+                        <a:cs typeface="Times New Roman" panose="02020603050405020304" pitchFamily="18" charset="0"/>
+                      </a:rPr>
+                      <m:t>=9.8 </m:t>
+                    </m:r>
+                    <m:r>
+                      <m:rPr>
+                        <m:nor/>
+                      </m:rPr>
+                      <a:rPr lang="en-GB" sz="2000" dirty="0">
+                        <a:latin typeface="Times New Roman" panose="02020603050405020304" pitchFamily="18" charset="0"/>
+                        <a:cs typeface="Times New Roman" panose="02020603050405020304" pitchFamily="18" charset="0"/>
+                      </a:rPr>
+                      <m:t>ms</m:t>
+                    </m:r>
+                    <m:r>
+                      <m:rPr>
+                        <m:nor/>
+                      </m:rPr>
+                      <a:rPr lang="en-GB" sz="2000" baseline="30000" dirty="0">
+                        <a:latin typeface="Times New Roman" panose="02020603050405020304" pitchFamily="18" charset="0"/>
+                        <a:cs typeface="Times New Roman" panose="02020603050405020304" pitchFamily="18" charset="0"/>
+                      </a:rPr>
+                      <m:t>−2</m:t>
+                    </m:r>
+                  </m:oMath>
+                </a14:m>
+                <a:endParaRPr lang="en-GB" sz="2000" dirty="0">
+                  <a:latin typeface="Times New Roman" panose="02020603050405020304" pitchFamily="18" charset="0"/>
+                  <a:cs typeface="Times New Roman" panose="02020603050405020304" pitchFamily="18" charset="0"/>
+                </a:endParaRPr>
+              </a:p>
+              <a:p>
+                <a:pPr algn="ctr"/>
                 <a:endParaRPr lang="en-GB" sz="2000" dirty="0">
                   <a:latin typeface="Times New Roman" panose="02020603050405020304" pitchFamily="18" charset="0"/>
                   <a:cs typeface="Times New Roman" panose="02020603050405020304" pitchFamily="18" charset="0"/>
@@ -8695,13 +9261,13 @@
             <p:spPr>
               <a:xfrm>
                 <a:off x="4810897" y="5785053"/>
-                <a:ext cx="6785055" cy="1015663"/>
+                <a:ext cx="6785055" cy="1388393"/>
               </a:xfrm>
               <a:prstGeom prst="rect">
                 <a:avLst/>
               </a:prstGeom>
-              <a:blipFill rotWithShape="1">
-                <a:blip r:embed="rId5"/>
+              <a:blipFill rotWithShape="0">
+                <a:blip r:embed="rId4"/>
                 <a:stretch>
                   <a:fillRect/>
                 </a:stretch>
@@ -8712,7 +9278,7 @@
               <a:lstStyle/>
               <a:p>
                 <a:r>
-                  <a:rPr lang="en-US">
+                  <a:rPr lang="en-GB">
                     <a:noFill/>
                   </a:rPr>
                   <a:t> </a:t>
@@ -8722,18 +9288,48 @@
           </p:sp>
         </mc:Fallback>
       </mc:AlternateContent>
-      <mc:AlternateContent xmlns:mc="http://schemas.openxmlformats.org/markup-compatibility/2006" xmlns:a14="http://schemas.microsoft.com/office/drawing/2010/main">
-        <mc:Choice Requires="a14">
+      <p:pic>
+        <p:nvPicPr>
+          <p:cNvPr id="3" name="Picture 2"/>
+          <p:cNvPicPr>
+            <a:picLocks noChangeAspect="1"/>
+          </p:cNvPicPr>
+          <p:nvPr/>
+        </p:nvPicPr>
+        <p:blipFill>
+          <a:blip r:embed="rId5">
+            <a:extLst>
+              <a:ext uri="{28A0092B-C50C-407E-A947-70E740481C1C}">
+                <a14:useLocalDpi xmlns:a14="http://schemas.microsoft.com/office/drawing/2010/main" val="0"/>
+              </a:ext>
+            </a:extLst>
+          </a:blip>
+          <a:stretch>
+            <a:fillRect/>
+          </a:stretch>
+        </p:blipFill>
+        <p:spPr>
+          <a:xfrm>
+            <a:off x="4810897" y="906451"/>
+            <a:ext cx="6557142" cy="4858008"/>
+          </a:xfrm>
+          <a:prstGeom prst="rect">
+            <a:avLst/>
+          </a:prstGeom>
+        </p:spPr>
+      </p:pic>
+      <mc:AlternateContent xmlns:mc="http://schemas.openxmlformats.org/markup-compatibility/2006">
+        <mc:Choice xmlns:a14="http://schemas.microsoft.com/office/drawing/2010/main" Requires="a14">
           <p:sp>
             <p:nvSpPr>
-              <p:cNvPr id="11" name="TextBox 10"/>
+              <p:cNvPr id="12" name="TextBox 11"/>
               <p:cNvSpPr txBox="1"/>
               <p:nvPr/>
             </p:nvSpPr>
             <p:spPr>
               <a:xfrm>
-                <a:off x="5642920" y="1169774"/>
-                <a:ext cx="1243912" cy="427746"/>
+                <a:off x="5629231" y="1121187"/>
+                <a:ext cx="1049500" cy="390492"/>
               </a:xfrm>
               <a:prstGeom prst="rect">
                 <a:avLst/>
@@ -8754,21 +9350,22 @@
               </a:bodyPr>
               <a:lstStyle/>
               <a:p>
+                <a:pPr algn="ctr"/>
                 <a14:m>
-                  <m:oMathPara xmlns:m="http://schemas.openxmlformats.org/officeDocument/2006/math" xmlns="">
+                  <m:oMathPara xmlns:m="http://schemas.openxmlformats.org/officeDocument/2006/math">
                     <m:oMathParaPr>
                       <m:jc m:val="centerGroup"/>
                     </m:oMathParaPr>
                     <m:oMath xmlns:m="http://schemas.openxmlformats.org/officeDocument/2006/math">
                       <m:r>
-                        <a:rPr lang="en-GB" i="1">
+                        <a:rPr lang="en-GB" sz="1600" i="1">
                           <a:latin typeface="Cambria Math" panose="02040503050406030204" pitchFamily="18" charset="0"/>
                           <a:cs typeface="Times New Roman" panose="02020603050405020304" pitchFamily="18" charset="0"/>
                         </a:rPr>
                         <m:t>𝑣</m:t>
                       </m:r>
                       <m:r>
-                        <a:rPr lang="en-GB" i="1">
+                        <a:rPr lang="en-GB" sz="1600" i="1">
                           <a:latin typeface="Cambria Math" panose="02040503050406030204" pitchFamily="18" charset="0"/>
                           <a:cs typeface="Times New Roman" panose="02020603050405020304" pitchFamily="18" charset="0"/>
                         </a:rPr>
@@ -8778,7 +9375,7 @@
                         <m:radPr>
                           <m:degHide m:val="on"/>
                           <m:ctrlPr>
-                            <a:rPr lang="en-GB" i="1">
+                            <a:rPr lang="en-GB" sz="1600" i="1">
                               <a:latin typeface="Cambria Math" panose="02040503050406030204" pitchFamily="18" charset="0"/>
                               <a:ea typeface="Cambria Math" panose="02040503050406030204" pitchFamily="18" charset="0"/>
                               <a:cs typeface="Times New Roman" panose="02020603050405020304" pitchFamily="18" charset="0"/>
@@ -8788,7 +9385,7 @@
                         <m:deg/>
                         <m:e>
                           <m:r>
-                            <a:rPr lang="en-GB" i="1">
+                            <a:rPr lang="en-GB" sz="1600" i="1">
                               <a:latin typeface="Cambria Math" panose="02040503050406030204" pitchFamily="18" charset="0"/>
                               <a:ea typeface="Cambria Math" panose="02040503050406030204" pitchFamily="18" charset="0"/>
                               <a:cs typeface="Times New Roman" panose="02020603050405020304" pitchFamily="18" charset="0"/>
@@ -8800,15 +9397,18 @@
                     </m:oMath>
                   </m:oMathPara>
                 </a14:m>
-                <a:endParaRPr lang="en-GB" baseline="30000" dirty="0"/>
+                <a:endParaRPr lang="en-GB" sz="1600" i="1" dirty="0">
+                  <a:latin typeface="Times New Roman" panose="02020603050405020304" pitchFamily="18" charset="0"/>
+                  <a:cs typeface="Times New Roman" panose="02020603050405020304" pitchFamily="18" charset="0"/>
+                </a:endParaRPr>
               </a:p>
             </p:txBody>
           </p:sp>
         </mc:Choice>
-        <mc:Fallback xmlns="">
+        <mc:Fallback>
           <p:sp>
             <p:nvSpPr>
-              <p:cNvPr id="11" name="TextBox 10"/>
+              <p:cNvPr id="12" name="TextBox 11"/>
               <p:cNvSpPr txBox="1">
                 <a:spLocks noRot="1" noChangeAspect="1" noMove="1" noResize="1" noEditPoints="1" noAdjustHandles="1" noChangeArrowheads="1" noChangeShapeType="1" noTextEdit="1"/>
               </p:cNvSpPr>
@@ -8816,8 +9416,8 @@
             </p:nvSpPr>
             <p:spPr>
               <a:xfrm>
-                <a:off x="5642920" y="1169774"/>
-                <a:ext cx="1243912" cy="427746"/>
+                <a:off x="5629231" y="1121187"/>
+                <a:ext cx="1049500" cy="390492"/>
               </a:xfrm>
               <a:prstGeom prst="rect">
                 <a:avLst/>
@@ -8825,7 +9425,7 @@
               <a:blipFill rotWithShape="0">
                 <a:blip r:embed="rId6"/>
                 <a:stretch>
-                  <a:fillRect b="-6944"/>
+                  <a:fillRect b="-4545"/>
                 </a:stretch>
               </a:blipFill>
               <a:ln>
@@ -8865,7 +9465,7 @@
   <p:timing>
     <p:tnLst>
       <p:par>
-        <p:cTn xmlns:p14="http://schemas.microsoft.com/office/powerpoint/2010/main" id="1" dur="indefinite" restart="never" nodeType="tmRoot">
+        <p:cTn id="1" dur="indefinite" restart="never" nodeType="tmRoot">
           <p:childTnLst>
             <p:seq concurrent="1" nextAc="seek">
               <p:cTn id="2" dur="indefinite" nodeType="mainSeq">
@@ -9094,7 +9694,7 @@
                             </p:stCondLst>
                             <p:childTnLst>
                               <p:par>
-                                <p:cTn id="24" presetID="10" presetClass="entr" presetSubtype="0" fill="hold" nodeType="clickEffect">
+                                <p:cTn id="24" presetID="10" presetClass="entr" presetSubtype="0" fill="hold" grpId="0" nodeType="clickEffect">
                                   <p:stCondLst>
                                     <p:cond delay="0"/>
                                   </p:stCondLst>
@@ -9107,7 +9707,7 @@
                                           </p:stCondLst>
                                         </p:cTn>
                                         <p:tgtEl>
-                                          <p:spTgt spid="7"/>
+                                          <p:spTgt spid="12"/>
                                         </p:tgtEl>
                                         <p:attrNameLst>
                                           <p:attrName>style.visibility</p:attrName>
@@ -9121,7 +9721,7 @@
                                       <p:cBhvr>
                                         <p:cTn id="26" dur="500"/>
                                         <p:tgtEl>
-                                          <p:spTgt spid="7"/>
+                                          <p:spTgt spid="12"/>
                                         </p:tgtEl>
                                       </p:cBhvr>
                                     </p:animEffect>
@@ -9129,7 +9729,7 @@
                                 </p:cTn>
                               </p:par>
                               <p:par>
-                                <p:cTn id="27" presetID="10" presetClass="entr" presetSubtype="0" fill="hold" grpId="0" nodeType="withEffect">
+                                <p:cTn id="27" presetID="10" presetClass="entr" presetSubtype="0" fill="hold" nodeType="withEffect">
                                   <p:stCondLst>
                                     <p:cond delay="0"/>
                                   </p:stCondLst>
@@ -9137,6 +9737,41 @@
                                     <p:set>
                                       <p:cBhvr>
                                         <p:cTn id="28" dur="1" fill="hold">
+                                          <p:stCondLst>
+                                            <p:cond delay="0"/>
+                                          </p:stCondLst>
+                                        </p:cTn>
+                                        <p:tgtEl>
+                                          <p:spTgt spid="3"/>
+                                        </p:tgtEl>
+                                        <p:attrNameLst>
+                                          <p:attrName>style.visibility</p:attrName>
+                                        </p:attrNameLst>
+                                      </p:cBhvr>
+                                      <p:to>
+                                        <p:strVal val="visible"/>
+                                      </p:to>
+                                    </p:set>
+                                    <p:animEffect transition="in" filter="fade">
+                                      <p:cBhvr>
+                                        <p:cTn id="29" dur="500"/>
+                                        <p:tgtEl>
+                                          <p:spTgt spid="3"/>
+                                        </p:tgtEl>
+                                      </p:cBhvr>
+                                    </p:animEffect>
+                                  </p:childTnLst>
+                                </p:cTn>
+                              </p:par>
+                              <p:par>
+                                <p:cTn id="30" presetID="10" presetClass="entr" presetSubtype="0" fill="hold" grpId="0" nodeType="withEffect">
+                                  <p:stCondLst>
+                                    <p:cond delay="0"/>
+                                  </p:stCondLst>
+                                  <p:childTnLst>
+                                    <p:set>
+                                      <p:cBhvr>
+                                        <p:cTn id="31" dur="1" fill="hold">
                                           <p:stCondLst>
                                             <p:cond delay="0"/>
                                           </p:stCondLst>
@@ -9154,7 +9789,7 @@
                                     </p:set>
                                     <p:animEffect transition="in" filter="fade">
                                       <p:cBhvr>
-                                        <p:cTn id="29" dur="500"/>
+                                        <p:cTn id="32" dur="500"/>
                                         <p:tgtEl>
                                           <p:spTgt spid="10"/>
                                         </p:tgtEl>
@@ -9195,6 +9830,7 @@
       <p:bldP spid="8" grpId="0"/>
       <p:bldP spid="9" grpId="0"/>
       <p:bldP spid="10" grpId="0"/>
+      <p:bldP spid="12" grpId="0" animBg="1"/>
     </p:bldLst>
   </p:timing>
 </p:sld>
@@ -9274,35 +9910,6 @@
           </a:p>
         </p:txBody>
       </p:sp>
-      <p:pic>
-        <p:nvPicPr>
-          <p:cNvPr id="5" name="Picture 4"/>
-          <p:cNvPicPr>
-            <a:picLocks noChangeAspect="1"/>
-          </p:cNvPicPr>
-          <p:nvPr/>
-        </p:nvPicPr>
-        <p:blipFill rotWithShape="1">
-          <a:blip r:embed="rId2">
-            <a:extLst>
-              <a:ext uri="{28A0092B-C50C-407E-A947-70E740481C1C}">
-                <a14:useLocalDpi xmlns:a14="http://schemas.microsoft.com/office/drawing/2010/main" val="0"/>
-              </a:ext>
-            </a:extLst>
-          </a:blip>
-          <a:srcRect r="1164"/>
-          <a:stretch/>
-        </p:blipFill>
-        <p:spPr>
-          <a:xfrm>
-            <a:off x="6125021" y="1277923"/>
-            <a:ext cx="5959888" cy="4392750"/>
-          </a:xfrm>
-          <a:prstGeom prst="rect">
-            <a:avLst/>
-          </a:prstGeom>
-        </p:spPr>
-      </p:pic>
       <p:sp>
         <p:nvSpPr>
           <p:cNvPr id="6" name="TextBox 5"/>
@@ -9311,8 +9918,8 @@
         </p:nvSpPr>
         <p:spPr>
           <a:xfrm>
-            <a:off x="6125021" y="873587"/>
-            <a:ext cx="5959888" cy="400110"/>
+            <a:off x="6188265" y="873587"/>
+            <a:ext cx="5833399" cy="400110"/>
           </a:xfrm>
           <a:prstGeom prst="rect">
             <a:avLst/>
@@ -9380,8 +9987,9 @@
               </a:bodyPr>
               <a:lstStyle/>
               <a:p>
+                <a:pPr/>
                 <a14:m>
-                  <m:oMathPara xmlns:m="http://schemas.openxmlformats.org/officeDocument/2006/math" xmlns="">
+                  <m:oMathPara xmlns:m="http://schemas.openxmlformats.org/officeDocument/2006/math">
                     <m:oMathParaPr>
                       <m:jc m:val="centerGroup"/>
                     </m:oMathParaPr>
@@ -9818,35 +10426,6 @@
           </p:sp>
         </mc:Fallback>
       </mc:AlternateContent>
-      <p:pic>
-        <p:nvPicPr>
-          <p:cNvPr id="8" name="Picture 7"/>
-          <p:cNvPicPr>
-            <a:picLocks noChangeAspect="1"/>
-          </p:cNvPicPr>
-          <p:nvPr/>
-        </p:nvPicPr>
-        <p:blipFill rotWithShape="1">
-          <a:blip r:embed="rId4">
-            <a:extLst>
-              <a:ext uri="{28A0092B-C50C-407E-A947-70E740481C1C}">
-                <a14:useLocalDpi xmlns:a14="http://schemas.microsoft.com/office/drawing/2010/main" val="0"/>
-              </a:ext>
-            </a:extLst>
-          </a:blip>
-          <a:srcRect b="116"/>
-          <a:stretch/>
-        </p:blipFill>
-        <p:spPr>
-          <a:xfrm>
-            <a:off x="38001" y="1275871"/>
-            <a:ext cx="5971690" cy="4391761"/>
-          </a:xfrm>
-          <a:prstGeom prst="rect">
-            <a:avLst/>
-          </a:prstGeom>
-        </p:spPr>
-      </p:pic>
       <p:sp>
         <p:nvSpPr>
           <p:cNvPr id="9" name="TextBox 8"/>
@@ -9855,8 +10434,8 @@
         </p:nvSpPr>
         <p:spPr>
           <a:xfrm>
-            <a:off x="38001" y="873587"/>
-            <a:ext cx="5971690" cy="400110"/>
+            <a:off x="106111" y="873587"/>
+            <a:ext cx="5835469" cy="400110"/>
           </a:xfrm>
           <a:prstGeom prst="rect">
             <a:avLst/>
@@ -9898,8 +10477,8 @@
           </a:p>
         </p:txBody>
       </p:sp>
-      <mc:AlternateContent xmlns:mc="http://schemas.openxmlformats.org/markup-compatibility/2006" xmlns:a14="http://schemas.microsoft.com/office/drawing/2010/main">
-        <mc:Choice Requires="a14">
+      <mc:AlternateContent xmlns:mc="http://schemas.openxmlformats.org/markup-compatibility/2006">
+        <mc:Choice xmlns:a14="http://schemas.microsoft.com/office/drawing/2010/main" Requires="a14">
           <p:sp>
             <p:nvSpPr>
               <p:cNvPr id="3" name="TextBox 2"/>
@@ -9908,8 +10487,8 @@
             </p:nvSpPr>
             <p:spPr>
               <a:xfrm>
-                <a:off x="38002" y="5807676"/>
-                <a:ext cx="5971690" cy="369332"/>
+                <a:off x="106110" y="5807676"/>
+                <a:ext cx="5835469" cy="369332"/>
               </a:xfrm>
               <a:prstGeom prst="rect">
                 <a:avLst/>
@@ -9931,7 +10510,7 @@
                   <a:t>Experimental Value:</a:t>
                 </a:r>
                 <a14:m>
-                  <m:oMath xmlns:m="http://schemas.openxmlformats.org/officeDocument/2006/math" xmlns="">
+                  <m:oMath xmlns:m="http://schemas.openxmlformats.org/officeDocument/2006/math">
                     <m:r>
                       <a:rPr lang="en-GB" b="0" i="0" smtClean="0">
                         <a:latin typeface="Cambria Math" panose="02040503050406030204" pitchFamily="18" charset="0"/>
@@ -9993,7 +10572,7 @@
             </p:txBody>
           </p:sp>
         </mc:Choice>
-        <mc:Fallback xmlns="">
+        <mc:Fallback>
           <p:sp>
             <p:nvSpPr>
               <p:cNvPr id="3" name="TextBox 2"/>
@@ -10004,14 +10583,14 @@
             </p:nvSpPr>
             <p:spPr>
               <a:xfrm>
-                <a:off x="38002" y="5807676"/>
-                <a:ext cx="5971690" cy="369332"/>
+                <a:off x="106110" y="5807676"/>
+                <a:ext cx="5835469" cy="369332"/>
               </a:xfrm>
               <a:prstGeom prst="rect">
                 <a:avLst/>
               </a:prstGeom>
               <a:blipFill rotWithShape="0">
-                <a:blip r:embed="rId5"/>
+                <a:blip r:embed="rId4"/>
                 <a:stretch>
                   <a:fillRect t="-10000" b="-26667"/>
                 </a:stretch>
@@ -10032,8 +10611,8 @@
           </p:sp>
         </mc:Fallback>
       </mc:AlternateContent>
-      <mc:AlternateContent xmlns:mc="http://schemas.openxmlformats.org/markup-compatibility/2006" xmlns:a14="http://schemas.microsoft.com/office/drawing/2010/main">
-        <mc:Choice Requires="a14">
+      <mc:AlternateContent xmlns:mc="http://schemas.openxmlformats.org/markup-compatibility/2006">
+        <mc:Choice xmlns:a14="http://schemas.microsoft.com/office/drawing/2010/main" Requires="a14">
           <p:sp>
             <p:nvSpPr>
               <p:cNvPr id="10" name="TextBox 9"/>
@@ -10042,8 +10621,8 @@
             </p:nvSpPr>
             <p:spPr>
               <a:xfrm>
-                <a:off x="6125022" y="5807676"/>
-                <a:ext cx="5959888" cy="369332"/>
+                <a:off x="6188264" y="5807676"/>
+                <a:ext cx="5833399" cy="369332"/>
               </a:xfrm>
               <a:prstGeom prst="rect">
                 <a:avLst/>
@@ -10065,7 +10644,7 @@
                   <a:t>Experimental Value:</a:t>
                 </a:r>
                 <a14:m>
-                  <m:oMath xmlns:m="http://schemas.openxmlformats.org/officeDocument/2006/math" xmlns="">
+                  <m:oMath xmlns:m="http://schemas.openxmlformats.org/officeDocument/2006/math">
                     <m:r>
                       <a:rPr lang="en-GB" b="0" i="0" smtClean="0">
                         <a:latin typeface="Cambria Math" panose="02040503050406030204" pitchFamily="18" charset="0"/>
@@ -10127,7 +10706,7 @@
             </p:txBody>
           </p:sp>
         </mc:Choice>
-        <mc:Fallback xmlns="">
+        <mc:Fallback>
           <p:sp>
             <p:nvSpPr>
               <p:cNvPr id="10" name="TextBox 9"/>
@@ -10138,14 +10717,14 @@
             </p:nvSpPr>
             <p:spPr>
               <a:xfrm>
-                <a:off x="6125022" y="5807676"/>
-                <a:ext cx="5959888" cy="369332"/>
+                <a:off x="6188264" y="5807676"/>
+                <a:ext cx="5833399" cy="369332"/>
               </a:xfrm>
               <a:prstGeom prst="rect">
                 <a:avLst/>
               </a:prstGeom>
               <a:blipFill rotWithShape="0">
-                <a:blip r:embed="rId6"/>
+                <a:blip r:embed="rId5"/>
                 <a:stretch>
                   <a:fillRect t="-10000" b="-26667"/>
                 </a:stretch>
@@ -10199,11 +10778,11 @@
                   <a:t>Known Value</a:t>
                 </a:r>
                 <a:r>
-                  <a:rPr lang="en-GB" baseline="30000" dirty="0" smtClean="0">
+                  <a:rPr lang="en-GB" baseline="30000" dirty="0">
                     <a:latin typeface="Times New Roman" panose="02020603050405020304" pitchFamily="18" charset="0"/>
                     <a:cs typeface="Times New Roman" panose="02020603050405020304" pitchFamily="18" charset="0"/>
                   </a:rPr>
-                  <a:t>2</a:t>
+                  <a:t>3</a:t>
                 </a:r>
                 <a:r>
                   <a:rPr lang="en-GB" dirty="0" smtClean="0">
@@ -10213,7 +10792,7 @@
                   <a:t>:</a:t>
                 </a:r>
                 <a14:m>
-                  <m:oMath xmlns:m="http://schemas.openxmlformats.org/officeDocument/2006/math" xmlns="">
+                  <m:oMath xmlns:m="http://schemas.openxmlformats.org/officeDocument/2006/math">
                     <m:r>
                       <a:rPr lang="en-GB" b="0" i="0" smtClean="0">
                         <a:latin typeface="Cambria Math" panose="02040503050406030204" pitchFamily="18" charset="0"/>
@@ -10243,6 +10822,21 @@
                         <a:cs typeface="Times New Roman" panose="02020603050405020304" pitchFamily="18" charset="0"/>
                       </a:rPr>
                       <m:t>650 </m:t>
+                    </m:r>
+                    <m:r>
+                      <a:rPr lang="en-GB" b="0" i="1" smtClean="0">
+                        <a:latin typeface="Cambria Math" panose="02040503050406030204" pitchFamily="18" charset="0"/>
+                        <a:ea typeface="Cambria Math" panose="02040503050406030204" pitchFamily="18" charset="0"/>
+                        <a:cs typeface="Times New Roman" panose="02020603050405020304" pitchFamily="18" charset="0"/>
+                      </a:rPr>
+                      <m:t>±10</m:t>
+                    </m:r>
+                    <m:r>
+                      <a:rPr lang="en-GB" b="0" i="1" smtClean="0">
+                        <a:latin typeface="Cambria Math" panose="02040503050406030204" pitchFamily="18" charset="0"/>
+                        <a:cs typeface="Times New Roman" panose="02020603050405020304" pitchFamily="18" charset="0"/>
+                      </a:rPr>
+                      <m:t>  </m:t>
                     </m:r>
                   </m:oMath>
                 </a14:m>
@@ -10300,6 +10894,64 @@
           </p:sp>
         </mc:Fallback>
       </mc:AlternateContent>
+      <p:pic>
+        <p:nvPicPr>
+          <p:cNvPr id="12" name="Picture 11"/>
+          <p:cNvPicPr>
+            <a:picLocks noChangeAspect="1"/>
+          </p:cNvPicPr>
+          <p:nvPr/>
+        </p:nvPicPr>
+        <p:blipFill rotWithShape="1">
+          <a:blip r:embed="rId8">
+            <a:extLst>
+              <a:ext uri="{28A0092B-C50C-407E-A947-70E740481C1C}">
+                <a14:useLocalDpi xmlns:a14="http://schemas.microsoft.com/office/drawing/2010/main" val="0"/>
+              </a:ext>
+            </a:extLst>
+          </a:blip>
+          <a:srcRect t="669" b="729"/>
+          <a:stretch/>
+        </p:blipFill>
+        <p:spPr>
+          <a:xfrm>
+            <a:off x="6188265" y="1436914"/>
+            <a:ext cx="5833399" cy="4338736"/>
+          </a:xfrm>
+          <a:prstGeom prst="rect">
+            <a:avLst/>
+          </a:prstGeom>
+        </p:spPr>
+      </p:pic>
+      <p:pic>
+        <p:nvPicPr>
+          <p:cNvPr id="2" name="Picture 1"/>
+          <p:cNvPicPr>
+            <a:picLocks noChangeAspect="1"/>
+          </p:cNvPicPr>
+          <p:nvPr/>
+        </p:nvPicPr>
+        <p:blipFill rotWithShape="1">
+          <a:blip r:embed="rId9">
+            <a:extLst>
+              <a:ext uri="{28A0092B-C50C-407E-A947-70E740481C1C}">
+                <a14:useLocalDpi xmlns:a14="http://schemas.microsoft.com/office/drawing/2010/main" val="0"/>
+              </a:ext>
+            </a:extLst>
+          </a:blip>
+          <a:srcRect l="1458" r="1806"/>
+          <a:stretch/>
+        </p:blipFill>
+        <p:spPr>
+          <a:xfrm>
+            <a:off x="106112" y="1436914"/>
+            <a:ext cx="5835468" cy="4336267"/>
+          </a:xfrm>
+          <a:prstGeom prst="rect">
+            <a:avLst/>
+          </a:prstGeom>
+        </p:spPr>
+      </p:pic>
     </p:spTree>
     <p:extLst>
       <p:ext uri="{BB962C8B-B14F-4D97-AF65-F5344CB8AC3E}">
@@ -10313,7 +10965,7 @@
   <p:timing>
     <p:tnLst>
       <p:par>
-        <p:cTn xmlns:p14="http://schemas.microsoft.com/office/powerpoint/2010/main" id="1" dur="indefinite" restart="never" nodeType="tmRoot">
+        <p:cTn id="1" dur="indefinite" restart="never" nodeType="tmRoot">
           <p:childTnLst>
             <p:seq concurrent="1" nextAc="seek">
               <p:cTn id="2" dur="indefinite" nodeType="mainSeq">
@@ -10365,33 +11017,85 @@
                                   </p:childTnLst>
                                 </p:cTn>
                               </p:par>
-                            </p:childTnLst>
-                          </p:cTn>
-                        </p:par>
-                      </p:childTnLst>
-                    </p:cTn>
-                  </p:par>
-                  <p:par>
-                    <p:cTn id="8" fill="hold">
-                      <p:stCondLst>
-                        <p:cond delay="indefinite"/>
-                      </p:stCondLst>
-                      <p:childTnLst>
-                        <p:par>
-                          <p:cTn id="9" fill="hold">
-                            <p:stCondLst>
-                              <p:cond delay="0"/>
-                            </p:stCondLst>
-                            <p:childTnLst>
                               <p:par>
-                                <p:cTn id="10" presetID="10" presetClass="entr" presetSubtype="0" fill="hold" grpId="0" nodeType="clickEffect">
+                                <p:cTn id="8" presetID="10" presetClass="entr" presetSubtype="0" fill="hold" grpId="0" nodeType="withEffect">
                                   <p:stCondLst>
                                     <p:cond delay="0"/>
                                   </p:stCondLst>
                                   <p:childTnLst>
                                     <p:set>
                                       <p:cBhvr>
-                                        <p:cTn id="11" dur="1" fill="hold">
+                                        <p:cTn id="9" dur="1" fill="hold">
+                                          <p:stCondLst>
+                                            <p:cond delay="0"/>
+                                          </p:stCondLst>
+                                        </p:cTn>
+                                        <p:tgtEl>
+                                          <p:spTgt spid="7"/>
+                                        </p:tgtEl>
+                                        <p:attrNameLst>
+                                          <p:attrName>style.visibility</p:attrName>
+                                        </p:attrNameLst>
+                                      </p:cBhvr>
+                                      <p:to>
+                                        <p:strVal val="visible"/>
+                                      </p:to>
+                                    </p:set>
+                                    <p:animEffect transition="in" filter="fade">
+                                      <p:cBhvr>
+                                        <p:cTn id="10" dur="500"/>
+                                        <p:tgtEl>
+                                          <p:spTgt spid="7"/>
+                                        </p:tgtEl>
+                                      </p:cBhvr>
+                                    </p:animEffect>
+                                  </p:childTnLst>
+                                </p:cTn>
+                              </p:par>
+                              <p:par>
+                                <p:cTn id="11" presetID="10" presetClass="entr" presetSubtype="0" fill="hold" grpId="0" nodeType="withEffect">
+                                  <p:stCondLst>
+                                    <p:cond delay="0"/>
+                                  </p:stCondLst>
+                                  <p:childTnLst>
+                                    <p:set>
+                                      <p:cBhvr>
+                                        <p:cTn id="12" dur="1" fill="hold">
+                                          <p:stCondLst>
+                                            <p:cond delay="0"/>
+                                          </p:stCondLst>
+                                        </p:cTn>
+                                        <p:tgtEl>
+                                          <p:spTgt spid="6"/>
+                                        </p:tgtEl>
+                                        <p:attrNameLst>
+                                          <p:attrName>style.visibility</p:attrName>
+                                        </p:attrNameLst>
+                                      </p:cBhvr>
+                                      <p:to>
+                                        <p:strVal val="visible"/>
+                                      </p:to>
+                                    </p:set>
+                                    <p:animEffect transition="in" filter="fade">
+                                      <p:cBhvr>
+                                        <p:cTn id="13" dur="500"/>
+                                        <p:tgtEl>
+                                          <p:spTgt spid="6"/>
+                                        </p:tgtEl>
+                                      </p:cBhvr>
+                                    </p:animEffect>
+                                  </p:childTnLst>
+                                </p:cTn>
+                              </p:par>
+                              <p:par>
+                                <p:cTn id="14" presetID="10" presetClass="entr" presetSubtype="0" fill="hold" grpId="0" nodeType="withEffect">
+                                  <p:stCondLst>
+                                    <p:cond delay="0"/>
+                                  </p:stCondLst>
+                                  <p:childTnLst>
+                                    <p:set>
+                                      <p:cBhvr>
+                                        <p:cTn id="15" dur="1" fill="hold">
                                           <p:stCondLst>
                                             <p:cond delay="0"/>
                                           </p:stCondLst>
@@ -10409,7 +11113,7 @@
                                     </p:set>
                                     <p:animEffect transition="in" filter="fade">
                                       <p:cBhvr>
-                                        <p:cTn id="12" dur="500"/>
+                                        <p:cTn id="16" dur="500"/>
                                         <p:tgtEl>
                                           <p:spTgt spid="9"/>
                                         </p:tgtEl>
@@ -10419,20 +11123,20 @@
                                 </p:cTn>
                               </p:par>
                               <p:par>
-                                <p:cTn id="13" presetID="10" presetClass="entr" presetSubtype="0" fill="hold" nodeType="withEffect">
+                                <p:cTn id="17" presetID="10" presetClass="entr" presetSubtype="0" fill="hold" nodeType="withEffect">
                                   <p:stCondLst>
                                     <p:cond delay="0"/>
                                   </p:stCondLst>
                                   <p:childTnLst>
                                     <p:set>
                                       <p:cBhvr>
-                                        <p:cTn id="14" dur="1" fill="hold">
+                                        <p:cTn id="18" dur="1" fill="hold">
                                           <p:stCondLst>
                                             <p:cond delay="0"/>
                                           </p:stCondLst>
                                         </p:cTn>
                                         <p:tgtEl>
-                                          <p:spTgt spid="8"/>
+                                          <p:spTgt spid="2"/>
                                         </p:tgtEl>
                                         <p:attrNameLst>
                                           <p:attrName>style.visibility</p:attrName>
@@ -10444,9 +11148,9 @@
                                     </p:set>
                                     <p:animEffect transition="in" filter="fade">
                                       <p:cBhvr>
-                                        <p:cTn id="15" dur="500"/>
+                                        <p:cTn id="19" dur="500"/>
                                         <p:tgtEl>
-                                          <p:spTgt spid="8"/>
+                                          <p:spTgt spid="2"/>
                                         </p:tgtEl>
                                       </p:cBhvr>
                                     </p:animEffect>
@@ -10454,14 +11158,119 @@
                                 </p:cTn>
                               </p:par>
                               <p:par>
-                                <p:cTn id="16" presetID="10" presetClass="entr" presetSubtype="0" fill="hold" grpId="0" nodeType="withEffect">
+                                <p:cTn id="20" presetID="10" presetClass="entr" presetSubtype="0" fill="hold" nodeType="withEffect">
                                   <p:stCondLst>
                                     <p:cond delay="0"/>
                                   </p:stCondLst>
                                   <p:childTnLst>
                                     <p:set>
                                       <p:cBhvr>
-                                        <p:cTn id="17" dur="1" fill="hold">
+                                        <p:cTn id="21" dur="1" fill="hold">
+                                          <p:stCondLst>
+                                            <p:cond delay="0"/>
+                                          </p:stCondLst>
+                                        </p:cTn>
+                                        <p:tgtEl>
+                                          <p:spTgt spid="12"/>
+                                        </p:tgtEl>
+                                        <p:attrNameLst>
+                                          <p:attrName>style.visibility</p:attrName>
+                                        </p:attrNameLst>
+                                      </p:cBhvr>
+                                      <p:to>
+                                        <p:strVal val="visible"/>
+                                      </p:to>
+                                    </p:set>
+                                    <p:animEffect transition="in" filter="fade">
+                                      <p:cBhvr>
+                                        <p:cTn id="22" dur="500"/>
+                                        <p:tgtEl>
+                                          <p:spTgt spid="12"/>
+                                        </p:tgtEl>
+                                      </p:cBhvr>
+                                    </p:animEffect>
+                                  </p:childTnLst>
+                                </p:cTn>
+                              </p:par>
+                              <p:par>
+                                <p:cTn id="23" presetID="10" presetClass="entr" presetSubtype="0" fill="hold" grpId="0" nodeType="withEffect">
+                                  <p:stCondLst>
+                                    <p:cond delay="0"/>
+                                  </p:stCondLst>
+                                  <p:childTnLst>
+                                    <p:set>
+                                      <p:cBhvr>
+                                        <p:cTn id="24" dur="1" fill="hold">
+                                          <p:stCondLst>
+                                            <p:cond delay="0"/>
+                                          </p:stCondLst>
+                                        </p:cTn>
+                                        <p:tgtEl>
+                                          <p:spTgt spid="10"/>
+                                        </p:tgtEl>
+                                        <p:attrNameLst>
+                                          <p:attrName>style.visibility</p:attrName>
+                                        </p:attrNameLst>
+                                      </p:cBhvr>
+                                      <p:to>
+                                        <p:strVal val="visible"/>
+                                      </p:to>
+                                    </p:set>
+                                    <p:animEffect transition="in" filter="fade">
+                                      <p:cBhvr>
+                                        <p:cTn id="25" dur="500"/>
+                                        <p:tgtEl>
+                                          <p:spTgt spid="10"/>
+                                        </p:tgtEl>
+                                      </p:cBhvr>
+                                    </p:animEffect>
+                                  </p:childTnLst>
+                                </p:cTn>
+                              </p:par>
+                              <p:par>
+                                <p:cTn id="26" presetID="10" presetClass="entr" presetSubtype="0" fill="hold" grpId="0" nodeType="withEffect">
+                                  <p:stCondLst>
+                                    <p:cond delay="0"/>
+                                  </p:stCondLst>
+                                  <p:childTnLst>
+                                    <p:set>
+                                      <p:cBhvr>
+                                        <p:cTn id="27" dur="1" fill="hold">
+                                          <p:stCondLst>
+                                            <p:cond delay="0"/>
+                                          </p:stCondLst>
+                                        </p:cTn>
+                                        <p:tgtEl>
+                                          <p:spTgt spid="11"/>
+                                        </p:tgtEl>
+                                        <p:attrNameLst>
+                                          <p:attrName>style.visibility</p:attrName>
+                                        </p:attrNameLst>
+                                      </p:cBhvr>
+                                      <p:to>
+                                        <p:strVal val="visible"/>
+                                      </p:to>
+                                    </p:set>
+                                    <p:animEffect transition="in" filter="fade">
+                                      <p:cBhvr>
+                                        <p:cTn id="28" dur="500"/>
+                                        <p:tgtEl>
+                                          <p:spTgt spid="11"/>
+                                        </p:tgtEl>
+                                      </p:cBhvr>
+                                    </p:animEffect>
+                                  </p:childTnLst>
+                                </p:cTn>
+                              </p:par>
+                              <p:par>
+                                <p:cTn id="29" presetID="10" presetClass="entr" presetSubtype="0" fill="hold" grpId="0" nodeType="withEffect">
+                                  <p:stCondLst>
+                                    <p:cond delay="0"/>
+                                  </p:stCondLst>
+                                  <p:childTnLst>
+                                    <p:set>
+                                      <p:cBhvr>
+                                        <p:cTn id="30" dur="1" fill="hold">
                                           <p:stCondLst>
                                             <p:cond delay="0"/>
                                           </p:stCondLst>
@@ -10479,184 +11288,9 @@
                                     </p:set>
                                     <p:animEffect transition="in" filter="fade">
                                       <p:cBhvr>
-                                        <p:cTn id="18" dur="500"/>
+                                        <p:cTn id="31" dur="500"/>
                                         <p:tgtEl>
                                           <p:spTgt spid="3"/>
-                                        </p:tgtEl>
-                                      </p:cBhvr>
-                                    </p:animEffect>
-                                  </p:childTnLst>
-                                </p:cTn>
-                              </p:par>
-                              <p:par>
-                                <p:cTn id="19" presetID="10" presetClass="entr" presetSubtype="0" fill="hold" grpId="0" nodeType="withEffect">
-                                  <p:stCondLst>
-                                    <p:cond delay="0"/>
-                                  </p:stCondLst>
-                                  <p:childTnLst>
-                                    <p:set>
-                                      <p:cBhvr>
-                                        <p:cTn id="20" dur="1" fill="hold">
-                                          <p:stCondLst>
-                                            <p:cond delay="0"/>
-                                          </p:stCondLst>
-                                        </p:cTn>
-                                        <p:tgtEl>
-                                          <p:spTgt spid="7"/>
-                                        </p:tgtEl>
-                                        <p:attrNameLst>
-                                          <p:attrName>style.visibility</p:attrName>
-                                        </p:attrNameLst>
-                                      </p:cBhvr>
-                                      <p:to>
-                                        <p:strVal val="visible"/>
-                                      </p:to>
-                                    </p:set>
-                                    <p:animEffect transition="in" filter="fade">
-                                      <p:cBhvr>
-                                        <p:cTn id="21" dur="500"/>
-                                        <p:tgtEl>
-                                          <p:spTgt spid="7"/>
-                                        </p:tgtEl>
-                                      </p:cBhvr>
-                                    </p:animEffect>
-                                  </p:childTnLst>
-                                </p:cTn>
-                              </p:par>
-                              <p:par>
-                                <p:cTn id="22" presetID="10" presetClass="entr" presetSubtype="0" fill="hold" grpId="0" nodeType="withEffect">
-                                  <p:stCondLst>
-                                    <p:cond delay="0"/>
-                                  </p:stCondLst>
-                                  <p:childTnLst>
-                                    <p:set>
-                                      <p:cBhvr>
-                                        <p:cTn id="23" dur="1" fill="hold">
-                                          <p:stCondLst>
-                                            <p:cond delay="0"/>
-                                          </p:stCondLst>
-                                        </p:cTn>
-                                        <p:tgtEl>
-                                          <p:spTgt spid="6"/>
-                                        </p:tgtEl>
-                                        <p:attrNameLst>
-                                          <p:attrName>style.visibility</p:attrName>
-                                        </p:attrNameLst>
-                                      </p:cBhvr>
-                                      <p:to>
-                                        <p:strVal val="visible"/>
-                                      </p:to>
-                                    </p:set>
-                                    <p:animEffect transition="in" filter="fade">
-                                      <p:cBhvr>
-                                        <p:cTn id="24" dur="500"/>
-                                        <p:tgtEl>
-                                          <p:spTgt spid="6"/>
-                                        </p:tgtEl>
-                                      </p:cBhvr>
-                                    </p:animEffect>
-                                  </p:childTnLst>
-                                </p:cTn>
-                              </p:par>
-                              <p:par>
-                                <p:cTn id="25" presetID="10" presetClass="entr" presetSubtype="0" fill="hold" nodeType="withEffect">
-                                  <p:stCondLst>
-                                    <p:cond delay="0"/>
-                                  </p:stCondLst>
-                                  <p:childTnLst>
-                                    <p:set>
-                                      <p:cBhvr>
-                                        <p:cTn id="26" dur="1" fill="hold">
-                                          <p:stCondLst>
-                                            <p:cond delay="0"/>
-                                          </p:stCondLst>
-                                        </p:cTn>
-                                        <p:tgtEl>
-                                          <p:spTgt spid="5"/>
-                                        </p:tgtEl>
-                                        <p:attrNameLst>
-                                          <p:attrName>style.visibility</p:attrName>
-                                        </p:attrNameLst>
-                                      </p:cBhvr>
-                                      <p:to>
-                                        <p:strVal val="visible"/>
-                                      </p:to>
-                                    </p:set>
-                                    <p:animEffect transition="in" filter="fade">
-                                      <p:cBhvr>
-                                        <p:cTn id="27" dur="500"/>
-                                        <p:tgtEl>
-                                          <p:spTgt spid="5"/>
-                                        </p:tgtEl>
-                                      </p:cBhvr>
-                                    </p:animEffect>
-                                  </p:childTnLst>
-                                </p:cTn>
-                              </p:par>
-                              <p:par>
-                                <p:cTn id="28" presetID="10" presetClass="entr" presetSubtype="0" fill="hold" grpId="0" nodeType="withEffect">
-                                  <p:stCondLst>
-                                    <p:cond delay="0"/>
-                                  </p:stCondLst>
-                                  <p:childTnLst>
-                                    <p:set>
-                                      <p:cBhvr>
-                                        <p:cTn id="29" dur="1" fill="hold">
-                                          <p:stCondLst>
-                                            <p:cond delay="0"/>
-                                          </p:stCondLst>
-                                        </p:cTn>
-                                        <p:tgtEl>
-                                          <p:spTgt spid="10"/>
-                                        </p:tgtEl>
-                                        <p:attrNameLst>
-                                          <p:attrName>style.visibility</p:attrName>
-                                        </p:attrNameLst>
-                                      </p:cBhvr>
-                                      <p:to>
-                                        <p:strVal val="visible"/>
-                                      </p:to>
-                                    </p:set>
-                                    <p:animEffect transition="in" filter="fade">
-                                      <p:cBhvr>
-                                        <p:cTn id="30" dur="500"/>
-                                        <p:tgtEl>
-                                          <p:spTgt spid="10"/>
-                                        </p:tgtEl>
-                                      </p:cBhvr>
-                                    </p:animEffect>
-                                  </p:childTnLst>
-                                </p:cTn>
-                              </p:par>
-                              <p:par>
-                                <p:cTn id="31" presetID="10" presetClass="entr" presetSubtype="0" fill="hold" grpId="0" nodeType="withEffect">
-                                  <p:stCondLst>
-                                    <p:cond delay="0"/>
-                                  </p:stCondLst>
-                                  <p:childTnLst>
-                                    <p:set>
-                                      <p:cBhvr>
-                                        <p:cTn id="32" dur="1" fill="hold">
-                                          <p:stCondLst>
-                                            <p:cond delay="0"/>
-                                          </p:stCondLst>
-                                        </p:cTn>
-                                        <p:tgtEl>
-                                          <p:spTgt spid="11"/>
-                                        </p:tgtEl>
-                                        <p:attrNameLst>
-                                          <p:attrName>style.visibility</p:attrName>
-                                        </p:attrNameLst>
-                                      </p:cBhvr>
-                                      <p:to>
-                                        <p:strVal val="visible"/>
-                                      </p:to>
-                                    </p:set>
-                                    <p:animEffect transition="in" filter="fade">
-                                      <p:cBhvr>
-                                        <p:cTn id="33" dur="500"/>
-                                        <p:tgtEl>
-                                          <p:spTgt spid="11"/>
                                         </p:tgtEl>
                                       </p:cBhvr>
                                     </p:animEffect>
@@ -10777,64 +11411,6 @@
           </a:p>
         </p:txBody>
       </p:sp>
-      <p:pic>
-        <p:nvPicPr>
-          <p:cNvPr id="7" name="Picture 6"/>
-          <p:cNvPicPr>
-            <a:picLocks noChangeAspect="1"/>
-          </p:cNvPicPr>
-          <p:nvPr/>
-        </p:nvPicPr>
-        <p:blipFill rotWithShape="1">
-          <a:blip r:embed="rId2">
-            <a:extLst>
-              <a:ext uri="{28A0092B-C50C-407E-A947-70E740481C1C}">
-                <a14:useLocalDpi xmlns:a14="http://schemas.microsoft.com/office/drawing/2010/main" val="0"/>
-              </a:ext>
-            </a:extLst>
-          </a:blip>
-          <a:srcRect l="1256" r="2539"/>
-          <a:stretch/>
-        </p:blipFill>
-        <p:spPr>
-          <a:xfrm>
-            <a:off x="73766" y="1327472"/>
-            <a:ext cx="5989283" cy="4542548"/>
-          </a:xfrm>
-          <a:prstGeom prst="rect">
-            <a:avLst/>
-          </a:prstGeom>
-        </p:spPr>
-      </p:pic>
-      <p:pic>
-        <p:nvPicPr>
-          <p:cNvPr id="8" name="Picture 7"/>
-          <p:cNvPicPr>
-            <a:picLocks noChangeAspect="1"/>
-          </p:cNvPicPr>
-          <p:nvPr/>
-        </p:nvPicPr>
-        <p:blipFill rotWithShape="1">
-          <a:blip r:embed="rId3">
-            <a:extLst>
-              <a:ext uri="{28A0092B-C50C-407E-A947-70E740481C1C}">
-                <a14:useLocalDpi xmlns:a14="http://schemas.microsoft.com/office/drawing/2010/main" val="0"/>
-              </a:ext>
-            </a:extLst>
-          </a:blip>
-          <a:srcRect b="247"/>
-          <a:stretch/>
-        </p:blipFill>
-        <p:spPr>
-          <a:xfrm>
-            <a:off x="6132574" y="1327472"/>
-            <a:ext cx="5977046" cy="4543208"/>
-          </a:xfrm>
-          <a:prstGeom prst="rect">
-            <a:avLst/>
-          </a:prstGeom>
-        </p:spPr>
-      </p:pic>
       <p:sp>
         <p:nvSpPr>
           <p:cNvPr id="9" name="TextBox 8"/>
@@ -10843,8 +11419,8 @@
         </p:nvSpPr>
         <p:spPr>
           <a:xfrm>
-            <a:off x="73766" y="924569"/>
-            <a:ext cx="6022234" cy="400110"/>
+            <a:off x="55104" y="924569"/>
+            <a:ext cx="5971384" cy="400110"/>
           </a:xfrm>
           <a:prstGeom prst="rect">
             <a:avLst/>
@@ -10908,7 +11484,7 @@
         </p:nvSpPr>
         <p:spPr>
           <a:xfrm>
-            <a:off x="6154723" y="925188"/>
+            <a:off x="6117399" y="925188"/>
             <a:ext cx="5977046" cy="400110"/>
           </a:xfrm>
           <a:prstGeom prst="rect">
@@ -10991,8 +11567,9 @@
               </a:bodyPr>
               <a:lstStyle/>
               <a:p>
+                <a:pPr/>
                 <a14:m>
-                  <m:oMathPara xmlns:m="http://schemas.openxmlformats.org/officeDocument/2006/math" xmlns="">
+                  <m:oMathPara xmlns:m="http://schemas.openxmlformats.org/officeDocument/2006/math">
                     <m:oMathParaPr>
                       <m:jc m:val="centerGroup"/>
                     </m:oMathParaPr>
@@ -11574,8 +12151,8 @@
           </p:sp>
         </mc:Fallback>
       </mc:AlternateContent>
-      <mc:AlternateContent xmlns:mc="http://schemas.openxmlformats.org/markup-compatibility/2006" xmlns:a14="http://schemas.microsoft.com/office/drawing/2010/main">
-        <mc:Choice Requires="a14">
+      <mc:AlternateContent xmlns:mc="http://schemas.openxmlformats.org/markup-compatibility/2006">
+        <mc:Choice xmlns:a14="http://schemas.microsoft.com/office/drawing/2010/main" Requires="a14">
           <p:sp>
             <p:nvSpPr>
               <p:cNvPr id="12" name="TextBox 11"/>
@@ -11584,8 +12161,8 @@
             </p:nvSpPr>
             <p:spPr>
               <a:xfrm>
-                <a:off x="73766" y="5980670"/>
-                <a:ext cx="6022234" cy="369332"/>
+                <a:off x="55984" y="5980670"/>
+                <a:ext cx="5970504" cy="369332"/>
               </a:xfrm>
               <a:prstGeom prst="rect">
                 <a:avLst/>
@@ -11607,7 +12184,7 @@
                   <a:t>Experimental Value:</a:t>
                 </a:r>
                 <a14:m>
-                  <m:oMath xmlns:m="http://schemas.openxmlformats.org/officeDocument/2006/math" xmlns="">
+                  <m:oMath xmlns:m="http://schemas.openxmlformats.org/officeDocument/2006/math">
                     <m:r>
                       <a:rPr lang="en-GB" b="0" i="0" smtClean="0">
                         <a:latin typeface="Cambria Math" panose="02040503050406030204" pitchFamily="18" charset="0"/>
@@ -11669,7 +12246,7 @@
             </p:txBody>
           </p:sp>
         </mc:Choice>
-        <mc:Fallback xmlns="">
+        <mc:Fallback>
           <p:sp>
             <p:nvSpPr>
               <p:cNvPr id="12" name="TextBox 11"/>
@@ -11680,8 +12257,8 @@
             </p:nvSpPr>
             <p:spPr>
               <a:xfrm>
-                <a:off x="73766" y="5980670"/>
-                <a:ext cx="6022234" cy="369332"/>
+                <a:off x="55984" y="5980670"/>
+                <a:ext cx="5970504" cy="369332"/>
               </a:xfrm>
               <a:prstGeom prst="rect">
                 <a:avLst/>
@@ -11741,7 +12318,7 @@
                   <a:t>Experimental Value:</a:t>
                 </a:r>
                 <a14:m>
-                  <m:oMath xmlns:m="http://schemas.openxmlformats.org/officeDocument/2006/math" xmlns="">
+                  <m:oMath xmlns:m="http://schemas.openxmlformats.org/officeDocument/2006/math">
                     <m:r>
                       <a:rPr lang="en-GB" b="0" i="0" smtClean="0">
                         <a:latin typeface="Cambria Math" panose="02040503050406030204" pitchFamily="18" charset="0"/>
@@ -11875,29 +12452,21 @@
                   <a:t>Known Value</a:t>
                 </a:r>
                 <a:r>
-                  <a:rPr lang="en-GB" baseline="30000" dirty="0" smtClean="0">
+                  <a:rPr lang="en-GB" baseline="30000" dirty="0">
                     <a:latin typeface="Times New Roman" panose="02020603050405020304" pitchFamily="18" charset="0"/>
                     <a:cs typeface="Times New Roman" panose="02020603050405020304" pitchFamily="18" charset="0"/>
                   </a:rPr>
-                  <a:t>2</a:t>
+                  <a:t>3</a:t>
                 </a:r>
                 <a:r>
                   <a:rPr lang="en-GB" dirty="0" smtClean="0">
                     <a:latin typeface="Times New Roman" panose="02020603050405020304" pitchFamily="18" charset="0"/>
                     <a:cs typeface="Times New Roman" panose="02020603050405020304" pitchFamily="18" charset="0"/>
                   </a:rPr>
-                  <a:t>:</a:t>
+                  <a:t>: </a:t>
                 </a:r>
                 <a14:m>
-                  <m:oMath xmlns:m="http://schemas.openxmlformats.org/officeDocument/2006/math" xmlns="">
-                    <m:r>
-                      <a:rPr lang="en-GB" b="0" i="0" smtClean="0">
-                        <a:latin typeface="Cambria Math" panose="02040503050406030204" pitchFamily="18" charset="0"/>
-                        <a:ea typeface="Cambria Math" panose="02040503050406030204" pitchFamily="18" charset="0"/>
-                        <a:cs typeface="Times New Roman" panose="02020603050405020304" pitchFamily="18" charset="0"/>
-                      </a:rPr>
-                      <m:t> </m:t>
-                    </m:r>
+                  <m:oMath xmlns:m="http://schemas.openxmlformats.org/officeDocument/2006/math">
                     <m:r>
                       <a:rPr lang="en-GB" i="1">
                         <a:latin typeface="Cambria Math" panose="02040503050406030204" pitchFamily="18" charset="0"/>
@@ -11911,28 +12480,32 @@
                         <a:latin typeface="Cambria Math" panose="02040503050406030204" pitchFamily="18" charset="0"/>
                         <a:cs typeface="Times New Roman" panose="02020603050405020304" pitchFamily="18" charset="0"/>
                       </a:rPr>
-                      <m:t>=</m:t>
+                      <m:t>=650 </m:t>
                     </m:r>
                     <m:r>
-                      <a:rPr lang="en-GB" b="0" i="1" smtClean="0">
+                      <a:rPr lang="en-GB" i="1">
+                        <a:latin typeface="Cambria Math" panose="02040503050406030204" pitchFamily="18" charset="0"/>
+                        <a:ea typeface="Cambria Math" panose="02040503050406030204" pitchFamily="18" charset="0"/>
+                        <a:cs typeface="Times New Roman" panose="02020603050405020304" pitchFamily="18" charset="0"/>
+                      </a:rPr>
+                      <m:t>±10</m:t>
+                    </m:r>
+                    <m:r>
+                      <a:rPr lang="en-GB" i="1">
                         <a:latin typeface="Cambria Math" panose="02040503050406030204" pitchFamily="18" charset="0"/>
                         <a:cs typeface="Times New Roman" panose="02020603050405020304" pitchFamily="18" charset="0"/>
                       </a:rPr>
-                      <m:t>650 </m:t>
+                      <m:t>  </m:t>
                     </m:r>
                   </m:oMath>
                 </a14:m>
                 <a:r>
-                  <a:rPr lang="en-GB" dirty="0" smtClean="0">
+                  <a:rPr lang="en-GB" dirty="0">
                     <a:latin typeface="Times New Roman" panose="02020603050405020304" pitchFamily="18" charset="0"/>
                     <a:cs typeface="Times New Roman" panose="02020603050405020304" pitchFamily="18" charset="0"/>
                   </a:rPr>
                   <a:t>nm</a:t>
                 </a:r>
-                <a:endParaRPr lang="en-GB" dirty="0">
-                  <a:latin typeface="Times New Roman" panose="02020603050405020304" pitchFamily="18" charset="0"/>
-                  <a:cs typeface="Times New Roman" panose="02020603050405020304" pitchFamily="18" charset="0"/>
-                </a:endParaRPr>
               </a:p>
             </p:txBody>
           </p:sp>
@@ -11976,6 +12549,65 @@
           </p:sp>
         </mc:Fallback>
       </mc:AlternateContent>
+      <p:pic>
+        <p:nvPicPr>
+          <p:cNvPr id="2" name="Picture 1"/>
+          <p:cNvPicPr>
+            <a:picLocks noChangeAspect="1"/>
+          </p:cNvPicPr>
+          <p:nvPr/>
+        </p:nvPicPr>
+        <p:blipFill rotWithShape="1">
+          <a:blip r:embed="rId8">
+            <a:extLst>
+              <a:ext uri="{28A0092B-C50C-407E-A947-70E740481C1C}">
+                <a14:useLocalDpi xmlns:a14="http://schemas.microsoft.com/office/drawing/2010/main" val="0"/>
+              </a:ext>
+            </a:extLst>
+          </a:blip>
+          <a:srcRect l="1" t="1616" r="1461" b="-1"/>
+          <a:stretch/>
+        </p:blipFill>
+        <p:spPr>
+          <a:xfrm>
+            <a:off x="6108769" y="1390261"/>
+            <a:ext cx="6002368" cy="4479759"/>
+          </a:xfrm>
+          <a:prstGeom prst="rect">
+            <a:avLst/>
+          </a:prstGeom>
+        </p:spPr>
+      </p:pic>
+      <p:pic>
+        <p:nvPicPr>
+          <p:cNvPr id="5" name="Picture 4"/>
+          <p:cNvPicPr>
+            <a:picLocks noChangeAspect="1"/>
+          </p:cNvPicPr>
+          <p:nvPr/>
+        </p:nvPicPr>
+        <p:blipFill>
+          <a:blip r:embed="rId9">
+            <a:extLst>
+              <a:ext uri="{28A0092B-C50C-407E-A947-70E740481C1C}">
+                <a14:useLocalDpi xmlns:a14="http://schemas.microsoft.com/office/drawing/2010/main" val="0"/>
+              </a:ext>
+            </a:extLst>
+          </a:blip>
+          <a:stretch>
+            <a:fillRect/>
+          </a:stretch>
+        </p:blipFill>
+        <p:spPr>
+          <a:xfrm>
+            <a:off x="55986" y="1390261"/>
+            <a:ext cx="5970502" cy="4480627"/>
+          </a:xfrm>
+          <a:prstGeom prst="rect">
+            <a:avLst/>
+          </a:prstGeom>
+        </p:spPr>
+      </p:pic>
     </p:spTree>
     <p:extLst>
       <p:ext uri="{BB962C8B-B14F-4D97-AF65-F5344CB8AC3E}">
@@ -11989,7 +12621,858 @@
   <p:timing>
     <p:tnLst>
       <p:par>
-        <p:cTn xmlns:p14="http://schemas.microsoft.com/office/powerpoint/2010/main" id="1" dur="indefinite" restart="never" nodeType="tmRoot">
+        <p:cTn id="1" dur="indefinite" restart="never" nodeType="tmRoot">
+          <p:childTnLst>
+            <p:seq concurrent="1" nextAc="seek">
+              <p:cTn id="2" dur="indefinite" nodeType="mainSeq">
+                <p:childTnLst>
+                  <p:par>
+                    <p:cTn id="3" fill="hold">
+                      <p:stCondLst>
+                        <p:cond delay="indefinite"/>
+                      </p:stCondLst>
+                      <p:childTnLst>
+                        <p:par>
+                          <p:cTn id="4" fill="hold">
+                            <p:stCondLst>
+                              <p:cond delay="0"/>
+                            </p:stCondLst>
+                            <p:childTnLst>
+                              <p:par>
+                                <p:cTn id="5" presetID="10" presetClass="entr" presetSubtype="0" fill="hold" grpId="0" nodeType="clickEffect">
+                                  <p:stCondLst>
+                                    <p:cond delay="0"/>
+                                  </p:stCondLst>
+                                  <p:childTnLst>
+                                    <p:set>
+                                      <p:cBhvr>
+                                        <p:cTn id="6" dur="1" fill="hold">
+                                          <p:stCondLst>
+                                            <p:cond delay="0"/>
+                                          </p:stCondLst>
+                                        </p:cTn>
+                                        <p:tgtEl>
+                                          <p:spTgt spid="4"/>
+                                        </p:tgtEl>
+                                        <p:attrNameLst>
+                                          <p:attrName>style.visibility</p:attrName>
+                                        </p:attrNameLst>
+                                      </p:cBhvr>
+                                      <p:to>
+                                        <p:strVal val="visible"/>
+                                      </p:to>
+                                    </p:set>
+                                    <p:animEffect transition="in" filter="fade">
+                                      <p:cBhvr>
+                                        <p:cTn id="7" dur="500"/>
+                                        <p:tgtEl>
+                                          <p:spTgt spid="4"/>
+                                        </p:tgtEl>
+                                      </p:cBhvr>
+                                    </p:animEffect>
+                                  </p:childTnLst>
+                                </p:cTn>
+                              </p:par>
+                              <p:par>
+                                <p:cTn id="8" presetID="10" presetClass="entr" presetSubtype="0" fill="hold" grpId="0" nodeType="withEffect">
+                                  <p:stCondLst>
+                                    <p:cond delay="0"/>
+                                  </p:stCondLst>
+                                  <p:childTnLst>
+                                    <p:set>
+                                      <p:cBhvr>
+                                        <p:cTn id="9" dur="1" fill="hold">
+                                          <p:stCondLst>
+                                            <p:cond delay="0"/>
+                                          </p:stCondLst>
+                                        </p:cTn>
+                                        <p:tgtEl>
+                                          <p:spTgt spid="11"/>
+                                        </p:tgtEl>
+                                        <p:attrNameLst>
+                                          <p:attrName>style.visibility</p:attrName>
+                                        </p:attrNameLst>
+                                      </p:cBhvr>
+                                      <p:to>
+                                        <p:strVal val="visible"/>
+                                      </p:to>
+                                    </p:set>
+                                    <p:animEffect transition="in" filter="fade">
+                                      <p:cBhvr>
+                                        <p:cTn id="10" dur="500"/>
+                                        <p:tgtEl>
+                                          <p:spTgt spid="11"/>
+                                        </p:tgtEl>
+                                      </p:cBhvr>
+                                    </p:animEffect>
+                                  </p:childTnLst>
+                                </p:cTn>
+                              </p:par>
+                              <p:par>
+                                <p:cTn id="11" presetID="10" presetClass="entr" presetSubtype="0" fill="hold" grpId="0" nodeType="withEffect">
+                                  <p:stCondLst>
+                                    <p:cond delay="0"/>
+                                  </p:stCondLst>
+                                  <p:childTnLst>
+                                    <p:set>
+                                      <p:cBhvr>
+                                        <p:cTn id="12" dur="1" fill="hold">
+                                          <p:stCondLst>
+                                            <p:cond delay="0"/>
+                                          </p:stCondLst>
+                                        </p:cTn>
+                                        <p:tgtEl>
+                                          <p:spTgt spid="10"/>
+                                        </p:tgtEl>
+                                        <p:attrNameLst>
+                                          <p:attrName>style.visibility</p:attrName>
+                                        </p:attrNameLst>
+                                      </p:cBhvr>
+                                      <p:to>
+                                        <p:strVal val="visible"/>
+                                      </p:to>
+                                    </p:set>
+                                    <p:animEffect transition="in" filter="fade">
+                                      <p:cBhvr>
+                                        <p:cTn id="13" dur="500"/>
+                                        <p:tgtEl>
+                                          <p:spTgt spid="10"/>
+                                        </p:tgtEl>
+                                      </p:cBhvr>
+                                    </p:animEffect>
+                                  </p:childTnLst>
+                                </p:cTn>
+                              </p:par>
+                              <p:par>
+                                <p:cTn id="14" presetID="10" presetClass="entr" presetSubtype="0" fill="hold" grpId="0" nodeType="withEffect">
+                                  <p:stCondLst>
+                                    <p:cond delay="0"/>
+                                  </p:stCondLst>
+                                  <p:childTnLst>
+                                    <p:set>
+                                      <p:cBhvr>
+                                        <p:cTn id="15" dur="1" fill="hold">
+                                          <p:stCondLst>
+                                            <p:cond delay="0"/>
+                                          </p:stCondLst>
+                                        </p:cTn>
+                                        <p:tgtEl>
+                                          <p:spTgt spid="9"/>
+                                        </p:tgtEl>
+                                        <p:attrNameLst>
+                                          <p:attrName>style.visibility</p:attrName>
+                                        </p:attrNameLst>
+                                      </p:cBhvr>
+                                      <p:to>
+                                        <p:strVal val="visible"/>
+                                      </p:to>
+                                    </p:set>
+                                    <p:animEffect transition="in" filter="fade">
+                                      <p:cBhvr>
+                                        <p:cTn id="16" dur="500"/>
+                                        <p:tgtEl>
+                                          <p:spTgt spid="9"/>
+                                        </p:tgtEl>
+                                      </p:cBhvr>
+                                    </p:animEffect>
+                                  </p:childTnLst>
+                                </p:cTn>
+                              </p:par>
+                              <p:par>
+                                <p:cTn id="17" presetID="10" presetClass="entr" presetSubtype="0" fill="hold" nodeType="withEffect">
+                                  <p:stCondLst>
+                                    <p:cond delay="0"/>
+                                  </p:stCondLst>
+                                  <p:childTnLst>
+                                    <p:set>
+                                      <p:cBhvr>
+                                        <p:cTn id="18" dur="1" fill="hold">
+                                          <p:stCondLst>
+                                            <p:cond delay="0"/>
+                                          </p:stCondLst>
+                                        </p:cTn>
+                                        <p:tgtEl>
+                                          <p:spTgt spid="5"/>
+                                        </p:tgtEl>
+                                        <p:attrNameLst>
+                                          <p:attrName>style.visibility</p:attrName>
+                                        </p:attrNameLst>
+                                      </p:cBhvr>
+                                      <p:to>
+                                        <p:strVal val="visible"/>
+                                      </p:to>
+                                    </p:set>
+                                    <p:animEffect transition="in" filter="fade">
+                                      <p:cBhvr>
+                                        <p:cTn id="19" dur="500"/>
+                                        <p:tgtEl>
+                                          <p:spTgt spid="5"/>
+                                        </p:tgtEl>
+                                      </p:cBhvr>
+                                    </p:animEffect>
+                                  </p:childTnLst>
+                                </p:cTn>
+                              </p:par>
+                              <p:par>
+                                <p:cTn id="20" presetID="10" presetClass="entr" presetSubtype="0" fill="hold" nodeType="withEffect">
+                                  <p:stCondLst>
+                                    <p:cond delay="0"/>
+                                  </p:stCondLst>
+                                  <p:childTnLst>
+                                    <p:set>
+                                      <p:cBhvr>
+                                        <p:cTn id="21" dur="1" fill="hold">
+                                          <p:stCondLst>
+                                            <p:cond delay="0"/>
+                                          </p:stCondLst>
+                                        </p:cTn>
+                                        <p:tgtEl>
+                                          <p:spTgt spid="2"/>
+                                        </p:tgtEl>
+                                        <p:attrNameLst>
+                                          <p:attrName>style.visibility</p:attrName>
+                                        </p:attrNameLst>
+                                      </p:cBhvr>
+                                      <p:to>
+                                        <p:strVal val="visible"/>
+                                      </p:to>
+                                    </p:set>
+                                    <p:animEffect transition="in" filter="fade">
+                                      <p:cBhvr>
+                                        <p:cTn id="22" dur="500"/>
+                                        <p:tgtEl>
+                                          <p:spTgt spid="2"/>
+                                        </p:tgtEl>
+                                      </p:cBhvr>
+                                    </p:animEffect>
+                                  </p:childTnLst>
+                                </p:cTn>
+                              </p:par>
+                              <p:par>
+                                <p:cTn id="23" presetID="10" presetClass="entr" presetSubtype="0" fill="hold" grpId="0" nodeType="withEffect">
+                                  <p:stCondLst>
+                                    <p:cond delay="0"/>
+                                  </p:stCondLst>
+                                  <p:childTnLst>
+                                    <p:set>
+                                      <p:cBhvr>
+                                        <p:cTn id="24" dur="1" fill="hold">
+                                          <p:stCondLst>
+                                            <p:cond delay="0"/>
+                                          </p:stCondLst>
+                                        </p:cTn>
+                                        <p:tgtEl>
+                                          <p:spTgt spid="13"/>
+                                        </p:tgtEl>
+                                        <p:attrNameLst>
+                                          <p:attrName>style.visibility</p:attrName>
+                                        </p:attrNameLst>
+                                      </p:cBhvr>
+                                      <p:to>
+                                        <p:strVal val="visible"/>
+                                      </p:to>
+                                    </p:set>
+                                    <p:animEffect transition="in" filter="fade">
+                                      <p:cBhvr>
+                                        <p:cTn id="25" dur="500"/>
+                                        <p:tgtEl>
+                                          <p:spTgt spid="13"/>
+                                        </p:tgtEl>
+                                      </p:cBhvr>
+                                    </p:animEffect>
+                                  </p:childTnLst>
+                                </p:cTn>
+                              </p:par>
+                              <p:par>
+                                <p:cTn id="26" presetID="10" presetClass="entr" presetSubtype="0" fill="hold" grpId="0" nodeType="withEffect">
+                                  <p:stCondLst>
+                                    <p:cond delay="0"/>
+                                  </p:stCondLst>
+                                  <p:childTnLst>
+                                    <p:set>
+                                      <p:cBhvr>
+                                        <p:cTn id="27" dur="1" fill="hold">
+                                          <p:stCondLst>
+                                            <p:cond delay="0"/>
+                                          </p:stCondLst>
+                                        </p:cTn>
+                                        <p:tgtEl>
+                                          <p:spTgt spid="14"/>
+                                        </p:tgtEl>
+                                        <p:attrNameLst>
+                                          <p:attrName>style.visibility</p:attrName>
+                                        </p:attrNameLst>
+                                      </p:cBhvr>
+                                      <p:to>
+                                        <p:strVal val="visible"/>
+                                      </p:to>
+                                    </p:set>
+                                    <p:animEffect transition="in" filter="fade">
+                                      <p:cBhvr>
+                                        <p:cTn id="28" dur="500"/>
+                                        <p:tgtEl>
+                                          <p:spTgt spid="14"/>
+                                        </p:tgtEl>
+                                      </p:cBhvr>
+                                    </p:animEffect>
+                                  </p:childTnLst>
+                                </p:cTn>
+                              </p:par>
+                              <p:par>
+                                <p:cTn id="29" presetID="10" presetClass="entr" presetSubtype="0" fill="hold" grpId="0" nodeType="withEffect">
+                                  <p:stCondLst>
+                                    <p:cond delay="0"/>
+                                  </p:stCondLst>
+                                  <p:childTnLst>
+                                    <p:set>
+                                      <p:cBhvr>
+                                        <p:cTn id="30" dur="1" fill="hold">
+                                          <p:stCondLst>
+                                            <p:cond delay="0"/>
+                                          </p:stCondLst>
+                                        </p:cTn>
+                                        <p:tgtEl>
+                                          <p:spTgt spid="12"/>
+                                        </p:tgtEl>
+                                        <p:attrNameLst>
+                                          <p:attrName>style.visibility</p:attrName>
+                                        </p:attrNameLst>
+                                      </p:cBhvr>
+                                      <p:to>
+                                        <p:strVal val="visible"/>
+                                      </p:to>
+                                    </p:set>
+                                    <p:animEffect transition="in" filter="fade">
+                                      <p:cBhvr>
+                                        <p:cTn id="31" dur="500"/>
+                                        <p:tgtEl>
+                                          <p:spTgt spid="12"/>
+                                        </p:tgtEl>
+                                      </p:cBhvr>
+                                    </p:animEffect>
+                                  </p:childTnLst>
+                                </p:cTn>
+                              </p:par>
+                            </p:childTnLst>
+                          </p:cTn>
+                        </p:par>
+                      </p:childTnLst>
+                    </p:cTn>
+                  </p:par>
+                </p:childTnLst>
+              </p:cTn>
+              <p:prevCondLst>
+                <p:cond evt="onPrev" delay="0">
+                  <p:tgtEl>
+                    <p:sldTgt/>
+                  </p:tgtEl>
+                </p:cond>
+              </p:prevCondLst>
+              <p:nextCondLst>
+                <p:cond evt="onNext" delay="0">
+                  <p:tgtEl>
+                    <p:sldTgt/>
+                  </p:tgtEl>
+                </p:cond>
+              </p:nextCondLst>
+            </p:seq>
+          </p:childTnLst>
+        </p:cTn>
+      </p:par>
+    </p:tnLst>
+    <p:bldLst>
+      <p:bldP spid="4" grpId="0"/>
+      <p:bldP spid="9" grpId="0"/>
+      <p:bldP spid="10" grpId="0"/>
+      <p:bldP spid="11" grpId="0" animBg="1"/>
+      <p:bldP spid="12" grpId="0"/>
+      <p:bldP spid="13" grpId="0"/>
+      <p:bldP spid="14" grpId="0"/>
+    </p:bldLst>
+  </p:timing>
+</p:sld>
+</file>
+
+<file path=ppt/slides/slide9.xml><?xml version="1.0" encoding="utf-8"?>
+<p:sld xmlns:a="http://schemas.openxmlformats.org/drawingml/2006/main" xmlns:r="http://schemas.openxmlformats.org/officeDocument/2006/relationships" xmlns:p="http://schemas.openxmlformats.org/presentationml/2006/main">
+  <p:cSld>
+    <p:spTree>
+      <p:nvGrpSpPr>
+        <p:cNvPr id="1" name=""/>
+        <p:cNvGrpSpPr/>
+        <p:nvPr/>
+      </p:nvGrpSpPr>
+      <p:grpSpPr>
+        <a:xfrm>
+          <a:off x="0" y="0"/>
+          <a:ext cx="0" cy="0"/>
+          <a:chOff x="0" y="0"/>
+          <a:chExt cx="0" cy="0"/>
+        </a:xfrm>
+      </p:grpSpPr>
+      <p:pic>
+        <p:nvPicPr>
+          <p:cNvPr id="3" name="Picture 2"/>
+          <p:cNvPicPr>
+            <a:picLocks noChangeAspect="1"/>
+          </p:cNvPicPr>
+          <p:nvPr/>
+        </p:nvPicPr>
+        <p:blipFill rotWithShape="1">
+          <a:blip r:embed="rId3"/>
+          <a:srcRect l="14033" t="25146" r="11406" b="18563"/>
+          <a:stretch/>
+        </p:blipFill>
+        <p:spPr>
+          <a:xfrm>
+            <a:off x="6985425" y="3540569"/>
+            <a:ext cx="4368375" cy="3304848"/>
+          </a:xfrm>
+          <a:prstGeom prst="rect">
+            <a:avLst/>
+          </a:prstGeom>
+        </p:spPr>
+      </p:pic>
+      <p:sp>
+        <p:nvSpPr>
+          <p:cNvPr id="4" name="Title 1"/>
+          <p:cNvSpPr txBox="1">
+            <a:spLocks noGrp="1"/>
+          </p:cNvSpPr>
+          <p:nvPr>
+            <p:ph type="title"/>
+          </p:nvPr>
+        </p:nvSpPr>
+        <p:spPr>
+          <a:xfrm>
+            <a:off x="838200" y="19586"/>
+            <a:ext cx="10515600" cy="770711"/>
+          </a:xfrm>
+          <a:prstGeom prst="rect">
+            <a:avLst/>
+          </a:prstGeom>
+        </p:spPr>
+        <p:txBody>
+          <a:bodyPr vert="horz" lIns="91440" tIns="45720" rIns="91440" bIns="45720" rtlCol="0" anchor="b">
+            <a:normAutofit/>
+          </a:bodyPr>
+          <a:lstStyle>
+            <a:lvl1pPr algn="ctr" defTabSz="914400" rtl="0" eaLnBrk="1" latinLnBrk="0" hangingPunct="1">
+              <a:lnSpc>
+                <a:spcPct val="90000"/>
+              </a:lnSpc>
+              <a:spcBef>
+                <a:spcPct val="0"/>
+              </a:spcBef>
+              <a:buNone/>
+              <a:defRPr sz="6000" kern="1200">
+                <a:solidFill>
+                  <a:schemeClr val="tx1"/>
+                </a:solidFill>
+                <a:latin typeface="+mj-lt"/>
+                <a:ea typeface="+mj-ea"/>
+                <a:cs typeface="+mj-cs"/>
+              </a:defRPr>
+            </a:lvl1pPr>
+          </a:lstStyle>
+          <a:p>
+            <a:r>
+              <a:rPr lang="en-GB" sz="4800" dirty="0" smtClean="0">
+                <a:latin typeface="Times New Roman" panose="02020603050405020304" pitchFamily="18" charset="0"/>
+                <a:cs typeface="Times New Roman" panose="02020603050405020304" pitchFamily="18" charset="0"/>
+              </a:rPr>
+              <a:t>Interference of Mechanical &amp; EM Waves</a:t>
+            </a:r>
+            <a:endParaRPr lang="en-GB" sz="4800" dirty="0">
+              <a:latin typeface="Times New Roman" panose="02020603050405020304" pitchFamily="18" charset="0"/>
+              <a:cs typeface="Times New Roman" panose="02020603050405020304" pitchFamily="18" charset="0"/>
+            </a:endParaRPr>
+          </a:p>
+        </p:txBody>
+      </p:sp>
+      <p:pic>
+        <p:nvPicPr>
+          <p:cNvPr id="11" name="Picture 10"/>
+          <p:cNvPicPr>
+            <a:picLocks noChangeAspect="1"/>
+          </p:cNvPicPr>
+          <p:nvPr/>
+        </p:nvPicPr>
+        <p:blipFill rotWithShape="1">
+          <a:blip r:embed="rId4">
+            <a:extLst>
+              <a:ext uri="{28A0092B-C50C-407E-A947-70E740481C1C}">
+                <a14:useLocalDpi xmlns:a14="http://schemas.microsoft.com/office/drawing/2010/main" val="0"/>
+              </a:ext>
+            </a:extLst>
+          </a:blip>
+          <a:srcRect t="321" b="12668"/>
+          <a:stretch/>
+        </p:blipFill>
+        <p:spPr>
+          <a:xfrm>
+            <a:off x="1125097" y="986980"/>
+            <a:ext cx="3073816" cy="2534412"/>
+          </a:xfrm>
+          <a:prstGeom prst="rect">
+            <a:avLst/>
+          </a:prstGeom>
+        </p:spPr>
+      </p:pic>
+      <p:sp>
+        <p:nvSpPr>
+          <p:cNvPr id="13" name="TextBox 12"/>
+          <p:cNvSpPr txBox="1"/>
+          <p:nvPr/>
+        </p:nvSpPr>
+        <p:spPr>
+          <a:xfrm>
+            <a:off x="1125097" y="636763"/>
+            <a:ext cx="3073816" cy="400110"/>
+          </a:xfrm>
+          <a:prstGeom prst="rect">
+            <a:avLst/>
+          </a:prstGeom>
+          <a:noFill/>
+        </p:spPr>
+        <p:txBody>
+          <a:bodyPr wrap="square" rtlCol="0">
+            <a:spAutoFit/>
+          </a:bodyPr>
+          <a:lstStyle/>
+          <a:p>
+            <a:pPr algn="ctr"/>
+            <a:r>
+              <a:rPr lang="en-GB" sz="2000" dirty="0" smtClean="0">
+                <a:latin typeface="Times New Roman" panose="02020603050405020304" pitchFamily="18" charset="0"/>
+                <a:cs typeface="Times New Roman" panose="02020603050405020304" pitchFamily="18" charset="0"/>
+              </a:rPr>
+              <a:t>Single Slit Interference</a:t>
+            </a:r>
+            <a:endParaRPr lang="en-GB" sz="2000" dirty="0">
+              <a:latin typeface="Times New Roman" panose="02020603050405020304" pitchFamily="18" charset="0"/>
+              <a:cs typeface="Times New Roman" panose="02020603050405020304" pitchFamily="18" charset="0"/>
+            </a:endParaRPr>
+          </a:p>
+        </p:txBody>
+      </p:sp>
+      <p:sp>
+        <p:nvSpPr>
+          <p:cNvPr id="14" name="TextBox 13"/>
+          <p:cNvSpPr txBox="1"/>
+          <p:nvPr/>
+        </p:nvSpPr>
+        <p:spPr>
+          <a:xfrm>
+            <a:off x="7716231" y="636763"/>
+            <a:ext cx="2965622" cy="400110"/>
+          </a:xfrm>
+          <a:prstGeom prst="rect">
+            <a:avLst/>
+          </a:prstGeom>
+          <a:noFill/>
+        </p:spPr>
+        <p:txBody>
+          <a:bodyPr wrap="square" rtlCol="0">
+            <a:spAutoFit/>
+          </a:bodyPr>
+          <a:lstStyle/>
+          <a:p>
+            <a:pPr algn="ctr"/>
+            <a:r>
+              <a:rPr lang="en-GB" sz="2000" dirty="0" smtClean="0">
+                <a:latin typeface="Times New Roman" panose="02020603050405020304" pitchFamily="18" charset="0"/>
+                <a:cs typeface="Times New Roman" panose="02020603050405020304" pitchFamily="18" charset="0"/>
+              </a:rPr>
+              <a:t>Double Slit Interference</a:t>
+            </a:r>
+            <a:endParaRPr lang="en-GB" sz="2000" dirty="0">
+              <a:latin typeface="Times New Roman" panose="02020603050405020304" pitchFamily="18" charset="0"/>
+              <a:cs typeface="Times New Roman" panose="02020603050405020304" pitchFamily="18" charset="0"/>
+            </a:endParaRPr>
+          </a:p>
+        </p:txBody>
+      </p:sp>
+      <p:sp>
+        <p:nvSpPr>
+          <p:cNvPr id="17" name="TextBox 16"/>
+          <p:cNvSpPr txBox="1"/>
+          <p:nvPr/>
+        </p:nvSpPr>
+        <p:spPr>
+          <a:xfrm>
+            <a:off x="2105951" y="1189158"/>
+            <a:ext cx="1112108" cy="307777"/>
+          </a:xfrm>
+          <a:prstGeom prst="rect">
+            <a:avLst/>
+          </a:prstGeom>
+          <a:noFill/>
+        </p:spPr>
+        <p:txBody>
+          <a:bodyPr wrap="square" rtlCol="0">
+            <a:spAutoFit/>
+          </a:bodyPr>
+          <a:lstStyle/>
+          <a:p>
+            <a:pPr algn="ctr"/>
+            <a:r>
+              <a:rPr lang="en-GB" sz="1400" i="1" dirty="0" smtClean="0">
+                <a:latin typeface="Times New Roman" panose="02020603050405020304" pitchFamily="18" charset="0"/>
+                <a:cs typeface="Times New Roman" panose="02020603050405020304" pitchFamily="18" charset="0"/>
+              </a:rPr>
+              <a:t>f </a:t>
+            </a:r>
+            <a:r>
+              <a:rPr lang="en-GB" sz="1400" dirty="0" smtClean="0">
+                <a:latin typeface="Times New Roman" panose="02020603050405020304" pitchFamily="18" charset="0"/>
+                <a:cs typeface="Times New Roman" panose="02020603050405020304" pitchFamily="18" charset="0"/>
+              </a:rPr>
+              <a:t>= 20 Hz</a:t>
+            </a:r>
+            <a:endParaRPr lang="en-GB" sz="1400" dirty="0">
+              <a:latin typeface="Times New Roman" panose="02020603050405020304" pitchFamily="18" charset="0"/>
+              <a:cs typeface="Times New Roman" panose="02020603050405020304" pitchFamily="18" charset="0"/>
+            </a:endParaRPr>
+          </a:p>
+        </p:txBody>
+      </p:sp>
+      <p:pic>
+        <p:nvPicPr>
+          <p:cNvPr id="5" name="Picture 4"/>
+          <p:cNvPicPr>
+            <a:picLocks noChangeAspect="1"/>
+          </p:cNvPicPr>
+          <p:nvPr/>
+        </p:nvPicPr>
+        <p:blipFill rotWithShape="1">
+          <a:blip r:embed="rId5" cstate="print">
+            <a:extLst>
+              <a:ext uri="{28A0092B-C50C-407E-A947-70E740481C1C}">
+                <a14:useLocalDpi xmlns:a14="http://schemas.microsoft.com/office/drawing/2010/main" val="0"/>
+              </a:ext>
+            </a:extLst>
+          </a:blip>
+          <a:srcRect l="30166" t="33426" r="31831" b="28303"/>
+          <a:stretch/>
+        </p:blipFill>
+        <p:spPr>
+          <a:xfrm>
+            <a:off x="523067" y="3546559"/>
+            <a:ext cx="4367421" cy="3298858"/>
+          </a:xfrm>
+          <a:prstGeom prst="rect">
+            <a:avLst/>
+          </a:prstGeom>
+        </p:spPr>
+      </p:pic>
+      <p:sp>
+        <p:nvSpPr>
+          <p:cNvPr id="16" name="TextBox 15"/>
+          <p:cNvSpPr txBox="1"/>
+          <p:nvPr/>
+        </p:nvSpPr>
+        <p:spPr>
+          <a:xfrm>
+            <a:off x="10241692" y="3540054"/>
+            <a:ext cx="1112108" cy="523220"/>
+          </a:xfrm>
+          <a:prstGeom prst="rect">
+            <a:avLst/>
+          </a:prstGeom>
+          <a:solidFill>
+            <a:srgbClr val="FFFFFF"/>
+          </a:solidFill>
+        </p:spPr>
+        <p:txBody>
+          <a:bodyPr wrap="square" rtlCol="0">
+            <a:spAutoFit/>
+          </a:bodyPr>
+          <a:lstStyle/>
+          <a:p>
+            <a:pPr algn="ctr"/>
+            <a:r>
+              <a:rPr lang="en-GB" sz="1400" i="1" dirty="0">
+                <a:latin typeface="Times New Roman" panose="02020603050405020304" pitchFamily="18" charset="0"/>
+                <a:cs typeface="Times New Roman" panose="02020603050405020304" pitchFamily="18" charset="0"/>
+              </a:rPr>
+              <a:t>a</a:t>
+            </a:r>
+            <a:r>
+              <a:rPr lang="en-GB" sz="1400" i="1" dirty="0" smtClean="0">
+                <a:latin typeface="Times New Roman" panose="02020603050405020304" pitchFamily="18" charset="0"/>
+                <a:cs typeface="Times New Roman" panose="02020603050405020304" pitchFamily="18" charset="0"/>
+              </a:rPr>
+              <a:t> </a:t>
+            </a:r>
+            <a:r>
+              <a:rPr lang="en-GB" sz="1400" dirty="0" smtClean="0">
+                <a:latin typeface="Times New Roman" panose="02020603050405020304" pitchFamily="18" charset="0"/>
+                <a:cs typeface="Times New Roman" panose="02020603050405020304" pitchFamily="18" charset="0"/>
+              </a:rPr>
+              <a:t>= 0.08mm </a:t>
+            </a:r>
+            <a:r>
+              <a:rPr lang="en-GB" sz="1400" i="1" dirty="0" smtClean="0">
+                <a:latin typeface="Times New Roman" panose="02020603050405020304" pitchFamily="18" charset="0"/>
+                <a:cs typeface="Times New Roman" panose="02020603050405020304" pitchFamily="18" charset="0"/>
+              </a:rPr>
+              <a:t>d </a:t>
+            </a:r>
+            <a:r>
+              <a:rPr lang="en-GB" sz="1400" dirty="0" smtClean="0">
+                <a:latin typeface="Times New Roman" panose="02020603050405020304" pitchFamily="18" charset="0"/>
+                <a:cs typeface="Times New Roman" panose="02020603050405020304" pitchFamily="18" charset="0"/>
+              </a:rPr>
+              <a:t>= 0.5mm</a:t>
+            </a:r>
+            <a:endParaRPr lang="en-GB" sz="1400" dirty="0">
+              <a:latin typeface="Times New Roman" panose="02020603050405020304" pitchFamily="18" charset="0"/>
+              <a:cs typeface="Times New Roman" panose="02020603050405020304" pitchFamily="18" charset="0"/>
+            </a:endParaRPr>
+          </a:p>
+        </p:txBody>
+      </p:sp>
+      <p:sp>
+        <p:nvSpPr>
+          <p:cNvPr id="15" name="TextBox 14"/>
+          <p:cNvSpPr txBox="1"/>
+          <p:nvPr/>
+        </p:nvSpPr>
+        <p:spPr>
+          <a:xfrm>
+            <a:off x="3778229" y="3546710"/>
+            <a:ext cx="1112108" cy="307777"/>
+          </a:xfrm>
+          <a:prstGeom prst="rect">
+            <a:avLst/>
+          </a:prstGeom>
+          <a:solidFill>
+            <a:schemeClr val="bg1"/>
+          </a:solidFill>
+        </p:spPr>
+        <p:txBody>
+          <a:bodyPr wrap="square" rtlCol="0">
+            <a:spAutoFit/>
+          </a:bodyPr>
+          <a:lstStyle/>
+          <a:p>
+            <a:pPr algn="ctr"/>
+            <a:r>
+              <a:rPr lang="en-GB" sz="1400" i="1" dirty="0">
+                <a:latin typeface="Times New Roman" panose="02020603050405020304" pitchFamily="18" charset="0"/>
+                <a:cs typeface="Times New Roman" panose="02020603050405020304" pitchFamily="18" charset="0"/>
+              </a:rPr>
+              <a:t>a</a:t>
+            </a:r>
+            <a:r>
+              <a:rPr lang="en-GB" sz="1400" i="1" dirty="0" smtClean="0">
+                <a:latin typeface="Times New Roman" panose="02020603050405020304" pitchFamily="18" charset="0"/>
+                <a:cs typeface="Times New Roman" panose="02020603050405020304" pitchFamily="18" charset="0"/>
+              </a:rPr>
+              <a:t> </a:t>
+            </a:r>
+            <a:r>
+              <a:rPr lang="en-GB" sz="1400" dirty="0" smtClean="0">
+                <a:latin typeface="Times New Roman" panose="02020603050405020304" pitchFamily="18" charset="0"/>
+                <a:cs typeface="Times New Roman" panose="02020603050405020304" pitchFamily="18" charset="0"/>
+              </a:rPr>
+              <a:t>= 0.08mm</a:t>
+            </a:r>
+            <a:endParaRPr lang="en-GB" sz="1400" dirty="0">
+              <a:latin typeface="Times New Roman" panose="02020603050405020304" pitchFamily="18" charset="0"/>
+              <a:cs typeface="Times New Roman" panose="02020603050405020304" pitchFamily="18" charset="0"/>
+            </a:endParaRPr>
+          </a:p>
+        </p:txBody>
+      </p:sp>
+      <p:pic>
+        <p:nvPicPr>
+          <p:cNvPr id="12" name="Picture 11"/>
+          <p:cNvPicPr>
+            <a:picLocks noChangeAspect="1"/>
+          </p:cNvPicPr>
+          <p:nvPr/>
+        </p:nvPicPr>
+        <p:blipFill rotWithShape="1">
+          <a:blip r:embed="rId6">
+            <a:extLst>
+              <a:ext uri="{28A0092B-C50C-407E-A947-70E740481C1C}">
+                <a14:useLocalDpi xmlns:a14="http://schemas.microsoft.com/office/drawing/2010/main" val="0"/>
+              </a:ext>
+            </a:extLst>
+          </a:blip>
+          <a:srcRect t="1378" b="13574"/>
+          <a:stretch/>
+        </p:blipFill>
+        <p:spPr>
+          <a:xfrm>
+            <a:off x="7716231" y="970506"/>
+            <a:ext cx="2965622" cy="2550886"/>
+          </a:xfrm>
+          <a:prstGeom prst="rect">
+            <a:avLst/>
+          </a:prstGeom>
+        </p:spPr>
+      </p:pic>
+      <p:sp>
+        <p:nvSpPr>
+          <p:cNvPr id="18" name="TextBox 17"/>
+          <p:cNvSpPr txBox="1"/>
+          <p:nvPr/>
+        </p:nvSpPr>
+        <p:spPr>
+          <a:xfrm>
+            <a:off x="8642988" y="1149090"/>
+            <a:ext cx="1112108" cy="307777"/>
+          </a:xfrm>
+          <a:prstGeom prst="rect">
+            <a:avLst/>
+          </a:prstGeom>
+          <a:noFill/>
+        </p:spPr>
+        <p:txBody>
+          <a:bodyPr wrap="square" rtlCol="0">
+            <a:spAutoFit/>
+          </a:bodyPr>
+          <a:lstStyle/>
+          <a:p>
+            <a:pPr algn="ctr"/>
+            <a:r>
+              <a:rPr lang="en-GB" sz="1400" i="1" dirty="0" smtClean="0">
+                <a:latin typeface="Times New Roman" panose="02020603050405020304" pitchFamily="18" charset="0"/>
+                <a:cs typeface="Times New Roman" panose="02020603050405020304" pitchFamily="18" charset="0"/>
+              </a:rPr>
+              <a:t>f </a:t>
+            </a:r>
+            <a:r>
+              <a:rPr lang="en-GB" sz="1400" dirty="0" smtClean="0">
+                <a:latin typeface="Times New Roman" panose="02020603050405020304" pitchFamily="18" charset="0"/>
+                <a:cs typeface="Times New Roman" panose="02020603050405020304" pitchFamily="18" charset="0"/>
+              </a:rPr>
+              <a:t>= 20 Hz</a:t>
+            </a:r>
+            <a:endParaRPr lang="en-GB" sz="1400" dirty="0">
+              <a:latin typeface="Times New Roman" panose="02020603050405020304" pitchFamily="18" charset="0"/>
+              <a:cs typeface="Times New Roman" panose="02020603050405020304" pitchFamily="18" charset="0"/>
+            </a:endParaRPr>
+          </a:p>
+        </p:txBody>
+      </p:sp>
+    </p:spTree>
+    <p:extLst>
+      <p:ext uri="{BB962C8B-B14F-4D97-AF65-F5344CB8AC3E}">
+        <p14:creationId xmlns:p14="http://schemas.microsoft.com/office/powerpoint/2010/main" val="2778265832"/>
+      </p:ext>
+    </p:extLst>
+  </p:cSld>
+  <p:clrMapOvr>
+    <a:masterClrMapping/>
+  </p:clrMapOvr>
+  <p:timing>
+    <p:tnLst>
+      <p:par>
+        <p:cTn id="1" dur="indefinite" restart="never" nodeType="tmRoot">
           <p:childTnLst>
             <p:seq concurrent="1" nextAc="seek">
               <p:cTn id="2" dur="indefinite" nodeType="mainSeq">
@@ -12073,7 +13556,7 @@
                                           </p:stCondLst>
                                         </p:cTn>
                                         <p:tgtEl>
-                                          <p:spTgt spid="9"/>
+                                          <p:spTgt spid="13"/>
                                         </p:tgtEl>
                                         <p:attrNameLst>
                                           <p:attrName>style.visibility</p:attrName>
@@ -12087,7 +13570,7 @@
                                       <p:cBhvr>
                                         <p:cTn id="12" dur="500"/>
                                         <p:tgtEl>
-                                          <p:spTgt spid="9"/>
+                                          <p:spTgt spid="13"/>
                                         </p:tgtEl>
                                       </p:cBhvr>
                                     </p:animEffect>
@@ -12108,7 +13591,7 @@
                                           </p:stCondLst>
                                         </p:cTn>
                                         <p:tgtEl>
-                                          <p:spTgt spid="7"/>
+                                          <p:spTgt spid="11"/>
                                         </p:tgtEl>
                                         <p:attrNameLst>
                                           <p:attrName>style.visibility</p:attrName>
@@ -12122,7 +13605,7 @@
                                       <p:cBhvr>
                                         <p:cTn id="15" dur="500"/>
                                         <p:tgtEl>
-                                          <p:spTgt spid="7"/>
+                                          <p:spTgt spid="11"/>
                                         </p:tgtEl>
                                       </p:cBhvr>
                                     </p:animEffect>
@@ -12143,7 +13626,7 @@
                                           </p:stCondLst>
                                         </p:cTn>
                                         <p:tgtEl>
-                                          <p:spTgt spid="12"/>
+                                          <p:spTgt spid="17"/>
                                         </p:tgtEl>
                                         <p:attrNameLst>
                                           <p:attrName>style.visibility</p:attrName>
@@ -12157,7 +13640,7 @@
                                       <p:cBhvr>
                                         <p:cTn id="18" dur="500"/>
                                         <p:tgtEl>
-                                          <p:spTgt spid="12"/>
+                                          <p:spTgt spid="17"/>
                                         </p:tgtEl>
                                       </p:cBhvr>
                                     </p:animEffect>
@@ -12165,7 +13648,7 @@
                                 </p:cTn>
                               </p:par>
                               <p:par>
-                                <p:cTn id="19" presetID="10" presetClass="entr" presetSubtype="0" fill="hold" nodeType="withEffect">
+                                <p:cTn id="19" presetID="10" presetClass="entr" presetSubtype="0" fill="hold" grpId="0" nodeType="withEffect">
                                   <p:stCondLst>
                                     <p:cond delay="0"/>
                                   </p:stCondLst>
@@ -12178,7 +13661,7 @@
                                           </p:stCondLst>
                                         </p:cTn>
                                         <p:tgtEl>
-                                          <p:spTgt spid="8"/>
+                                          <p:spTgt spid="15"/>
                                         </p:tgtEl>
                                         <p:attrNameLst>
                                           <p:attrName>style.visibility</p:attrName>
@@ -12192,7 +13675,7 @@
                                       <p:cBhvr>
                                         <p:cTn id="21" dur="500"/>
                                         <p:tgtEl>
-                                          <p:spTgt spid="8"/>
+                                          <p:spTgt spid="15"/>
                                         </p:tgtEl>
                                       </p:cBhvr>
                                     </p:animEffect>
@@ -12200,7 +13683,7 @@
                                 </p:cTn>
                               </p:par>
                               <p:par>
-                                <p:cTn id="22" presetID="10" presetClass="entr" presetSubtype="0" fill="hold" grpId="0" nodeType="withEffect">
+                                <p:cTn id="22" presetID="10" presetClass="entr" presetSubtype="0" fill="hold" nodeType="withEffect">
                                   <p:stCondLst>
                                     <p:cond delay="0"/>
                                   </p:stCondLst>
@@ -12213,7 +13696,7 @@
                                           </p:stCondLst>
                                         </p:cTn>
                                         <p:tgtEl>
-                                          <p:spTgt spid="10"/>
+                                          <p:spTgt spid="5"/>
                                         </p:tgtEl>
                                         <p:attrNameLst>
                                           <p:attrName>style.visibility</p:attrName>
@@ -12227,28 +13710,46 @@
                                       <p:cBhvr>
                                         <p:cTn id="24" dur="500"/>
                                         <p:tgtEl>
-                                          <p:spTgt spid="10"/>
+                                          <p:spTgt spid="5"/>
                                         </p:tgtEl>
                                       </p:cBhvr>
                                     </p:animEffect>
                                   </p:childTnLst>
                                 </p:cTn>
                               </p:par>
+                            </p:childTnLst>
+                          </p:cTn>
+                        </p:par>
+                      </p:childTnLst>
+                    </p:cTn>
+                  </p:par>
+                  <p:par>
+                    <p:cTn id="25" fill="hold">
+                      <p:stCondLst>
+                        <p:cond delay="indefinite"/>
+                      </p:stCondLst>
+                      <p:childTnLst>
+                        <p:par>
+                          <p:cTn id="26" fill="hold">
+                            <p:stCondLst>
+                              <p:cond delay="0"/>
+                            </p:stCondLst>
+                            <p:childTnLst>
                               <p:par>
-                                <p:cTn id="25" presetID="10" presetClass="entr" presetSubtype="0" fill="hold" grpId="0" nodeType="withEffect">
+                                <p:cTn id="27" presetID="10" presetClass="entr" presetSubtype="0" fill="hold" nodeType="clickEffect">
                                   <p:stCondLst>
                                     <p:cond delay="0"/>
                                   </p:stCondLst>
                                   <p:childTnLst>
                                     <p:set>
                                       <p:cBhvr>
-                                        <p:cTn id="26" dur="1" fill="hold">
+                                        <p:cTn id="28" dur="1" fill="hold">
                                           <p:stCondLst>
                                             <p:cond delay="0"/>
                                           </p:stCondLst>
                                         </p:cTn>
                                         <p:tgtEl>
-                                          <p:spTgt spid="13"/>
+                                          <p:spTgt spid="12"/>
                                         </p:tgtEl>
                                         <p:attrNameLst>
                                           <p:attrName>style.visibility</p:attrName>
@@ -12260,9 +13761,9 @@
                                     </p:set>
                                     <p:animEffect transition="in" filter="fade">
                                       <p:cBhvr>
-                                        <p:cTn id="27" dur="500"/>
+                                        <p:cTn id="29" dur="500"/>
                                         <p:tgtEl>
-                                          <p:spTgt spid="13"/>
+                                          <p:spTgt spid="12"/>
                                         </p:tgtEl>
                                       </p:cBhvr>
                                     </p:animEffect>
@@ -12270,14 +13771,14 @@
                                 </p:cTn>
                               </p:par>
                               <p:par>
-                                <p:cTn id="28" presetID="10" presetClass="entr" presetSubtype="0" fill="hold" grpId="0" nodeType="withEffect">
+                                <p:cTn id="30" presetID="10" presetClass="entr" presetSubtype="0" fill="hold" grpId="0" nodeType="withEffect">
                                   <p:stCondLst>
                                     <p:cond delay="0"/>
                                   </p:stCondLst>
                                   <p:childTnLst>
                                     <p:set>
                                       <p:cBhvr>
-                                        <p:cTn id="29" dur="1" fill="hold">
+                                        <p:cTn id="31" dur="1" fill="hold">
                                           <p:stCondLst>
                                             <p:cond delay="0"/>
                                           </p:stCondLst>
@@ -12295,7 +13796,7 @@
                                     </p:set>
                                     <p:animEffect transition="in" filter="fade">
                                       <p:cBhvr>
-                                        <p:cTn id="30" dur="500"/>
+                                        <p:cTn id="32" dur="500"/>
                                         <p:tgtEl>
                                           <p:spTgt spid="14"/>
                                         </p:tgtEl>
@@ -12305,20 +13806,20 @@
                                 </p:cTn>
                               </p:par>
                               <p:par>
-                                <p:cTn id="31" presetID="10" presetClass="entr" presetSubtype="0" fill="hold" grpId="0" nodeType="withEffect">
+                                <p:cTn id="33" presetID="10" presetClass="entr" presetSubtype="0" fill="hold" grpId="0" nodeType="withEffect">
                                   <p:stCondLst>
                                     <p:cond delay="0"/>
                                   </p:stCondLst>
                                   <p:childTnLst>
                                     <p:set>
                                       <p:cBhvr>
-                                        <p:cTn id="32" dur="1" fill="hold">
+                                        <p:cTn id="34" dur="1" fill="hold">
                                           <p:stCondLst>
                                             <p:cond delay="0"/>
                                           </p:stCondLst>
                                         </p:cTn>
                                         <p:tgtEl>
-                                          <p:spTgt spid="11"/>
+                                          <p:spTgt spid="18"/>
                                         </p:tgtEl>
                                         <p:attrNameLst>
                                           <p:attrName>style.visibility</p:attrName>
@@ -12330,572 +13831,30 @@
                                     </p:set>
                                     <p:animEffect transition="in" filter="fade">
                                       <p:cBhvr>
-                                        <p:cTn id="33" dur="500"/>
+                                        <p:cTn id="35" dur="500"/>
                                         <p:tgtEl>
-                                          <p:spTgt spid="11"/>
+                                          <p:spTgt spid="18"/>
                                         </p:tgtEl>
                                       </p:cBhvr>
                                     </p:animEffect>
                                   </p:childTnLst>
                                 </p:cTn>
                               </p:par>
-                            </p:childTnLst>
-                          </p:cTn>
-                        </p:par>
-                      </p:childTnLst>
-                    </p:cTn>
-                  </p:par>
-                </p:childTnLst>
-              </p:cTn>
-              <p:prevCondLst>
-                <p:cond evt="onPrev" delay="0">
-                  <p:tgtEl>
-                    <p:sldTgt/>
-                  </p:tgtEl>
-                </p:cond>
-              </p:prevCondLst>
-              <p:nextCondLst>
-                <p:cond evt="onNext" delay="0">
-                  <p:tgtEl>
-                    <p:sldTgt/>
-                  </p:tgtEl>
-                </p:cond>
-              </p:nextCondLst>
-            </p:seq>
-          </p:childTnLst>
-        </p:cTn>
-      </p:par>
-    </p:tnLst>
-    <p:bldLst>
-      <p:bldP spid="4" grpId="0"/>
-      <p:bldP spid="9" grpId="0"/>
-      <p:bldP spid="10" grpId="0"/>
-      <p:bldP spid="11" grpId="0" animBg="1"/>
-      <p:bldP spid="12" grpId="0"/>
-      <p:bldP spid="13" grpId="0"/>
-      <p:bldP spid="14" grpId="0"/>
-    </p:bldLst>
-  </p:timing>
-</p:sld>
-</file>
-
-<file path=ppt/slides/slide9.xml><?xml version="1.0" encoding="utf-8"?>
-<p:sld xmlns:a="http://schemas.openxmlformats.org/drawingml/2006/main" xmlns:r="http://schemas.openxmlformats.org/officeDocument/2006/relationships" xmlns:p="http://schemas.openxmlformats.org/presentationml/2006/main">
-  <p:cSld>
-    <p:spTree>
-      <p:nvGrpSpPr>
-        <p:cNvPr id="1" name=""/>
-        <p:cNvGrpSpPr/>
-        <p:nvPr/>
-      </p:nvGrpSpPr>
-      <p:grpSpPr>
-        <a:xfrm>
-          <a:off x="0" y="0"/>
-          <a:ext cx="0" cy="0"/>
-          <a:chOff x="0" y="0"/>
-          <a:chExt cx="0" cy="0"/>
-        </a:xfrm>
-      </p:grpSpPr>
-      <p:pic>
-        <p:nvPicPr>
-          <p:cNvPr id="3" name="Picture 2" descr="double_a=0.04_d=0.5.jpg"/>
-          <p:cNvPicPr>
-            <a:picLocks noChangeAspect="1"/>
-          </p:cNvPicPr>
-          <p:nvPr/>
-        </p:nvPicPr>
-        <p:blipFill rotWithShape="1">
-          <a:blip r:embed="rId3" cstate="print">
-            <a:extLst>
-              <a:ext uri="{28A0092B-C50C-407E-A947-70E740481C1C}">
-                <a14:useLocalDpi xmlns:a14="http://schemas.microsoft.com/office/drawing/2010/main" val="0"/>
-              </a:ext>
-            </a:extLst>
-          </a:blip>
-          <a:srcRect l="25679" t="26866" r="27352" b="8276"/>
-          <a:stretch/>
-        </p:blipFill>
-        <p:spPr>
-          <a:xfrm>
-            <a:off x="7326712" y="3792748"/>
-            <a:ext cx="2959676" cy="3065252"/>
-          </a:xfrm>
-          <a:prstGeom prst="rect">
-            <a:avLst/>
-          </a:prstGeom>
-        </p:spPr>
-      </p:pic>
-      <p:sp>
-        <p:nvSpPr>
-          <p:cNvPr id="4" name="Title 1"/>
-          <p:cNvSpPr txBox="1">
-            <a:spLocks noGrp="1"/>
-          </p:cNvSpPr>
-          <p:nvPr>
-            <p:ph type="title"/>
-          </p:nvPr>
-        </p:nvSpPr>
-        <p:spPr>
-          <a:xfrm>
-            <a:off x="838200" y="27975"/>
-            <a:ext cx="10515600" cy="770711"/>
-          </a:xfrm>
-          <a:prstGeom prst="rect">
-            <a:avLst/>
-          </a:prstGeom>
-        </p:spPr>
-        <p:txBody>
-          <a:bodyPr vert="horz" lIns="91440" tIns="45720" rIns="91440" bIns="45720" rtlCol="0" anchor="b">
-            <a:normAutofit/>
-          </a:bodyPr>
-          <a:lstStyle>
-            <a:lvl1pPr algn="ctr" defTabSz="914400" rtl="0" eaLnBrk="1" latinLnBrk="0" hangingPunct="1">
-              <a:lnSpc>
-                <a:spcPct val="90000"/>
-              </a:lnSpc>
-              <a:spcBef>
-                <a:spcPct val="0"/>
-              </a:spcBef>
-              <a:buNone/>
-              <a:defRPr sz="6000" kern="1200">
-                <a:solidFill>
-                  <a:schemeClr val="tx1"/>
-                </a:solidFill>
-                <a:latin typeface="+mj-lt"/>
-                <a:ea typeface="+mj-ea"/>
-                <a:cs typeface="+mj-cs"/>
-              </a:defRPr>
-            </a:lvl1pPr>
-          </a:lstStyle>
-          <a:p>
-            <a:r>
-              <a:rPr lang="en-GB" sz="4800" dirty="0" smtClean="0">
-                <a:latin typeface="Times New Roman" panose="02020603050405020304" pitchFamily="18" charset="0"/>
-                <a:cs typeface="Times New Roman" panose="02020603050405020304" pitchFamily="18" charset="0"/>
-              </a:rPr>
-              <a:t>Interference of Mechanical &amp; EM Waves</a:t>
-            </a:r>
-            <a:endParaRPr lang="en-GB" sz="4800" dirty="0">
-              <a:latin typeface="Times New Roman" panose="02020603050405020304" pitchFamily="18" charset="0"/>
-              <a:cs typeface="Times New Roman" panose="02020603050405020304" pitchFamily="18" charset="0"/>
-            </a:endParaRPr>
-          </a:p>
-        </p:txBody>
-      </p:sp>
-      <p:pic>
-        <p:nvPicPr>
-          <p:cNvPr id="11" name="Picture 10"/>
-          <p:cNvPicPr>
-            <a:picLocks noChangeAspect="1"/>
-          </p:cNvPicPr>
-          <p:nvPr/>
-        </p:nvPicPr>
-        <p:blipFill rotWithShape="1">
-          <a:blip r:embed="rId4">
-            <a:extLst>
-              <a:ext uri="{28A0092B-C50C-407E-A947-70E740481C1C}">
-                <a14:useLocalDpi xmlns:a14="http://schemas.microsoft.com/office/drawing/2010/main" val="0"/>
-              </a:ext>
-            </a:extLst>
-          </a:blip>
-          <a:srcRect t="321" b="12668"/>
-          <a:stretch/>
-        </p:blipFill>
-        <p:spPr>
-          <a:xfrm>
-            <a:off x="1323203" y="1219954"/>
-            <a:ext cx="3073816" cy="2534412"/>
-          </a:xfrm>
-          <a:prstGeom prst="rect">
-            <a:avLst/>
-          </a:prstGeom>
-        </p:spPr>
-      </p:pic>
-      <p:pic>
-        <p:nvPicPr>
-          <p:cNvPr id="12" name="Picture 11"/>
-          <p:cNvPicPr>
-            <a:picLocks noChangeAspect="1"/>
-          </p:cNvPicPr>
-          <p:nvPr/>
-        </p:nvPicPr>
-        <p:blipFill rotWithShape="1">
-          <a:blip r:embed="rId5">
-            <a:extLst>
-              <a:ext uri="{28A0092B-C50C-407E-A947-70E740481C1C}">
-                <a14:useLocalDpi xmlns:a14="http://schemas.microsoft.com/office/drawing/2010/main" val="0"/>
-              </a:ext>
-            </a:extLst>
-          </a:blip>
-          <a:srcRect t="1378" b="13574"/>
-          <a:stretch/>
-        </p:blipFill>
-        <p:spPr>
-          <a:xfrm>
-            <a:off x="7323436" y="1203480"/>
-            <a:ext cx="2965622" cy="2550886"/>
-          </a:xfrm>
-          <a:prstGeom prst="rect">
-            <a:avLst/>
-          </a:prstGeom>
-        </p:spPr>
-      </p:pic>
-      <p:sp>
-        <p:nvSpPr>
-          <p:cNvPr id="13" name="TextBox 12"/>
-          <p:cNvSpPr txBox="1"/>
-          <p:nvPr/>
-        </p:nvSpPr>
-        <p:spPr>
-          <a:xfrm>
-            <a:off x="1323203" y="843067"/>
-            <a:ext cx="3073816" cy="400110"/>
-          </a:xfrm>
-          <a:prstGeom prst="rect">
-            <a:avLst/>
-          </a:prstGeom>
-          <a:noFill/>
-        </p:spPr>
-        <p:txBody>
-          <a:bodyPr wrap="square" rtlCol="0">
-            <a:spAutoFit/>
-          </a:bodyPr>
-          <a:lstStyle/>
-          <a:p>
-            <a:pPr algn="ctr"/>
-            <a:r>
-              <a:rPr lang="en-GB" sz="2000" dirty="0" smtClean="0">
-                <a:latin typeface="Times New Roman" panose="02020603050405020304" pitchFamily="18" charset="0"/>
-                <a:cs typeface="Times New Roman" panose="02020603050405020304" pitchFamily="18" charset="0"/>
-              </a:rPr>
-              <a:t>Single Slit Interference</a:t>
-            </a:r>
-            <a:endParaRPr lang="en-GB" sz="2000" dirty="0">
-              <a:latin typeface="Times New Roman" panose="02020603050405020304" pitchFamily="18" charset="0"/>
-              <a:cs typeface="Times New Roman" panose="02020603050405020304" pitchFamily="18" charset="0"/>
-            </a:endParaRPr>
-          </a:p>
-        </p:txBody>
-      </p:sp>
-      <p:sp>
-        <p:nvSpPr>
-          <p:cNvPr id="14" name="TextBox 13"/>
-          <p:cNvSpPr txBox="1"/>
-          <p:nvPr/>
-        </p:nvSpPr>
-        <p:spPr>
-          <a:xfrm>
-            <a:off x="7323436" y="826591"/>
-            <a:ext cx="2965622" cy="400110"/>
-          </a:xfrm>
-          <a:prstGeom prst="rect">
-            <a:avLst/>
-          </a:prstGeom>
-          <a:noFill/>
-        </p:spPr>
-        <p:txBody>
-          <a:bodyPr wrap="square" rtlCol="0">
-            <a:spAutoFit/>
-          </a:bodyPr>
-          <a:lstStyle/>
-          <a:p>
-            <a:pPr algn="ctr"/>
-            <a:r>
-              <a:rPr lang="en-GB" sz="2000" dirty="0" smtClean="0">
-                <a:latin typeface="Times New Roman" panose="02020603050405020304" pitchFamily="18" charset="0"/>
-                <a:cs typeface="Times New Roman" panose="02020603050405020304" pitchFamily="18" charset="0"/>
-              </a:rPr>
-              <a:t>Double Slit Interference</a:t>
-            </a:r>
-            <a:endParaRPr lang="en-GB" sz="2000" dirty="0">
-              <a:latin typeface="Times New Roman" panose="02020603050405020304" pitchFamily="18" charset="0"/>
-              <a:cs typeface="Times New Roman" panose="02020603050405020304" pitchFamily="18" charset="0"/>
-            </a:endParaRPr>
-          </a:p>
-        </p:txBody>
-      </p:sp>
-      <p:sp>
-        <p:nvSpPr>
-          <p:cNvPr id="17" name="TextBox 16"/>
-          <p:cNvSpPr txBox="1"/>
-          <p:nvPr/>
-        </p:nvSpPr>
-        <p:spPr>
-          <a:xfrm>
-            <a:off x="2304057" y="1422132"/>
-            <a:ext cx="1112108" cy="307777"/>
-          </a:xfrm>
-          <a:prstGeom prst="rect">
-            <a:avLst/>
-          </a:prstGeom>
-          <a:noFill/>
-        </p:spPr>
-        <p:txBody>
-          <a:bodyPr wrap="square" rtlCol="0">
-            <a:spAutoFit/>
-          </a:bodyPr>
-          <a:lstStyle/>
-          <a:p>
-            <a:pPr algn="ctr"/>
-            <a:r>
-              <a:rPr lang="en-GB" sz="1400" i="1" dirty="0" smtClean="0">
-                <a:latin typeface="Times New Roman" panose="02020603050405020304" pitchFamily="18" charset="0"/>
-                <a:cs typeface="Times New Roman" panose="02020603050405020304" pitchFamily="18" charset="0"/>
-              </a:rPr>
-              <a:t>f </a:t>
-            </a:r>
-            <a:r>
-              <a:rPr lang="en-GB" sz="1400" dirty="0" smtClean="0">
-                <a:latin typeface="Times New Roman" panose="02020603050405020304" pitchFamily="18" charset="0"/>
-                <a:cs typeface="Times New Roman" panose="02020603050405020304" pitchFamily="18" charset="0"/>
-              </a:rPr>
-              <a:t>= 20 Hz</a:t>
-            </a:r>
-            <a:endParaRPr lang="en-GB" sz="1400" dirty="0">
-              <a:latin typeface="Times New Roman" panose="02020603050405020304" pitchFamily="18" charset="0"/>
-              <a:cs typeface="Times New Roman" panose="02020603050405020304" pitchFamily="18" charset="0"/>
-            </a:endParaRPr>
-          </a:p>
-        </p:txBody>
-      </p:sp>
-      <p:sp>
-        <p:nvSpPr>
-          <p:cNvPr id="18" name="TextBox 17"/>
-          <p:cNvSpPr txBox="1"/>
-          <p:nvPr/>
-        </p:nvSpPr>
-        <p:spPr>
-          <a:xfrm>
-            <a:off x="8250193" y="1382064"/>
-            <a:ext cx="1112108" cy="307777"/>
-          </a:xfrm>
-          <a:prstGeom prst="rect">
-            <a:avLst/>
-          </a:prstGeom>
-          <a:noFill/>
-        </p:spPr>
-        <p:txBody>
-          <a:bodyPr wrap="square" rtlCol="0">
-            <a:spAutoFit/>
-          </a:bodyPr>
-          <a:lstStyle/>
-          <a:p>
-            <a:pPr algn="ctr"/>
-            <a:r>
-              <a:rPr lang="en-GB" sz="1400" i="1" dirty="0" smtClean="0">
-                <a:latin typeface="Times New Roman" panose="02020603050405020304" pitchFamily="18" charset="0"/>
-                <a:cs typeface="Times New Roman" panose="02020603050405020304" pitchFamily="18" charset="0"/>
-              </a:rPr>
-              <a:t>f </a:t>
-            </a:r>
-            <a:r>
-              <a:rPr lang="en-GB" sz="1400" dirty="0" smtClean="0">
-                <a:latin typeface="Times New Roman" panose="02020603050405020304" pitchFamily="18" charset="0"/>
-                <a:cs typeface="Times New Roman" panose="02020603050405020304" pitchFamily="18" charset="0"/>
-              </a:rPr>
-              <a:t>= 20 Hz</a:t>
-            </a:r>
-            <a:endParaRPr lang="en-GB" sz="1400" dirty="0">
-              <a:latin typeface="Times New Roman" panose="02020603050405020304" pitchFamily="18" charset="0"/>
-              <a:cs typeface="Times New Roman" panose="02020603050405020304" pitchFamily="18" charset="0"/>
-            </a:endParaRPr>
-          </a:p>
-        </p:txBody>
-      </p:sp>
-      <p:pic>
-        <p:nvPicPr>
-          <p:cNvPr id="2" name="Picture 1" descr="single_a=0.04.jpg"/>
-          <p:cNvPicPr>
-            <a:picLocks noChangeAspect="1"/>
-          </p:cNvPicPr>
-          <p:nvPr/>
-        </p:nvPicPr>
-        <p:blipFill rotWithShape="1">
-          <a:blip r:embed="rId6" cstate="print">
-            <a:extLst>
-              <a:ext uri="{28A0092B-C50C-407E-A947-70E740481C1C}">
-                <a14:useLocalDpi xmlns:a14="http://schemas.microsoft.com/office/drawing/2010/main" val="0"/>
-              </a:ext>
-            </a:extLst>
-          </a:blip>
-          <a:srcRect l="27667" t="28024" r="28383" b="13212"/>
-          <a:stretch/>
-        </p:blipFill>
-        <p:spPr>
-          <a:xfrm>
-            <a:off x="1339741" y="3782280"/>
-            <a:ext cx="3067131" cy="3075720"/>
-          </a:xfrm>
-          <a:prstGeom prst="rect">
-            <a:avLst/>
-          </a:prstGeom>
-        </p:spPr>
-      </p:pic>
-      <p:sp>
-        <p:nvSpPr>
-          <p:cNvPr id="15" name="TextBox 14"/>
-          <p:cNvSpPr txBox="1"/>
-          <p:nvPr/>
-        </p:nvSpPr>
-        <p:spPr>
-          <a:xfrm>
-            <a:off x="3260830" y="3817060"/>
-            <a:ext cx="1112108" cy="307777"/>
-          </a:xfrm>
-          <a:prstGeom prst="rect">
-            <a:avLst/>
-          </a:prstGeom>
-          <a:solidFill>
-            <a:schemeClr val="bg1"/>
-          </a:solidFill>
-        </p:spPr>
-        <p:txBody>
-          <a:bodyPr wrap="square" rtlCol="0">
-            <a:spAutoFit/>
-          </a:bodyPr>
-          <a:lstStyle/>
-          <a:p>
-            <a:pPr algn="ctr"/>
-            <a:r>
-              <a:rPr lang="en-GB" sz="1400" i="1" dirty="0">
-                <a:latin typeface="Times New Roman" panose="02020603050405020304" pitchFamily="18" charset="0"/>
-                <a:cs typeface="Times New Roman" panose="02020603050405020304" pitchFamily="18" charset="0"/>
-              </a:rPr>
-              <a:t>a</a:t>
-            </a:r>
-            <a:r>
-              <a:rPr lang="en-GB" sz="1400" i="1" dirty="0" smtClean="0">
-                <a:latin typeface="Times New Roman" panose="02020603050405020304" pitchFamily="18" charset="0"/>
-                <a:cs typeface="Times New Roman" panose="02020603050405020304" pitchFamily="18" charset="0"/>
-              </a:rPr>
-              <a:t> </a:t>
-            </a:r>
-            <a:r>
-              <a:rPr lang="en-GB" sz="1400" dirty="0" smtClean="0">
-                <a:latin typeface="Times New Roman" panose="02020603050405020304" pitchFamily="18" charset="0"/>
-                <a:cs typeface="Times New Roman" panose="02020603050405020304" pitchFamily="18" charset="0"/>
-              </a:rPr>
-              <a:t>= 0.04mm</a:t>
-            </a:r>
-            <a:endParaRPr lang="en-GB" sz="1400" dirty="0">
-              <a:latin typeface="Times New Roman" panose="02020603050405020304" pitchFamily="18" charset="0"/>
-              <a:cs typeface="Times New Roman" panose="02020603050405020304" pitchFamily="18" charset="0"/>
-            </a:endParaRPr>
-          </a:p>
-        </p:txBody>
-      </p:sp>
-      <p:sp>
-        <p:nvSpPr>
-          <p:cNvPr id="16" name="TextBox 15"/>
-          <p:cNvSpPr txBox="1"/>
-          <p:nvPr/>
-        </p:nvSpPr>
-        <p:spPr>
-          <a:xfrm>
-            <a:off x="9145216" y="3803784"/>
-            <a:ext cx="1112108" cy="523220"/>
-          </a:xfrm>
-          <a:prstGeom prst="rect">
-            <a:avLst/>
-          </a:prstGeom>
-          <a:solidFill>
-            <a:srgbClr val="FFFFFF"/>
-          </a:solidFill>
-        </p:spPr>
-        <p:txBody>
-          <a:bodyPr wrap="square" rtlCol="0">
-            <a:spAutoFit/>
-          </a:bodyPr>
-          <a:lstStyle/>
-          <a:p>
-            <a:pPr algn="ctr"/>
-            <a:r>
-              <a:rPr lang="en-GB" sz="1400" i="1" dirty="0">
-                <a:latin typeface="Times New Roman" panose="02020603050405020304" pitchFamily="18" charset="0"/>
-                <a:cs typeface="Times New Roman" panose="02020603050405020304" pitchFamily="18" charset="0"/>
-              </a:rPr>
-              <a:t>a</a:t>
-            </a:r>
-            <a:r>
-              <a:rPr lang="en-GB" sz="1400" i="1" dirty="0" smtClean="0">
-                <a:latin typeface="Times New Roman" panose="02020603050405020304" pitchFamily="18" charset="0"/>
-                <a:cs typeface="Times New Roman" panose="02020603050405020304" pitchFamily="18" charset="0"/>
-              </a:rPr>
-              <a:t> </a:t>
-            </a:r>
-            <a:r>
-              <a:rPr lang="en-GB" sz="1400" dirty="0" smtClean="0">
-                <a:latin typeface="Times New Roman" panose="02020603050405020304" pitchFamily="18" charset="0"/>
-                <a:cs typeface="Times New Roman" panose="02020603050405020304" pitchFamily="18" charset="0"/>
-              </a:rPr>
-              <a:t>= 0.04mm </a:t>
-            </a:r>
-            <a:r>
-              <a:rPr lang="en-GB" sz="1400" i="1" dirty="0" smtClean="0">
-                <a:latin typeface="Times New Roman" panose="02020603050405020304" pitchFamily="18" charset="0"/>
-                <a:cs typeface="Times New Roman" panose="02020603050405020304" pitchFamily="18" charset="0"/>
-              </a:rPr>
-              <a:t>d </a:t>
-            </a:r>
-            <a:r>
-              <a:rPr lang="en-GB" sz="1400" dirty="0" smtClean="0">
-                <a:latin typeface="Times New Roman" panose="02020603050405020304" pitchFamily="18" charset="0"/>
-                <a:cs typeface="Times New Roman" panose="02020603050405020304" pitchFamily="18" charset="0"/>
-              </a:rPr>
-              <a:t>= 0.5mm</a:t>
-            </a:r>
-            <a:endParaRPr lang="en-GB" sz="1400" dirty="0">
-              <a:latin typeface="Times New Roman" panose="02020603050405020304" pitchFamily="18" charset="0"/>
-              <a:cs typeface="Times New Roman" panose="02020603050405020304" pitchFamily="18" charset="0"/>
-            </a:endParaRPr>
-          </a:p>
-        </p:txBody>
-      </p:sp>
-    </p:spTree>
-    <p:extLst>
-      <p:ext uri="{BB962C8B-B14F-4D97-AF65-F5344CB8AC3E}">
-        <p14:creationId xmlns:p14="http://schemas.microsoft.com/office/powerpoint/2010/main" val="2778265832"/>
-      </p:ext>
-    </p:extLst>
-  </p:cSld>
-  <p:clrMapOvr>
-    <a:masterClrMapping/>
-  </p:clrMapOvr>
-  <p:timing>
-    <p:tnLst>
-      <p:par>
-        <p:cTn xmlns:p14="http://schemas.microsoft.com/office/powerpoint/2010/main" id="1" dur="indefinite" restart="never" nodeType="tmRoot">
-          <p:childTnLst>
-            <p:seq concurrent="1" nextAc="seek">
-              <p:cTn id="2" dur="indefinite" nodeType="mainSeq">
-                <p:childTnLst>
-                  <p:par>
-                    <p:cTn id="3" fill="hold">
-                      <p:stCondLst>
-                        <p:cond delay="indefinite"/>
-                      </p:stCondLst>
-                      <p:childTnLst>
-                        <p:par>
-                          <p:cTn id="4" fill="hold">
-                            <p:stCondLst>
-                              <p:cond delay="0"/>
-                            </p:stCondLst>
-                            <p:childTnLst>
                               <p:par>
-                                <p:cTn id="5" presetID="10" presetClass="entr" presetSubtype="0" fill="hold" grpId="0" nodeType="clickEffect">
+                                <p:cTn id="36" presetID="10" presetClass="entr" presetSubtype="0" fill="hold" grpId="0" nodeType="withEffect">
                                   <p:stCondLst>
                                     <p:cond delay="0"/>
                                   </p:stCondLst>
                                   <p:childTnLst>
                                     <p:set>
                                       <p:cBhvr>
-                                        <p:cTn id="6" dur="1" fill="hold">
+                                        <p:cTn id="37" dur="1" fill="hold">
                                           <p:stCondLst>
                                             <p:cond delay="0"/>
                                           </p:stCondLst>
                                         </p:cTn>
                                         <p:tgtEl>
-                                          <p:spTgt spid="4"/>
+                                          <p:spTgt spid="16"/>
                                         </p:tgtEl>
                                         <p:attrNameLst>
                                           <p:attrName>style.visibility</p:attrName>
@@ -12907,9 +13866,9 @@
                                     </p:set>
                                     <p:animEffect transition="in" filter="fade">
                                       <p:cBhvr>
-                                        <p:cTn id="7" dur="500"/>
+                                        <p:cTn id="38" dur="500"/>
                                         <p:tgtEl>
-                                          <p:spTgt spid="4"/>
+                                          <p:spTgt spid="16"/>
                                         </p:tgtEl>
                                       </p:cBhvr>
                                     </p:animEffect>
@@ -12917,20 +13876,20 @@
                                 </p:cTn>
                               </p:par>
                               <p:par>
-                                <p:cTn id="8" presetID="10" presetClass="entr" presetSubtype="0" fill="hold" grpId="0" nodeType="withEffect">
+                                <p:cTn id="39" presetID="10" presetClass="entr" presetSubtype="0" fill="hold" nodeType="withEffect">
                                   <p:stCondLst>
                                     <p:cond delay="0"/>
                                   </p:stCondLst>
                                   <p:childTnLst>
                                     <p:set>
                                       <p:cBhvr>
-                                        <p:cTn id="9" dur="1" fill="hold">
+                                        <p:cTn id="40" dur="1" fill="hold">
                                           <p:stCondLst>
                                             <p:cond delay="0"/>
                                           </p:stCondLst>
                                         </p:cTn>
                                         <p:tgtEl>
-                                          <p:spTgt spid="13"/>
+                                          <p:spTgt spid="3"/>
                                         </p:tgtEl>
                                         <p:attrNameLst>
                                           <p:attrName>style.visibility</p:attrName>
@@ -12942,114 +13901,9 @@
                                     </p:set>
                                     <p:animEffect transition="in" filter="fade">
                                       <p:cBhvr>
-                                        <p:cTn id="10" dur="500"/>
+                                        <p:cTn id="41" dur="500"/>
                                         <p:tgtEl>
-                                          <p:spTgt spid="13"/>
-                                        </p:tgtEl>
-                                      </p:cBhvr>
-                                    </p:animEffect>
-                                  </p:childTnLst>
-                                </p:cTn>
-                              </p:par>
-                              <p:par>
-                                <p:cTn id="11" presetID="10" presetClass="entr" presetSubtype="0" fill="hold" nodeType="withEffect">
-                                  <p:stCondLst>
-                                    <p:cond delay="0"/>
-                                  </p:stCondLst>
-                                  <p:childTnLst>
-                                    <p:set>
-                                      <p:cBhvr>
-                                        <p:cTn id="12" dur="1" fill="hold">
-                                          <p:stCondLst>
-                                            <p:cond delay="0"/>
-                                          </p:stCondLst>
-                                        </p:cTn>
-                                        <p:tgtEl>
-                                          <p:spTgt spid="11"/>
-                                        </p:tgtEl>
-                                        <p:attrNameLst>
-                                          <p:attrName>style.visibility</p:attrName>
-                                        </p:attrNameLst>
-                                      </p:cBhvr>
-                                      <p:to>
-                                        <p:strVal val="visible"/>
-                                      </p:to>
-                                    </p:set>
-                                    <p:animEffect transition="in" filter="fade">
-                                      <p:cBhvr>
-                                        <p:cTn id="13" dur="500"/>
-                                        <p:tgtEl>
-                                          <p:spTgt spid="11"/>
-                                        </p:tgtEl>
-                                      </p:cBhvr>
-                                    </p:animEffect>
-                                  </p:childTnLst>
-                                </p:cTn>
-                              </p:par>
-                              <p:par>
-                                <p:cTn id="14" presetID="10" presetClass="entr" presetSubtype="0" fill="hold" grpId="0" nodeType="withEffect">
-                                  <p:stCondLst>
-                                    <p:cond delay="0"/>
-                                  </p:stCondLst>
-                                  <p:childTnLst>
-                                    <p:set>
-                                      <p:cBhvr>
-                                        <p:cTn id="15" dur="1" fill="hold">
-                                          <p:stCondLst>
-                                            <p:cond delay="0"/>
-                                          </p:stCondLst>
-                                        </p:cTn>
-                                        <p:tgtEl>
-                                          <p:spTgt spid="14"/>
-                                        </p:tgtEl>
-                                        <p:attrNameLst>
-                                          <p:attrName>style.visibility</p:attrName>
-                                        </p:attrNameLst>
-                                      </p:cBhvr>
-                                      <p:to>
-                                        <p:strVal val="visible"/>
-                                      </p:to>
-                                    </p:set>
-                                    <p:animEffect transition="in" filter="fade">
-                                      <p:cBhvr>
-                                        <p:cTn id="16" dur="500"/>
-                                        <p:tgtEl>
-                                          <p:spTgt spid="14"/>
-                                        </p:tgtEl>
-                                      </p:cBhvr>
-                                    </p:animEffect>
-                                  </p:childTnLst>
-                                </p:cTn>
-                              </p:par>
-                              <p:par>
-                                <p:cTn id="17" presetID="10" presetClass="entr" presetSubtype="0" fill="hold" nodeType="withEffect">
-                                  <p:stCondLst>
-                                    <p:cond delay="0"/>
-                                  </p:stCondLst>
-                                  <p:childTnLst>
-                                    <p:set>
-                                      <p:cBhvr>
-                                        <p:cTn id="18" dur="1" fill="hold">
-                                          <p:stCondLst>
-                                            <p:cond delay="0"/>
-                                          </p:stCondLst>
-                                        </p:cTn>
-                                        <p:tgtEl>
-                                          <p:spTgt spid="12"/>
-                                        </p:tgtEl>
-                                        <p:attrNameLst>
-                                          <p:attrName>style.visibility</p:attrName>
-                                        </p:attrNameLst>
-                                      </p:cBhvr>
-                                      <p:to>
-                                        <p:strVal val="visible"/>
-                                      </p:to>
-                                    </p:set>
-                                    <p:animEffect transition="in" filter="fade">
-                                      <p:cBhvr>
-                                        <p:cTn id="19" dur="500"/>
-                                        <p:tgtEl>
-                                          <p:spTgt spid="12"/>
+                                          <p:spTgt spid="3"/>
                                         </p:tgtEl>
                                       </p:cBhvr>
                                     </p:animEffect>
@@ -13087,6 +13941,10 @@
       <p:bldP spid="4" grpId="0"/>
       <p:bldP spid="13" grpId="0"/>
       <p:bldP spid="14" grpId="0"/>
+      <p:bldP spid="17" grpId="0"/>
+      <p:bldP spid="16" grpId="0" animBg="1"/>
+      <p:bldP spid="15" grpId="0" animBg="1"/>
+      <p:bldP spid="18" grpId="0"/>
     </p:bldLst>
   </p:timing>
 </p:sld>
@@ -13347,7 +14205,7 @@
   <a:extraClrSchemeLst/>
   <a:extLst>
     <a:ext uri="{05A4C25C-085E-4340-85A3-A5531E510DB2}">
-      <thm15:themeFamily xmlns:thm15="http://schemas.microsoft.com/office/thememl/2012/main" xmlns="" name="Office Theme" id="{62F939B6-93AF-4DB8-9C6B-D6C7DFDC589F}" vid="{4A3C46E8-61CC-4603-A589-7422A47A8E4A}"/>
+      <thm15:themeFamily xmlns:thm15="http://schemas.microsoft.com/office/thememl/2012/main" name="Office Theme" id="{62F939B6-93AF-4DB8-9C6B-D6C7DFDC589F}" vid="{4A3C46E8-61CC-4603-A589-7422A47A8E4A}"/>
     </a:ext>
   </a:extLst>
 </a:theme>
@@ -13608,7 +14466,7 @@
   <a:extraClrSchemeLst/>
   <a:extLst>
     <a:ext uri="{05A4C25C-085E-4340-85A3-A5531E510DB2}">
-      <thm15:themeFamily xmlns:thm15="http://schemas.microsoft.com/office/thememl/2012/main" xmlns="" name="Office Theme" id="{62F939B6-93AF-4DB8-9C6B-D6C7DFDC589F}" vid="{4A3C46E8-61CC-4603-A589-7422A47A8E4A}"/>
+      <thm15:themeFamily xmlns:thm15="http://schemas.microsoft.com/office/thememl/2012/main" name="Office Theme" id="{62F939B6-93AF-4DB8-9C6B-D6C7DFDC589F}" vid="{4A3C46E8-61CC-4603-A589-7422A47A8E4A}"/>
     </a:ext>
   </a:extLst>
 </a:theme>
